--- a/ppt/project_2.pptx
+++ b/ppt/project_2.pptx
@@ -197,7 +197,7 @@
           <a:p>
             <a:fld id="{549659DD-B4CD-4E48-AA68-BB8EB028BDE1}" type="datetimeFigureOut">
               <a:rPr lang="ko-KR" altLang="en-US" smtClean="0"/>
-              <a:t>2016-10-12</a:t>
+              <a:t>2016-10-13</a:t>
             </a:fld>
             <a:endParaRPr lang="ko-KR" altLang="en-US"/>
           </a:p>
@@ -730,7 +730,7 @@
           <a:p>
             <a:fld id="{2556E265-FD56-475E-9687-0455F914B6B9}" type="datetimeFigureOut">
               <a:rPr lang="ko-KR" altLang="en-US" smtClean="0"/>
-              <a:t>2016-10-12</a:t>
+              <a:t>2016-10-13</a:t>
             </a:fld>
             <a:endParaRPr lang="ko-KR" altLang="en-US"/>
           </a:p>
@@ -900,7 +900,7 @@
           <a:p>
             <a:fld id="{2556E265-FD56-475E-9687-0455F914B6B9}" type="datetimeFigureOut">
               <a:rPr lang="ko-KR" altLang="en-US" smtClean="0"/>
-              <a:t>2016-10-12</a:t>
+              <a:t>2016-10-13</a:t>
             </a:fld>
             <a:endParaRPr lang="ko-KR" altLang="en-US"/>
           </a:p>
@@ -1080,7 +1080,7 @@
           <a:p>
             <a:fld id="{2556E265-FD56-475E-9687-0455F914B6B9}" type="datetimeFigureOut">
               <a:rPr lang="ko-KR" altLang="en-US" smtClean="0"/>
-              <a:t>2016-10-12</a:t>
+              <a:t>2016-10-13</a:t>
             </a:fld>
             <a:endParaRPr lang="ko-KR" altLang="en-US"/>
           </a:p>
@@ -1250,7 +1250,7 @@
           <a:p>
             <a:fld id="{2556E265-FD56-475E-9687-0455F914B6B9}" type="datetimeFigureOut">
               <a:rPr lang="ko-KR" altLang="en-US" smtClean="0"/>
-              <a:t>2016-10-12</a:t>
+              <a:t>2016-10-13</a:t>
             </a:fld>
             <a:endParaRPr lang="ko-KR" altLang="en-US"/>
           </a:p>
@@ -1496,7 +1496,7 @@
           <a:p>
             <a:fld id="{2556E265-FD56-475E-9687-0455F914B6B9}" type="datetimeFigureOut">
               <a:rPr lang="ko-KR" altLang="en-US" smtClean="0"/>
-              <a:t>2016-10-12</a:t>
+              <a:t>2016-10-13</a:t>
             </a:fld>
             <a:endParaRPr lang="ko-KR" altLang="en-US"/>
           </a:p>
@@ -1784,7 +1784,7 @@
           <a:p>
             <a:fld id="{2556E265-FD56-475E-9687-0455F914B6B9}" type="datetimeFigureOut">
               <a:rPr lang="ko-KR" altLang="en-US" smtClean="0"/>
-              <a:t>2016-10-12</a:t>
+              <a:t>2016-10-13</a:t>
             </a:fld>
             <a:endParaRPr lang="ko-KR" altLang="en-US"/>
           </a:p>
@@ -2206,7 +2206,7 @@
           <a:p>
             <a:fld id="{2556E265-FD56-475E-9687-0455F914B6B9}" type="datetimeFigureOut">
               <a:rPr lang="ko-KR" altLang="en-US" smtClean="0"/>
-              <a:t>2016-10-12</a:t>
+              <a:t>2016-10-13</a:t>
             </a:fld>
             <a:endParaRPr lang="ko-KR" altLang="en-US"/>
           </a:p>
@@ -2324,7 +2324,7 @@
           <a:p>
             <a:fld id="{2556E265-FD56-475E-9687-0455F914B6B9}" type="datetimeFigureOut">
               <a:rPr lang="ko-KR" altLang="en-US" smtClean="0"/>
-              <a:t>2016-10-12</a:t>
+              <a:t>2016-10-13</a:t>
             </a:fld>
             <a:endParaRPr lang="ko-KR" altLang="en-US"/>
           </a:p>
@@ -2419,7 +2419,7 @@
           <a:p>
             <a:fld id="{2556E265-FD56-475E-9687-0455F914B6B9}" type="datetimeFigureOut">
               <a:rPr lang="ko-KR" altLang="en-US" smtClean="0"/>
-              <a:t>2016-10-12</a:t>
+              <a:t>2016-10-13</a:t>
             </a:fld>
             <a:endParaRPr lang="ko-KR" altLang="en-US"/>
           </a:p>
@@ -2696,7 +2696,7 @@
           <a:p>
             <a:fld id="{2556E265-FD56-475E-9687-0455F914B6B9}" type="datetimeFigureOut">
               <a:rPr lang="ko-KR" altLang="en-US" smtClean="0"/>
-              <a:t>2016-10-12</a:t>
+              <a:t>2016-10-13</a:t>
             </a:fld>
             <a:endParaRPr lang="ko-KR" altLang="en-US"/>
           </a:p>
@@ -2949,7 +2949,7 @@
           <a:p>
             <a:fld id="{2556E265-FD56-475E-9687-0455F914B6B9}" type="datetimeFigureOut">
               <a:rPr lang="ko-KR" altLang="en-US" smtClean="0"/>
-              <a:t>2016-10-12</a:t>
+              <a:t>2016-10-13</a:t>
             </a:fld>
             <a:endParaRPr lang="ko-KR" altLang="en-US"/>
           </a:p>
@@ -3171,7 +3171,7 @@
           <a:p>
             <a:fld id="{2556E265-FD56-475E-9687-0455F914B6B9}" type="datetimeFigureOut">
               <a:rPr lang="ko-KR" altLang="en-US" smtClean="0"/>
-              <a:t>2016-10-12</a:t>
+              <a:t>2016-10-13</a:t>
             </a:fld>
             <a:endParaRPr lang="ko-KR" altLang="en-US"/>
           </a:p>
@@ -3633,6 +3633,70 @@
           </a:p>
         </p:txBody>
       </p:sp>
+      <p:sp>
+        <p:nvSpPr>
+          <p:cNvPr id="2" name="TextBox 1"/>
+          <p:cNvSpPr txBox="1"/>
+          <p:nvPr/>
+        </p:nvSpPr>
+        <p:spPr>
+          <a:xfrm>
+            <a:off x="7020272" y="4375491"/>
+            <a:ext cx="2332887" cy="646331"/>
+          </a:xfrm>
+          <a:prstGeom prst="rect">
+            <a:avLst/>
+          </a:prstGeom>
+          <a:noFill/>
+        </p:spPr>
+        <p:txBody>
+          <a:bodyPr wrap="square" rtlCol="0">
+            <a:spAutoFit/>
+          </a:bodyPr>
+          <a:lstStyle/>
+          <a:p>
+            <a:r>
+              <a:rPr lang="en-US" altLang="ko-KR" sz="3600" dirty="0" smtClean="0">
+                <a:ln w="18415" cmpd="sng">
+                  <a:solidFill>
+                    <a:srgbClr val="FFFFFF"/>
+                  </a:solidFill>
+                  <a:prstDash val="solid"/>
+                </a:ln>
+                <a:solidFill>
+                  <a:srgbClr val="FFFFFF"/>
+                </a:solidFill>
+                <a:effectLst>
+                  <a:outerShdw blurRad="63500" dir="3600000" algn="tl" rotWithShape="0">
+                    <a:srgbClr val="000000">
+                      <a:alpha val="70000"/>
+                    </a:srgbClr>
+                  </a:outerShdw>
+                </a:effectLst>
+              </a:rPr>
+              <a:t>For U.F.O</a:t>
+            </a:r>
+            <a:endParaRPr lang="ko-KR" altLang="en-US" sz="3600" dirty="0">
+              <a:ln w="18415" cmpd="sng">
+                <a:solidFill>
+                  <a:srgbClr val="FFFFFF"/>
+                </a:solidFill>
+                <a:prstDash val="solid"/>
+              </a:ln>
+              <a:solidFill>
+                <a:srgbClr val="FFFFFF"/>
+              </a:solidFill>
+              <a:effectLst>
+                <a:outerShdw blurRad="63500" dir="3600000" algn="tl" rotWithShape="0">
+                  <a:srgbClr val="000000">
+                    <a:alpha val="70000"/>
+                  </a:srgbClr>
+                </a:outerShdw>
+              </a:effectLst>
+            </a:endParaRPr>
+          </a:p>
+        </p:txBody>
+      </p:sp>
     </p:spTree>
     <p:extLst>
       <p:ext uri="{BB962C8B-B14F-4D97-AF65-F5344CB8AC3E}">
@@ -4161,14 +4225,14 @@
           <p:nvPr>
             <p:extLst>
               <p:ext uri="{D42A27DB-BD31-4B8C-83A1-F6EECF244321}">
-                <p14:modId xmlns:p14="http://schemas.microsoft.com/office/powerpoint/2010/main" val="2360418081"/>
+                <p14:modId xmlns:p14="http://schemas.microsoft.com/office/powerpoint/2010/main" val="660570970"/>
               </p:ext>
             </p:extLst>
           </p:nvPr>
         </p:nvGraphicFramePr>
         <p:xfrm>
           <a:off x="251520" y="1772816"/>
-          <a:ext cx="8655569" cy="4114800"/>
+          <a:ext cx="8655569" cy="4176464"/>
         </p:xfrm>
         <a:graphic>
           <a:graphicData uri="http://schemas.openxmlformats.org/drawingml/2006/table">
@@ -4366,7 +4430,7 @@
                           <a:latin typeface="MD이솝체" pitchFamily="18" charset="-127"/>
                           <a:ea typeface="MD이솝체" pitchFamily="18" charset="-127"/>
                         </a:rPr>
-                        <a:t>코인</a:t>
+                        <a:t>장애물</a:t>
                       </a:r>
                       <a:endParaRPr lang="ko-KR" altLang="en-US" dirty="0">
                         <a:latin typeface="MD이솝체" pitchFamily="18" charset="-127"/>
@@ -4387,14 +4451,35 @@
                           <a:latin typeface="MD이솝체" pitchFamily="18" charset="-127"/>
                           <a:ea typeface="MD이솝체" pitchFamily="18" charset="-127"/>
                         </a:rPr>
-                        <a:t>코인의</a:t>
+                        <a:t>코인</a:t>
                       </a:r>
                       <a:r>
                         <a:rPr lang="ko-KR" altLang="en-US" baseline="0" dirty="0" smtClean="0">
                           <a:latin typeface="MD이솝체" pitchFamily="18" charset="-127"/>
                           <a:ea typeface="MD이솝체" pitchFamily="18" charset="-127"/>
                         </a:rPr>
-                        <a:t> 위치를 난이도로 제작</a:t>
+                        <a:t> 제작 </a:t>
+                      </a:r>
+                      <a:r>
+                        <a:rPr lang="en-US" altLang="ko-KR" baseline="0" dirty="0" smtClean="0">
+                          <a:latin typeface="MD이솝체" pitchFamily="18" charset="-127"/>
+                          <a:ea typeface="MD이솝체" pitchFamily="18" charset="-127"/>
+                        </a:rPr>
+                        <a:t>(</a:t>
+                      </a:r>
+                      <a:r>
+                        <a:rPr lang="ko-KR" altLang="en-US" baseline="0" dirty="0" smtClean="0">
+                          <a:latin typeface="MD이솝체" pitchFamily="18" charset="-127"/>
+                          <a:ea typeface="MD이솝체" pitchFamily="18" charset="-127"/>
+                        </a:rPr>
+                        <a:t>다양한 패턴의 코인</a:t>
+                      </a:r>
+                      <a:r>
+                        <a:rPr lang="en-US" altLang="ko-KR" baseline="0" dirty="0" smtClean="0">
+                          <a:latin typeface="MD이솝체" pitchFamily="18" charset="-127"/>
+                          <a:ea typeface="MD이솝체" pitchFamily="18" charset="-127"/>
+                        </a:rPr>
+                        <a:t>)</a:t>
                       </a:r>
                       <a:endParaRPr lang="ko-KR" altLang="en-US" dirty="0">
                         <a:latin typeface="MD이솝체" pitchFamily="18" charset="-127"/>
@@ -4466,14 +4551,7 @@
                           <a:latin typeface="MD이솝체" pitchFamily="18" charset="-127"/>
                           <a:ea typeface="MD이솝체" pitchFamily="18" charset="-127"/>
                         </a:rPr>
-                        <a:t>키를 이용하여 </a:t>
-                      </a:r>
-                      <a:r>
-                        <a:rPr lang="ko-KR" altLang="en-US" dirty="0" smtClean="0">
-                          <a:latin typeface="MD이솝체" pitchFamily="18" charset="-127"/>
-                          <a:ea typeface="MD이솝체" pitchFamily="18" charset="-127"/>
-                        </a:rPr>
-                        <a:t>공격</a:t>
+                        <a:t>키를 이용하여 공격</a:t>
                       </a:r>
                       <a:endParaRPr lang="ko-KR" altLang="en-US" dirty="0">
                         <a:latin typeface="MD이솝체" pitchFamily="18" charset="-127"/>
@@ -4545,14 +4623,7 @@
                           <a:latin typeface="MD이솝체" pitchFamily="18" charset="-127"/>
                           <a:ea typeface="MD이솝체" pitchFamily="18" charset="-127"/>
                         </a:rPr>
-                        <a:t>가 </a:t>
-                      </a:r>
-                      <a:r>
-                        <a:rPr lang="ko-KR" altLang="en-US" dirty="0" smtClean="0">
-                          <a:latin typeface="MD이솝체" pitchFamily="18" charset="-127"/>
-                          <a:ea typeface="MD이솝체" pitchFamily="18" charset="-127"/>
-                        </a:rPr>
-                        <a:t>나타남</a:t>
+                        <a:t>가 나타남</a:t>
                       </a:r>
                       <a:endParaRPr lang="ko-KR" altLang="en-US" dirty="0">
                         <a:latin typeface="MD이솝체" pitchFamily="18" charset="-127"/>
@@ -4693,7 +4764,7 @@
                   <a:tcPr anchor="ctr"/>
                 </a:tc>
               </a:tr>
-              <a:tr h="360000">
+              <a:tr h="427424">
                 <a:tc>
                   <a:txBody>
                     <a:bodyPr/>
@@ -4831,7 +4902,7 @@
           <p:nvPr>
             <p:extLst>
               <p:ext uri="{D42A27DB-BD31-4B8C-83A1-F6EECF244321}">
-                <p14:modId xmlns:p14="http://schemas.microsoft.com/office/powerpoint/2010/main" val="1624271751"/>
+                <p14:modId xmlns:p14="http://schemas.microsoft.com/office/powerpoint/2010/main" val="2774674072"/>
               </p:ext>
             </p:extLst>
           </p:nvPr>
@@ -5208,25 +5279,305 @@
                     <a:p>
                       <a:pPr algn="l" latinLnBrk="1"/>
                       <a:r>
+                        <a:rPr lang="en-US" altLang="ko-KR" sz="1600" dirty="0" smtClean="0">
+                          <a:latin typeface="MD이솝체" pitchFamily="18" charset="-127"/>
+                          <a:ea typeface="MD이솝체" pitchFamily="18" charset="-127"/>
+                        </a:rPr>
+                        <a:t>(100%) coin </a:t>
+                      </a:r>
+                      <a:r>
+                        <a:rPr lang="ko-KR" altLang="en-US" sz="1600" dirty="0" smtClean="0">
+                          <a:latin typeface="MD이솝체" pitchFamily="18" charset="-127"/>
+                          <a:ea typeface="MD이솝체" pitchFamily="18" charset="-127"/>
+                        </a:rPr>
+                        <a:t>생성</a:t>
+                      </a:r>
+                      <a:r>
+                        <a:rPr lang="ko-KR" altLang="en-US" sz="1600" baseline="0" dirty="0" smtClean="0">
+                          <a:latin typeface="MD이솝체" pitchFamily="18" charset="-127"/>
+                          <a:ea typeface="MD이솝체" pitchFamily="18" charset="-127"/>
+                        </a:rPr>
+                        <a:t>방식 </a:t>
+                      </a:r>
+                      <a:r>
+                        <a:rPr lang="ko-KR" altLang="en-US" sz="1600" baseline="0" dirty="0" smtClean="0">
+                          <a:latin typeface="MD이솝체" pitchFamily="18" charset="-127"/>
+                          <a:ea typeface="MD이솝체" pitchFamily="18" charset="-127"/>
+                        </a:rPr>
+                        <a:t>제작</a:t>
+                      </a:r>
+                      <a:r>
+                        <a:rPr lang="en-US" altLang="ko-KR" sz="1600" baseline="0" dirty="0" smtClean="0">
+                          <a:latin typeface="MD이솝체" pitchFamily="18" charset="-127"/>
+                          <a:ea typeface="MD이솝체" pitchFamily="18" charset="-127"/>
+                        </a:rPr>
+                        <a:t>(4</a:t>
+                      </a:r>
+                      <a:r>
+                        <a:rPr lang="ko-KR" altLang="en-US" sz="1600" baseline="0" dirty="0" smtClean="0">
+                          <a:latin typeface="MD이솝체" pitchFamily="18" charset="-127"/>
+                          <a:ea typeface="MD이솝체" pitchFamily="18" charset="-127"/>
+                        </a:rPr>
+                        <a:t>가지</a:t>
+                      </a:r>
+                      <a:r>
+                        <a:rPr lang="en-US" altLang="ko-KR" sz="1600" baseline="0" dirty="0" smtClean="0">
+                          <a:latin typeface="MD이솝체" pitchFamily="18" charset="-127"/>
+                          <a:ea typeface="MD이솝체" pitchFamily="18" charset="-127"/>
+                        </a:rPr>
+                        <a:t>)</a:t>
+                      </a:r>
+                      <a:endParaRPr lang="ko-KR" altLang="en-US" sz="1600" dirty="0">
+                        <a:latin typeface="MD이솝체" pitchFamily="18" charset="-127"/>
+                        <a:ea typeface="MD이솝체" pitchFamily="18" charset="-127"/>
+                      </a:endParaRPr>
+                    </a:p>
+                  </a:txBody>
+                  <a:tcPr marL="84295" marR="84295" marT="42148" marB="42148"/>
+                </a:tc>
+              </a:tr>
+              <a:tr h="590067">
+                <a:tc>
+                  <a:txBody>
+                    <a:bodyPr/>
+                    <a:lstStyle/>
+                    <a:p>
+                      <a:pPr algn="ctr" latinLnBrk="1"/>
+                      <a:r>
                         <a:rPr lang="en-US" altLang="ko-KR" sz="1700" dirty="0" smtClean="0">
                           <a:latin typeface="MD이솝체" pitchFamily="18" charset="-127"/>
                           <a:ea typeface="MD이솝체" pitchFamily="18" charset="-127"/>
                         </a:rPr>
-                        <a:t>(100%) coin </a:t>
+                        <a:t>4</a:t>
                       </a:r>
                       <a:r>
                         <a:rPr lang="ko-KR" altLang="en-US" sz="1700" dirty="0" smtClean="0">
                           <a:latin typeface="MD이솝체" pitchFamily="18" charset="-127"/>
                           <a:ea typeface="MD이솝체" pitchFamily="18" charset="-127"/>
                         </a:rPr>
-                        <a:t>생성</a:t>
+                        <a:t>주차</a:t>
+                      </a:r>
+                      <a:endParaRPr lang="ko-KR" altLang="en-US" sz="1700" dirty="0">
+                        <a:latin typeface="MD이솝체" pitchFamily="18" charset="-127"/>
+                        <a:ea typeface="MD이솝체" pitchFamily="18" charset="-127"/>
+                      </a:endParaRPr>
+                    </a:p>
+                  </a:txBody>
+                  <a:tcPr marL="84295" marR="84295" marT="42148" marB="42148"/>
+                </a:tc>
+                <a:tc>
+                  <a:txBody>
+                    <a:bodyPr/>
+                    <a:lstStyle/>
+                    <a:p>
+                      <a:pPr algn="l" latinLnBrk="1"/>
+                      <a:r>
+                        <a:rPr lang="ko-KR" altLang="en-US" sz="1700" dirty="0" smtClean="0">
+                          <a:latin typeface="MD이솝체" pitchFamily="18" charset="-127"/>
+                          <a:ea typeface="MD이솝체" pitchFamily="18" charset="-127"/>
+                        </a:rPr>
+                        <a:t>캐릭터의 움직임과 </a:t>
+                      </a:r>
+                      <a:r>
+                        <a:rPr lang="en-US" altLang="ko-KR" sz="1700" dirty="0" smtClean="0">
+                          <a:latin typeface="MD이솝체" pitchFamily="18" charset="-127"/>
+                          <a:ea typeface="MD이솝체" pitchFamily="18" charset="-127"/>
+                        </a:rPr>
+                        <a:t>Map</a:t>
+                      </a:r>
+                      <a:r>
+                        <a:rPr lang="ko-KR" altLang="en-US" sz="1700" dirty="0" smtClean="0">
+                          <a:latin typeface="MD이솝체" pitchFamily="18" charset="-127"/>
+                          <a:ea typeface="MD이솝체" pitchFamily="18" charset="-127"/>
+                        </a:rPr>
+                        <a:t> 장애물 충돌처리 및 발표 전 점검</a:t>
+                      </a:r>
+                      <a:endParaRPr lang="ko-KR" altLang="en-US" sz="1700" dirty="0">
+                        <a:latin typeface="MD이솝체" pitchFamily="18" charset="-127"/>
+                        <a:ea typeface="MD이솝체" pitchFamily="18" charset="-127"/>
+                      </a:endParaRPr>
+                    </a:p>
+                  </a:txBody>
+                  <a:tcPr marL="84295" marR="84295" marT="42148" marB="42148"/>
+                </a:tc>
+                <a:tc>
+                  <a:txBody>
+                    <a:bodyPr/>
+                    <a:lstStyle/>
+                    <a:p>
+                      <a:pPr algn="l" latinLnBrk="1"/>
+                      <a:r>
+                        <a:rPr lang="en-US" altLang="ko-KR" sz="1600" dirty="0" smtClean="0">
+                          <a:latin typeface="MD이솝체" pitchFamily="18" charset="-127"/>
+                          <a:ea typeface="MD이솝체" pitchFamily="18" charset="-127"/>
+                        </a:rPr>
+                        <a:t>(100%) coin</a:t>
+                      </a:r>
+                      <a:r>
+                        <a:rPr lang="ko-KR" altLang="en-US" sz="1600" dirty="0" smtClean="0">
+                          <a:latin typeface="MD이솝체" pitchFamily="18" charset="-127"/>
+                          <a:ea typeface="MD이솝체" pitchFamily="18" charset="-127"/>
+                        </a:rPr>
+                        <a:t>과 캐릭터와 충돌 </a:t>
+                      </a:r>
+                      <a:r>
+                        <a:rPr lang="en-US" altLang="ko-KR" sz="1600" dirty="0" smtClean="0">
+                          <a:latin typeface="MD이솝체" pitchFamily="18" charset="-127"/>
+                          <a:ea typeface="MD이솝체" pitchFamily="18" charset="-127"/>
+                        </a:rPr>
+                        <a:t>ok</a:t>
+                      </a:r>
+                    </a:p>
+                    <a:p>
+                      <a:pPr algn="l" latinLnBrk="1"/>
+                      <a:r>
+                        <a:rPr lang="en-US" altLang="ko-KR" sz="1600" dirty="0" smtClean="0">
+                          <a:latin typeface="MD이솝체" pitchFamily="18" charset="-127"/>
+                          <a:ea typeface="MD이솝체" pitchFamily="18" charset="-127"/>
+                        </a:rPr>
+                        <a:t>Framework</a:t>
+                      </a:r>
+                      <a:r>
+                        <a:rPr lang="ko-KR" altLang="en-US" sz="1600" dirty="0" smtClean="0">
+                          <a:latin typeface="MD이솝체" pitchFamily="18" charset="-127"/>
+                          <a:ea typeface="MD이솝체" pitchFamily="18" charset="-127"/>
+                        </a:rPr>
+                        <a:t>적용</a:t>
+                      </a:r>
+                      <a:r>
+                        <a:rPr lang="en-US" altLang="ko-KR" sz="1600" dirty="0" smtClean="0">
+                          <a:latin typeface="MD이솝체" pitchFamily="18" charset="-127"/>
+                          <a:ea typeface="MD이솝체" pitchFamily="18" charset="-127"/>
+                        </a:rPr>
+                        <a:t>,</a:t>
+                      </a:r>
+                      <a:r>
+                        <a:rPr lang="ko-KR" altLang="en-US" sz="1600" dirty="0" smtClean="0">
+                          <a:latin typeface="MD이솝체" pitchFamily="18" charset="-127"/>
+                          <a:ea typeface="MD이솝체" pitchFamily="18" charset="-127"/>
+                        </a:rPr>
+                        <a:t>대략적인 시작화면</a:t>
+                      </a:r>
+                      <a:endParaRPr lang="en-US" altLang="ko-KR" sz="1600" dirty="0" smtClean="0">
+                        <a:latin typeface="MD이솝체" pitchFamily="18" charset="-127"/>
+                        <a:ea typeface="MD이솝체" pitchFamily="18" charset="-127"/>
+                      </a:endParaRPr>
+                    </a:p>
+                  </a:txBody>
+                  <a:tcPr marL="84295" marR="84295" marT="42148" marB="42148"/>
+                </a:tc>
+              </a:tr>
+              <a:tr h="429785">
+                <a:tc>
+                  <a:txBody>
+                    <a:bodyPr/>
+                    <a:lstStyle/>
+                    <a:p>
+                      <a:pPr algn="ctr" latinLnBrk="1"/>
+                      <a:r>
+                        <a:rPr lang="en-US" altLang="ko-KR" sz="1700" dirty="0" smtClean="0">
+                          <a:latin typeface="MD이솝체" pitchFamily="18" charset="-127"/>
+                          <a:ea typeface="MD이솝체" pitchFamily="18" charset="-127"/>
+                        </a:rPr>
+                        <a:t>5</a:t>
+                      </a:r>
+                      <a:r>
+                        <a:rPr lang="ko-KR" altLang="en-US" sz="1700" dirty="0" smtClean="0">
+                          <a:latin typeface="MD이솝체" pitchFamily="18" charset="-127"/>
+                          <a:ea typeface="MD이솝체" pitchFamily="18" charset="-127"/>
+                        </a:rPr>
+                        <a:t>주차</a:t>
+                      </a:r>
+                      <a:endParaRPr lang="ko-KR" altLang="en-US" sz="1700" dirty="0">
+                        <a:latin typeface="MD이솝체" pitchFamily="18" charset="-127"/>
+                        <a:ea typeface="MD이솝체" pitchFamily="18" charset="-127"/>
+                      </a:endParaRPr>
+                    </a:p>
+                  </a:txBody>
+                  <a:tcPr marL="84295" marR="84295" marT="42148" marB="42148"/>
+                </a:tc>
+                <a:tc>
+                  <a:txBody>
+                    <a:bodyPr/>
+                    <a:lstStyle/>
+                    <a:p>
+                      <a:pPr algn="l" latinLnBrk="1"/>
+                      <a:r>
+                        <a:rPr lang="ko-KR" altLang="en-US" sz="1700" dirty="0" smtClean="0">
+                          <a:latin typeface="MD이솝체" pitchFamily="18" charset="-127"/>
+                          <a:ea typeface="MD이솝체" pitchFamily="18" charset="-127"/>
+                        </a:rPr>
+                        <a:t>프로젝트 </a:t>
+                      </a:r>
+                      <a:r>
+                        <a:rPr lang="en-US" altLang="ko-KR" sz="1700" dirty="0" smtClean="0">
+                          <a:latin typeface="MD이솝체" pitchFamily="18" charset="-127"/>
+                          <a:ea typeface="MD이솝체" pitchFamily="18" charset="-127"/>
+                        </a:rPr>
+                        <a:t>2</a:t>
+                      </a:r>
+                      <a:r>
+                        <a:rPr lang="ko-KR" altLang="en-US" sz="1700" dirty="0" smtClean="0">
+                          <a:latin typeface="MD이솝체" pitchFamily="18" charset="-127"/>
+                          <a:ea typeface="MD이솝체" pitchFamily="18" charset="-127"/>
+                        </a:rPr>
+                        <a:t>차 발표 제작</a:t>
+                      </a:r>
+                      <a:endParaRPr lang="ko-KR" altLang="en-US" sz="1700" dirty="0">
+                        <a:latin typeface="MD이솝체" pitchFamily="18" charset="-127"/>
+                        <a:ea typeface="MD이솝체" pitchFamily="18" charset="-127"/>
+                      </a:endParaRPr>
+                    </a:p>
+                  </a:txBody>
+                  <a:tcPr marL="84295" marR="84295" marT="42148" marB="42148"/>
+                </a:tc>
+                <a:tc>
+                  <a:txBody>
+                    <a:bodyPr/>
+                    <a:lstStyle/>
+                    <a:p>
+                      <a:pPr algn="l" latinLnBrk="1"/>
+                      <a:r>
+                        <a:rPr lang="en-US" altLang="ko-KR" sz="1700" dirty="0" smtClean="0">
+                          <a:latin typeface="MD이솝체" pitchFamily="18" charset="-127"/>
+                          <a:ea typeface="MD이솝체" pitchFamily="18" charset="-127"/>
+                        </a:rPr>
+                        <a:t>(100%)</a:t>
+                      </a:r>
+                      <a:r>
+                        <a:rPr lang="en-US" altLang="ko-KR" sz="1700" baseline="0" dirty="0" smtClean="0">
+                          <a:latin typeface="MD이솝체" pitchFamily="18" charset="-127"/>
+                          <a:ea typeface="MD이솝체" pitchFamily="18" charset="-127"/>
+                        </a:rPr>
+                        <a:t> </a:t>
+                      </a:r>
+                      <a:r>
+                        <a:rPr lang="en-US" altLang="ko-KR" sz="1700" baseline="0" dirty="0" err="1" smtClean="0">
+                          <a:latin typeface="MD이솝체" pitchFamily="18" charset="-127"/>
+                          <a:ea typeface="MD이솝체" pitchFamily="18" charset="-127"/>
+                        </a:rPr>
+                        <a:t>ppt</a:t>
                       </a:r>
                       <a:r>
                         <a:rPr lang="ko-KR" altLang="en-US" sz="1700" baseline="0" dirty="0" smtClean="0">
                           <a:latin typeface="MD이솝체" pitchFamily="18" charset="-127"/>
                           <a:ea typeface="MD이솝체" pitchFamily="18" charset="-127"/>
                         </a:rPr>
-                        <a:t>방식 제작</a:t>
+                        <a:t>제작</a:t>
+                      </a:r>
+                      <a:r>
+                        <a:rPr lang="en-US" altLang="ko-KR" sz="1700" baseline="0" dirty="0" smtClean="0">
+                          <a:latin typeface="MD이솝체" pitchFamily="18" charset="-127"/>
+                          <a:ea typeface="MD이솝체" pitchFamily="18" charset="-127"/>
+                        </a:rPr>
+                        <a:t>, </a:t>
+                      </a:r>
+                      <a:r>
+                        <a:rPr lang="ko-KR" altLang="en-US" sz="1700" baseline="0" dirty="0" smtClean="0">
+                          <a:latin typeface="MD이솝체" pitchFamily="18" charset="-127"/>
+                          <a:ea typeface="MD이솝체" pitchFamily="18" charset="-127"/>
+                        </a:rPr>
+                        <a:t>발표영상제작</a:t>
                       </a:r>
                       <a:endParaRPr lang="ko-KR" altLang="en-US" sz="1700" dirty="0">
                         <a:latin typeface="MD이솝체" pitchFamily="18" charset="-127"/>
@@ -5249,7 +5600,7 @@
                           <a:latin typeface="MD이솝체" pitchFamily="18" charset="-127"/>
                           <a:ea typeface="MD이솝체" pitchFamily="18" charset="-127"/>
                         </a:rPr>
-                        <a:t>4</a:t>
+                        <a:t>6</a:t>
                       </a:r>
                       <a:r>
                         <a:rPr lang="ko-KR" altLang="en-US" sz="1700" dirty="0" smtClean="0">
@@ -5277,100 +5628,31 @@
                           <a:latin typeface="MD이솝체" pitchFamily="18" charset="-127"/>
                           <a:ea typeface="MD이솝체" pitchFamily="18" charset="-127"/>
                         </a:rPr>
-                        <a:t>캐릭터의 움직임과 </a:t>
-                      </a:r>
-                      <a:r>
-                        <a:rPr lang="en-US" altLang="ko-KR" sz="1700" dirty="0" smtClean="0">
-                          <a:latin typeface="MD이솝체" pitchFamily="18" charset="-127"/>
-                          <a:ea typeface="MD이솝체" pitchFamily="18" charset="-127"/>
-                        </a:rPr>
-                        <a:t>Map</a:t>
-                      </a:r>
-                      <a:r>
-                        <a:rPr lang="ko-KR" altLang="en-US" sz="1700" dirty="0" smtClean="0">
-                          <a:latin typeface="MD이솝체" pitchFamily="18" charset="-127"/>
-                          <a:ea typeface="MD이솝체" pitchFamily="18" charset="-127"/>
-                        </a:rPr>
-                        <a:t> 장애물 충돌처리 및 발표 전 점검</a:t>
-                      </a:r>
-                      <a:endParaRPr lang="ko-KR" altLang="en-US" sz="1700" dirty="0">
-                        <a:latin typeface="MD이솝체" pitchFamily="18" charset="-127"/>
-                        <a:ea typeface="MD이솝체" pitchFamily="18" charset="-127"/>
-                      </a:endParaRPr>
+                        <a:t>게임 진행 중간에 나오는</a:t>
+                      </a:r>
+                      <a:r>
+                        <a:rPr lang="ko-KR" altLang="en-US" sz="1700" baseline="0" dirty="0" smtClean="0">
+                          <a:latin typeface="MD이솝체" pitchFamily="18" charset="-127"/>
+                          <a:ea typeface="MD이솝체" pitchFamily="18" charset="-127"/>
+                        </a:rPr>
+                        <a:t> </a:t>
+                      </a:r>
+                      <a:r>
+                        <a:rPr lang="en-US" altLang="ko-KR" sz="1700" baseline="0" dirty="0" smtClean="0">
+                          <a:latin typeface="MD이솝체" pitchFamily="18" charset="-127"/>
+                          <a:ea typeface="MD이솝체" pitchFamily="18" charset="-127"/>
+                        </a:rPr>
+                        <a:t>Monster</a:t>
+                      </a:r>
                     </a:p>
-                  </a:txBody>
-                  <a:tcPr marL="84295" marR="84295" marT="42148" marB="42148"/>
-                </a:tc>
-                <a:tc>
-                  <a:txBody>
-                    <a:bodyPr/>
-                    <a:lstStyle/>
                     <a:p>
                       <a:pPr algn="l" latinLnBrk="1"/>
-                      <a:endParaRPr lang="ko-KR" altLang="en-US" sz="1700" dirty="0">
-                        <a:latin typeface="MD이솝체" pitchFamily="18" charset="-127"/>
-                        <a:ea typeface="MD이솝체" pitchFamily="18" charset="-127"/>
-                      </a:endParaRPr>
-                    </a:p>
-                  </a:txBody>
-                  <a:tcPr marL="84295" marR="84295" marT="42148" marB="42148"/>
-                </a:tc>
-              </a:tr>
-              <a:tr h="429785">
-                <a:tc>
-                  <a:txBody>
-                    <a:bodyPr/>
-                    <a:lstStyle/>
-                    <a:p>
-                      <a:pPr algn="ctr" latinLnBrk="1"/>
-                      <a:r>
-                        <a:rPr lang="en-US" altLang="ko-KR" sz="1700" dirty="0" smtClean="0">
-                          <a:latin typeface="MD이솝체" pitchFamily="18" charset="-127"/>
-                          <a:ea typeface="MD이솝체" pitchFamily="18" charset="-127"/>
-                        </a:rPr>
-                        <a:t>5</a:t>
-                      </a:r>
                       <a:r>
                         <a:rPr lang="ko-KR" altLang="en-US" sz="1700" dirty="0" smtClean="0">
                           <a:latin typeface="MD이솝체" pitchFamily="18" charset="-127"/>
                           <a:ea typeface="MD이솝체" pitchFamily="18" charset="-127"/>
                         </a:rPr>
-                        <a:t>주차</a:t>
-                      </a:r>
-                      <a:endParaRPr lang="ko-KR" altLang="en-US" sz="1700" dirty="0">
-                        <a:latin typeface="MD이솝체" pitchFamily="18" charset="-127"/>
-                        <a:ea typeface="MD이솝체" pitchFamily="18" charset="-127"/>
-                      </a:endParaRPr>
-                    </a:p>
-                  </a:txBody>
-                  <a:tcPr marL="84295" marR="84295" marT="42148" marB="42148"/>
-                </a:tc>
-                <a:tc>
-                  <a:txBody>
-                    <a:bodyPr/>
-                    <a:lstStyle/>
-                    <a:p>
-                      <a:pPr algn="l" latinLnBrk="1"/>
-                      <a:r>
-                        <a:rPr lang="ko-KR" altLang="en-US" sz="1700" dirty="0" smtClean="0">
-                          <a:latin typeface="MD이솝체" pitchFamily="18" charset="-127"/>
-                          <a:ea typeface="MD이솝체" pitchFamily="18" charset="-127"/>
-                        </a:rPr>
-                        <a:t>프로젝트 </a:t>
-                      </a:r>
-                      <a:r>
-                        <a:rPr lang="en-US" altLang="ko-KR" sz="1700" dirty="0" smtClean="0">
-                          <a:latin typeface="MD이솝체" pitchFamily="18" charset="-127"/>
-                          <a:ea typeface="MD이솝체" pitchFamily="18" charset="-127"/>
-                        </a:rPr>
-                        <a:t>2</a:t>
-                      </a:r>
-                      <a:r>
-                        <a:rPr lang="ko-KR" altLang="en-US" sz="1700" dirty="0" smtClean="0">
-                          <a:latin typeface="MD이솝체" pitchFamily="18" charset="-127"/>
-                          <a:ea typeface="MD이솝체" pitchFamily="18" charset="-127"/>
-                        </a:rPr>
-                        <a:t>차 발표 제작</a:t>
+                        <a:t> 제작</a:t>
                       </a:r>
                       <a:endParaRPr lang="ko-KR" altLang="en-US" sz="1700" dirty="0">
                         <a:latin typeface="MD이솝체" pitchFamily="18" charset="-127"/>
@@ -5407,102 +5689,6 @@
                           <a:latin typeface="MD이솝체" pitchFamily="18" charset="-127"/>
                           <a:ea typeface="MD이솝체" pitchFamily="18" charset="-127"/>
                         </a:rPr>
-                        <a:t>6</a:t>
-                      </a:r>
-                      <a:r>
-                        <a:rPr lang="ko-KR" altLang="en-US" sz="1700" dirty="0" smtClean="0">
-                          <a:latin typeface="MD이솝체" pitchFamily="18" charset="-127"/>
-                          <a:ea typeface="MD이솝체" pitchFamily="18" charset="-127"/>
-                        </a:rPr>
-                        <a:t>주차</a:t>
-                      </a:r>
-                      <a:endParaRPr lang="ko-KR" altLang="en-US" sz="1700" dirty="0">
-                        <a:latin typeface="MD이솝체" pitchFamily="18" charset="-127"/>
-                        <a:ea typeface="MD이솝체" pitchFamily="18" charset="-127"/>
-                      </a:endParaRPr>
-                    </a:p>
-                  </a:txBody>
-                  <a:tcPr marL="84295" marR="84295" marT="42148" marB="42148"/>
-                </a:tc>
-                <a:tc>
-                  <a:txBody>
-                    <a:bodyPr/>
-                    <a:lstStyle/>
-                    <a:p>
-                      <a:pPr algn="l" latinLnBrk="1"/>
-                      <a:r>
-                        <a:rPr lang="ko-KR" altLang="en-US" sz="1700" dirty="0" smtClean="0">
-                          <a:latin typeface="MD이솝체" pitchFamily="18" charset="-127"/>
-                          <a:ea typeface="MD이솝체" pitchFamily="18" charset="-127"/>
-                        </a:rPr>
-                        <a:t>게임 진행 중간에 나오는</a:t>
-                      </a:r>
-                      <a:r>
-                        <a:rPr lang="ko-KR" altLang="en-US" sz="1700" baseline="0" dirty="0" smtClean="0">
-                          <a:latin typeface="MD이솝체" pitchFamily="18" charset="-127"/>
-                          <a:ea typeface="MD이솝체" pitchFamily="18" charset="-127"/>
-                        </a:rPr>
-                        <a:t> </a:t>
-                      </a:r>
-                      <a:r>
-                        <a:rPr lang="en-US" altLang="ko-KR" sz="1700" baseline="0" dirty="0" smtClean="0">
-                          <a:latin typeface="MD이솝체" pitchFamily="18" charset="-127"/>
-                          <a:ea typeface="MD이솝체" pitchFamily="18" charset="-127"/>
-                        </a:rPr>
-                        <a:t>Monster</a:t>
-                      </a:r>
-                    </a:p>
-                    <a:p>
-                      <a:pPr algn="l" latinLnBrk="1"/>
-                      <a:r>
-                        <a:rPr lang="ko-KR" altLang="en-US" sz="1700" dirty="0" smtClean="0">
-                          <a:latin typeface="MD이솝체" pitchFamily="18" charset="-127"/>
-                          <a:ea typeface="MD이솝체" pitchFamily="18" charset="-127"/>
-                        </a:rPr>
-                        <a:t> </a:t>
-                      </a:r>
-                      <a:r>
-                        <a:rPr lang="ko-KR" altLang="en-US" sz="1700" dirty="0" smtClean="0">
-                          <a:latin typeface="MD이솝체" pitchFamily="18" charset="-127"/>
-                          <a:ea typeface="MD이솝체" pitchFamily="18" charset="-127"/>
-                        </a:rPr>
-                        <a:t>제작</a:t>
-                      </a:r>
-                      <a:endParaRPr lang="ko-KR" altLang="en-US" sz="1700" dirty="0">
-                        <a:latin typeface="MD이솝체" pitchFamily="18" charset="-127"/>
-                        <a:ea typeface="MD이솝체" pitchFamily="18" charset="-127"/>
-                      </a:endParaRPr>
-                    </a:p>
-                  </a:txBody>
-                  <a:tcPr marL="84295" marR="84295" marT="42148" marB="42148"/>
-                </a:tc>
-                <a:tc>
-                  <a:txBody>
-                    <a:bodyPr/>
-                    <a:lstStyle/>
-                    <a:p>
-                      <a:pPr algn="l" latinLnBrk="1"/>
-                      <a:endParaRPr lang="ko-KR" altLang="en-US" sz="1700" dirty="0">
-                        <a:latin typeface="MD이솝체" pitchFamily="18" charset="-127"/>
-                        <a:ea typeface="MD이솝체" pitchFamily="18" charset="-127"/>
-                      </a:endParaRPr>
-                    </a:p>
-                  </a:txBody>
-                  <a:tcPr marL="84295" marR="84295" marT="42148" marB="42148"/>
-                </a:tc>
-              </a:tr>
-              <a:tr h="590067">
-                <a:tc>
-                  <a:txBody>
-                    <a:bodyPr/>
-                    <a:lstStyle/>
-                    <a:p>
-                      <a:pPr algn="ctr" latinLnBrk="1"/>
-                      <a:r>
-                        <a:rPr lang="en-US" altLang="ko-KR" sz="1700" dirty="0" smtClean="0">
-                          <a:latin typeface="MD이솝체" pitchFamily="18" charset="-127"/>
-                          <a:ea typeface="MD이솝체" pitchFamily="18" charset="-127"/>
-                        </a:rPr>
                         <a:t>7</a:t>
                       </a:r>
                       <a:r>
@@ -5591,14 +5777,7 @@
                           <a:latin typeface="MD이솝체" pitchFamily="18" charset="-127"/>
                           <a:ea typeface="MD이솝체" pitchFamily="18" charset="-127"/>
                         </a:rPr>
-                        <a:t> </a:t>
-                      </a:r>
-                      <a:r>
-                        <a:rPr lang="ko-KR" altLang="en-US" sz="1700" dirty="0" smtClean="0">
-                          <a:latin typeface="MD이솝체" pitchFamily="18" charset="-127"/>
-                          <a:ea typeface="MD이솝체" pitchFamily="18" charset="-127"/>
-                        </a:rPr>
-                        <a:t>캐릭터의 충돌처리 </a:t>
+                        <a:t> 캐릭터의 충돌처리 </a:t>
                       </a:r>
                     </a:p>
                   </a:txBody>
@@ -5833,14 +6012,7 @@
                           <a:latin typeface="MD이솝체" pitchFamily="18" charset="-127"/>
                           <a:ea typeface="MD이솝체" pitchFamily="18" charset="-127"/>
                         </a:rPr>
-                        <a:t>프로젝트 최종 발표 준비 </a:t>
-                      </a:r>
-                      <a:r>
-                        <a:rPr lang="ko-KR" altLang="en-US" sz="1700" dirty="0" smtClean="0">
-                          <a:latin typeface="MD이솝체" pitchFamily="18" charset="-127"/>
-                          <a:ea typeface="MD이솝체" pitchFamily="18" charset="-127"/>
-                        </a:rPr>
-                        <a:t>및</a:t>
+                        <a:t>프로젝트 최종 발표 준비 및</a:t>
                       </a:r>
                       <a:endParaRPr lang="en-US" altLang="ko-KR" sz="1700" dirty="0" smtClean="0">
                         <a:latin typeface="MD이솝체" pitchFamily="18" charset="-127"/>
@@ -5949,6 +6121,7 @@
           <a:bodyPr/>
           <a:lstStyle/>
           <a:p>
+            <a:pPr algn="l"/>
             <a:r>
               <a:rPr lang="en-US" altLang="ko-KR" b="1" dirty="0" err="1" smtClean="0">
                 <a:latin typeface="MD이솝체" pitchFamily="18" charset="-127"/>
@@ -5957,25 +6130,32 @@
               <a:t>Github</a:t>
             </a:r>
             <a:r>
+              <a:rPr lang="en-US" altLang="ko-KR" b="1" dirty="0">
+                <a:latin typeface="MD이솝체" pitchFamily="18" charset="-127"/>
+                <a:ea typeface="MD이솝체" pitchFamily="18" charset="-127"/>
+              </a:rPr>
+              <a:t> </a:t>
+            </a:r>
+            <a:r>
               <a:rPr lang="en-US" altLang="ko-KR" b="1" dirty="0" smtClean="0">
                 <a:latin typeface="MD이솝체" pitchFamily="18" charset="-127"/>
                 <a:ea typeface="MD이솝체" pitchFamily="18" charset="-127"/>
               </a:rPr>
-              <a:t> </a:t>
-            </a:r>
-            <a:r>
-              <a:rPr lang="ko-KR" altLang="en-US" b="1" dirty="0" err="1" smtClean="0">
-                <a:latin typeface="MD이솝체" pitchFamily="18" charset="-127"/>
-                <a:ea typeface="MD이솝체" pitchFamily="18" charset="-127"/>
-              </a:rPr>
-              <a:t>커밋</a:t>
+              <a:t>commits</a:t>
             </a:r>
             <a:r>
               <a:rPr lang="ko-KR" altLang="en-US" b="1" dirty="0" smtClean="0">
                 <a:latin typeface="MD이솝체" pitchFamily="18" charset="-127"/>
                 <a:ea typeface="MD이솝체" pitchFamily="18" charset="-127"/>
               </a:rPr>
-              <a:t> 통계</a:t>
+              <a:t> </a:t>
+            </a:r>
+            <a:r>
+              <a:rPr lang="ko-KR" altLang="en-US" b="1" dirty="0" smtClean="0">
+                <a:latin typeface="MD이솝체" pitchFamily="18" charset="-127"/>
+                <a:ea typeface="MD이솝체" pitchFamily="18" charset="-127"/>
+              </a:rPr>
+              <a:t>통계</a:t>
             </a:r>
             <a:endParaRPr lang="ko-KR" altLang="en-US" b="1" dirty="0">
               <a:latin typeface="MD이솝체" pitchFamily="18" charset="-127"/>
@@ -5984,6 +6164,70 @@
           </a:p>
         </p:txBody>
       </p:sp>
+      <p:pic>
+        <p:nvPicPr>
+          <p:cNvPr id="1026" name="Picture 2"/>
+          <p:cNvPicPr>
+            <a:picLocks noChangeAspect="1" noChangeArrowheads="1"/>
+          </p:cNvPicPr>
+          <p:nvPr/>
+        </p:nvPicPr>
+        <p:blipFill>
+          <a:blip r:embed="rId2">
+            <a:extLst>
+              <a:ext uri="{28A0092B-C50C-407E-A947-70E740481C1C}">
+                <a14:useLocalDpi xmlns:a14="http://schemas.microsoft.com/office/drawing/2010/main" val="0"/>
+              </a:ext>
+            </a:extLst>
+          </a:blip>
+          <a:srcRect/>
+          <a:stretch>
+            <a:fillRect/>
+          </a:stretch>
+        </p:blipFill>
+        <p:spPr bwMode="auto">
+          <a:xfrm>
+            <a:off x="611560" y="1700808"/>
+            <a:ext cx="8136904" cy="4329630"/>
+          </a:xfrm>
+          <a:prstGeom prst="rect">
+            <a:avLst/>
+          </a:prstGeom>
+          <a:noFill/>
+          <a:ln>
+            <a:noFill/>
+          </a:ln>
+          <a:effectLst/>
+          <a:extLst>
+            <a:ext uri="{909E8E84-426E-40DD-AFC4-6F175D3DCCD1}">
+              <a14:hiddenFill xmlns:a14="http://schemas.microsoft.com/office/drawing/2010/main">
+                <a:solidFill>
+                  <a:schemeClr val="accent1"/>
+                </a:solidFill>
+              </a14:hiddenFill>
+            </a:ext>
+            <a:ext uri="{91240B29-F687-4F45-9708-019B960494DF}">
+              <a14:hiddenLine xmlns:a14="http://schemas.microsoft.com/office/drawing/2010/main" w="9525">
+                <a:solidFill>
+                  <a:schemeClr val="tx1"/>
+                </a:solidFill>
+                <a:miter lim="800000"/>
+                <a:headEnd/>
+                <a:tailEnd/>
+              </a14:hiddenLine>
+            </a:ext>
+            <a:ext uri="{AF507438-7753-43E0-B8FC-AC1667EBCBE1}">
+              <a14:hiddenEffects xmlns:a14="http://schemas.microsoft.com/office/drawing/2010/main">
+                <a:effectLst>
+                  <a:outerShdw dist="35921" dir="2700000" algn="ctr" rotWithShape="0">
+                    <a:schemeClr val="bg2"/>
+                  </a:outerShdw>
+                </a:effectLst>
+              </a14:hiddenEffects>
+            </a:ext>
+          </a:extLst>
+        </p:spPr>
+      </p:pic>
     </p:spTree>
     <p:extLst>
       <p:ext uri="{BB962C8B-B14F-4D97-AF65-F5344CB8AC3E}">

--- a/ppt/project_2.pptx
+++ b/ppt/project_2.pptx
@@ -4225,7 +4225,7 @@
           <p:nvPr>
             <p:extLst>
               <p:ext uri="{D42A27DB-BD31-4B8C-83A1-F6EECF244321}">
-                <p14:modId xmlns:p14="http://schemas.microsoft.com/office/powerpoint/2010/main" val="660570970"/>
+                <p14:modId xmlns:p14="http://schemas.microsoft.com/office/powerpoint/2010/main" val="2175622190"/>
               </p:ext>
             </p:extLst>
           </p:nvPr>
@@ -4430,7 +4430,28 @@
                           <a:latin typeface="MD이솝체" pitchFamily="18" charset="-127"/>
                           <a:ea typeface="MD이솝체" pitchFamily="18" charset="-127"/>
                         </a:rPr>
+                        <a:t>코인</a:t>
+                      </a:r>
+                      <a:r>
+                        <a:rPr lang="en-US" altLang="ko-KR" dirty="0" smtClean="0">
+                          <a:latin typeface="MD이솝체" pitchFamily="18" charset="-127"/>
+                          <a:ea typeface="MD이솝체" pitchFamily="18" charset="-127"/>
+                        </a:rPr>
+                        <a:t>(</a:t>
+                      </a:r>
+                      <a:r>
+                        <a:rPr lang="ko-KR" altLang="en-US" dirty="0" smtClean="0">
+                          <a:latin typeface="MD이솝체" pitchFamily="18" charset="-127"/>
+                          <a:ea typeface="MD이솝체" pitchFamily="18" charset="-127"/>
+                        </a:rPr>
                         <a:t>장애물</a:t>
+                      </a:r>
+                      <a:r>
+                        <a:rPr lang="en-US" altLang="ko-KR" smtClean="0">
+                          <a:latin typeface="MD이솝체" pitchFamily="18" charset="-127"/>
+                          <a:ea typeface="MD이솝체" pitchFamily="18" charset="-127"/>
+                        </a:rPr>
+                        <a:t>)</a:t>
                       </a:r>
                       <a:endParaRPr lang="ko-KR" altLang="en-US" dirty="0">
                         <a:latin typeface="MD이솝체" pitchFamily="18" charset="-127"/>
@@ -5297,14 +5318,7 @@
                           <a:latin typeface="MD이솝체" pitchFamily="18" charset="-127"/>
                           <a:ea typeface="MD이솝체" pitchFamily="18" charset="-127"/>
                         </a:rPr>
-                        <a:t>방식 </a:t>
-                      </a:r>
-                      <a:r>
-                        <a:rPr lang="ko-KR" altLang="en-US" sz="1600" baseline="0" dirty="0" smtClean="0">
-                          <a:latin typeface="MD이솝체" pitchFamily="18" charset="-127"/>
-                          <a:ea typeface="MD이솝체" pitchFamily="18" charset="-127"/>
-                        </a:rPr>
-                        <a:t>제작</a:t>
+                        <a:t>방식 제작</a:t>
                       </a:r>
                       <a:r>
                         <a:rPr lang="en-US" altLang="ko-KR" sz="1600" baseline="0" dirty="0" smtClean="0">
@@ -6148,14 +6162,7 @@
                 <a:latin typeface="MD이솝체" pitchFamily="18" charset="-127"/>
                 <a:ea typeface="MD이솝체" pitchFamily="18" charset="-127"/>
               </a:rPr>
-              <a:t> </a:t>
-            </a:r>
-            <a:r>
-              <a:rPr lang="ko-KR" altLang="en-US" b="1" dirty="0" smtClean="0">
-                <a:latin typeface="MD이솝체" pitchFamily="18" charset="-127"/>
-                <a:ea typeface="MD이솝체" pitchFamily="18" charset="-127"/>
-              </a:rPr>
-              <a:t>통계</a:t>
+              <a:t> 통계</a:t>
             </a:r>
             <a:endParaRPr lang="ko-KR" altLang="en-US" b="1" dirty="0">
               <a:latin typeface="MD이솝체" pitchFamily="18" charset="-127"/>

--- a/ppt/project_2.pptx
+++ b/ppt/project_2.pptx
@@ -197,7 +197,7 @@
           <a:p>
             <a:fld id="{549659DD-B4CD-4E48-AA68-BB8EB028BDE1}" type="datetimeFigureOut">
               <a:rPr lang="ko-KR" altLang="en-US" smtClean="0"/>
-              <a:t>2016-10-13</a:t>
+              <a:t>2016-10-12</a:t>
             </a:fld>
             <a:endParaRPr lang="ko-KR" altLang="en-US"/>
           </a:p>
@@ -730,7 +730,7 @@
           <a:p>
             <a:fld id="{2556E265-FD56-475E-9687-0455F914B6B9}" type="datetimeFigureOut">
               <a:rPr lang="ko-KR" altLang="en-US" smtClean="0"/>
-              <a:t>2016-10-13</a:t>
+              <a:t>2016-10-12</a:t>
             </a:fld>
             <a:endParaRPr lang="ko-KR" altLang="en-US"/>
           </a:p>
@@ -900,7 +900,7 @@
           <a:p>
             <a:fld id="{2556E265-FD56-475E-9687-0455F914B6B9}" type="datetimeFigureOut">
               <a:rPr lang="ko-KR" altLang="en-US" smtClean="0"/>
-              <a:t>2016-10-13</a:t>
+              <a:t>2016-10-12</a:t>
             </a:fld>
             <a:endParaRPr lang="ko-KR" altLang="en-US"/>
           </a:p>
@@ -1080,7 +1080,7 @@
           <a:p>
             <a:fld id="{2556E265-FD56-475E-9687-0455F914B6B9}" type="datetimeFigureOut">
               <a:rPr lang="ko-KR" altLang="en-US" smtClean="0"/>
-              <a:t>2016-10-13</a:t>
+              <a:t>2016-10-12</a:t>
             </a:fld>
             <a:endParaRPr lang="ko-KR" altLang="en-US"/>
           </a:p>
@@ -1250,7 +1250,7 @@
           <a:p>
             <a:fld id="{2556E265-FD56-475E-9687-0455F914B6B9}" type="datetimeFigureOut">
               <a:rPr lang="ko-KR" altLang="en-US" smtClean="0"/>
-              <a:t>2016-10-13</a:t>
+              <a:t>2016-10-12</a:t>
             </a:fld>
             <a:endParaRPr lang="ko-KR" altLang="en-US"/>
           </a:p>
@@ -1496,7 +1496,7 @@
           <a:p>
             <a:fld id="{2556E265-FD56-475E-9687-0455F914B6B9}" type="datetimeFigureOut">
               <a:rPr lang="ko-KR" altLang="en-US" smtClean="0"/>
-              <a:t>2016-10-13</a:t>
+              <a:t>2016-10-12</a:t>
             </a:fld>
             <a:endParaRPr lang="ko-KR" altLang="en-US"/>
           </a:p>
@@ -1784,7 +1784,7 @@
           <a:p>
             <a:fld id="{2556E265-FD56-475E-9687-0455F914B6B9}" type="datetimeFigureOut">
               <a:rPr lang="ko-KR" altLang="en-US" smtClean="0"/>
-              <a:t>2016-10-13</a:t>
+              <a:t>2016-10-12</a:t>
             </a:fld>
             <a:endParaRPr lang="ko-KR" altLang="en-US"/>
           </a:p>
@@ -2206,7 +2206,7 @@
           <a:p>
             <a:fld id="{2556E265-FD56-475E-9687-0455F914B6B9}" type="datetimeFigureOut">
               <a:rPr lang="ko-KR" altLang="en-US" smtClean="0"/>
-              <a:t>2016-10-13</a:t>
+              <a:t>2016-10-12</a:t>
             </a:fld>
             <a:endParaRPr lang="ko-KR" altLang="en-US"/>
           </a:p>
@@ -2324,7 +2324,7 @@
           <a:p>
             <a:fld id="{2556E265-FD56-475E-9687-0455F914B6B9}" type="datetimeFigureOut">
               <a:rPr lang="ko-KR" altLang="en-US" smtClean="0"/>
-              <a:t>2016-10-13</a:t>
+              <a:t>2016-10-12</a:t>
             </a:fld>
             <a:endParaRPr lang="ko-KR" altLang="en-US"/>
           </a:p>
@@ -2419,7 +2419,7 @@
           <a:p>
             <a:fld id="{2556E265-FD56-475E-9687-0455F914B6B9}" type="datetimeFigureOut">
               <a:rPr lang="ko-KR" altLang="en-US" smtClean="0"/>
-              <a:t>2016-10-13</a:t>
+              <a:t>2016-10-12</a:t>
             </a:fld>
             <a:endParaRPr lang="ko-KR" altLang="en-US"/>
           </a:p>
@@ -2696,7 +2696,7 @@
           <a:p>
             <a:fld id="{2556E265-FD56-475E-9687-0455F914B6B9}" type="datetimeFigureOut">
               <a:rPr lang="ko-KR" altLang="en-US" smtClean="0"/>
-              <a:t>2016-10-13</a:t>
+              <a:t>2016-10-12</a:t>
             </a:fld>
             <a:endParaRPr lang="ko-KR" altLang="en-US"/>
           </a:p>
@@ -2949,7 +2949,7 @@
           <a:p>
             <a:fld id="{2556E265-FD56-475E-9687-0455F914B6B9}" type="datetimeFigureOut">
               <a:rPr lang="ko-KR" altLang="en-US" smtClean="0"/>
-              <a:t>2016-10-13</a:t>
+              <a:t>2016-10-12</a:t>
             </a:fld>
             <a:endParaRPr lang="ko-KR" altLang="en-US"/>
           </a:p>
@@ -3171,7 +3171,7 @@
           <a:p>
             <a:fld id="{2556E265-FD56-475E-9687-0455F914B6B9}" type="datetimeFigureOut">
               <a:rPr lang="ko-KR" altLang="en-US" smtClean="0"/>
-              <a:t>2016-10-13</a:t>
+              <a:t>2016-10-12</a:t>
             </a:fld>
             <a:endParaRPr lang="ko-KR" altLang="en-US"/>
           </a:p>
@@ -3633,70 +3633,6 @@
           </a:p>
         </p:txBody>
       </p:sp>
-      <p:sp>
-        <p:nvSpPr>
-          <p:cNvPr id="2" name="TextBox 1"/>
-          <p:cNvSpPr txBox="1"/>
-          <p:nvPr/>
-        </p:nvSpPr>
-        <p:spPr>
-          <a:xfrm>
-            <a:off x="7020272" y="4375491"/>
-            <a:ext cx="2332887" cy="646331"/>
-          </a:xfrm>
-          <a:prstGeom prst="rect">
-            <a:avLst/>
-          </a:prstGeom>
-          <a:noFill/>
-        </p:spPr>
-        <p:txBody>
-          <a:bodyPr wrap="square" rtlCol="0">
-            <a:spAutoFit/>
-          </a:bodyPr>
-          <a:lstStyle/>
-          <a:p>
-            <a:r>
-              <a:rPr lang="en-US" altLang="ko-KR" sz="3600" dirty="0" smtClean="0">
-                <a:ln w="18415" cmpd="sng">
-                  <a:solidFill>
-                    <a:srgbClr val="FFFFFF"/>
-                  </a:solidFill>
-                  <a:prstDash val="solid"/>
-                </a:ln>
-                <a:solidFill>
-                  <a:srgbClr val="FFFFFF"/>
-                </a:solidFill>
-                <a:effectLst>
-                  <a:outerShdw blurRad="63500" dir="3600000" algn="tl" rotWithShape="0">
-                    <a:srgbClr val="000000">
-                      <a:alpha val="70000"/>
-                    </a:srgbClr>
-                  </a:outerShdw>
-                </a:effectLst>
-              </a:rPr>
-              <a:t>For U.F.O</a:t>
-            </a:r>
-            <a:endParaRPr lang="ko-KR" altLang="en-US" sz="3600" dirty="0">
-              <a:ln w="18415" cmpd="sng">
-                <a:solidFill>
-                  <a:srgbClr val="FFFFFF"/>
-                </a:solidFill>
-                <a:prstDash val="solid"/>
-              </a:ln>
-              <a:solidFill>
-                <a:srgbClr val="FFFFFF"/>
-              </a:solidFill>
-              <a:effectLst>
-                <a:outerShdw blurRad="63500" dir="3600000" algn="tl" rotWithShape="0">
-                  <a:srgbClr val="000000">
-                    <a:alpha val="70000"/>
-                  </a:srgbClr>
-                </a:outerShdw>
-              </a:effectLst>
-            </a:endParaRPr>
-          </a:p>
-        </p:txBody>
-      </p:sp>
     </p:spTree>
     <p:extLst>
       <p:ext uri="{BB962C8B-B14F-4D97-AF65-F5344CB8AC3E}">
@@ -4225,14 +4161,14 @@
           <p:nvPr>
             <p:extLst>
               <p:ext uri="{D42A27DB-BD31-4B8C-83A1-F6EECF244321}">
-                <p14:modId xmlns:p14="http://schemas.microsoft.com/office/powerpoint/2010/main" val="2175622190"/>
+                <p14:modId xmlns:p14="http://schemas.microsoft.com/office/powerpoint/2010/main" val="2360418081"/>
               </p:ext>
             </p:extLst>
           </p:nvPr>
         </p:nvGraphicFramePr>
         <p:xfrm>
           <a:off x="251520" y="1772816"/>
-          <a:ext cx="8655569" cy="4176464"/>
+          <a:ext cx="8655569" cy="4114800"/>
         </p:xfrm>
         <a:graphic>
           <a:graphicData uri="http://schemas.openxmlformats.org/drawingml/2006/table">
@@ -4432,27 +4368,6 @@
                         </a:rPr>
                         <a:t>코인</a:t>
                       </a:r>
-                      <a:r>
-                        <a:rPr lang="en-US" altLang="ko-KR" dirty="0" smtClean="0">
-                          <a:latin typeface="MD이솝체" pitchFamily="18" charset="-127"/>
-                          <a:ea typeface="MD이솝체" pitchFamily="18" charset="-127"/>
-                        </a:rPr>
-                        <a:t>(</a:t>
-                      </a:r>
-                      <a:r>
-                        <a:rPr lang="ko-KR" altLang="en-US" dirty="0" smtClean="0">
-                          <a:latin typeface="MD이솝체" pitchFamily="18" charset="-127"/>
-                          <a:ea typeface="MD이솝체" pitchFamily="18" charset="-127"/>
-                        </a:rPr>
-                        <a:t>장애물</a:t>
-                      </a:r>
-                      <a:r>
-                        <a:rPr lang="en-US" altLang="ko-KR" smtClean="0">
-                          <a:latin typeface="MD이솝체" pitchFamily="18" charset="-127"/>
-                          <a:ea typeface="MD이솝체" pitchFamily="18" charset="-127"/>
-                        </a:rPr>
-                        <a:t>)</a:t>
-                      </a:r>
                       <a:endParaRPr lang="ko-KR" altLang="en-US" dirty="0">
                         <a:latin typeface="MD이솝체" pitchFamily="18" charset="-127"/>
                         <a:ea typeface="MD이솝체" pitchFamily="18" charset="-127"/>
@@ -4472,35 +4387,14 @@
                           <a:latin typeface="MD이솝체" pitchFamily="18" charset="-127"/>
                           <a:ea typeface="MD이솝체" pitchFamily="18" charset="-127"/>
                         </a:rPr>
-                        <a:t>코인</a:t>
+                        <a:t>코인의</a:t>
                       </a:r>
                       <a:r>
                         <a:rPr lang="ko-KR" altLang="en-US" baseline="0" dirty="0" smtClean="0">
                           <a:latin typeface="MD이솝체" pitchFamily="18" charset="-127"/>
                           <a:ea typeface="MD이솝체" pitchFamily="18" charset="-127"/>
                         </a:rPr>
-                        <a:t> 제작 </a:t>
-                      </a:r>
-                      <a:r>
-                        <a:rPr lang="en-US" altLang="ko-KR" baseline="0" dirty="0" smtClean="0">
-                          <a:latin typeface="MD이솝체" pitchFamily="18" charset="-127"/>
-                          <a:ea typeface="MD이솝체" pitchFamily="18" charset="-127"/>
-                        </a:rPr>
-                        <a:t>(</a:t>
-                      </a:r>
-                      <a:r>
-                        <a:rPr lang="ko-KR" altLang="en-US" baseline="0" dirty="0" smtClean="0">
-                          <a:latin typeface="MD이솝체" pitchFamily="18" charset="-127"/>
-                          <a:ea typeface="MD이솝체" pitchFamily="18" charset="-127"/>
-                        </a:rPr>
-                        <a:t>다양한 패턴의 코인</a:t>
-                      </a:r>
-                      <a:r>
-                        <a:rPr lang="en-US" altLang="ko-KR" baseline="0" dirty="0" smtClean="0">
-                          <a:latin typeface="MD이솝체" pitchFamily="18" charset="-127"/>
-                          <a:ea typeface="MD이솝체" pitchFamily="18" charset="-127"/>
-                        </a:rPr>
-                        <a:t>)</a:t>
+                        <a:t> 위치를 난이도로 제작</a:t>
                       </a:r>
                       <a:endParaRPr lang="ko-KR" altLang="en-US" dirty="0">
                         <a:latin typeface="MD이솝체" pitchFamily="18" charset="-127"/>
@@ -4572,7 +4466,14 @@
                           <a:latin typeface="MD이솝체" pitchFamily="18" charset="-127"/>
                           <a:ea typeface="MD이솝체" pitchFamily="18" charset="-127"/>
                         </a:rPr>
-                        <a:t>키를 이용하여 공격</a:t>
+                        <a:t>키를 이용하여 </a:t>
+                      </a:r>
+                      <a:r>
+                        <a:rPr lang="ko-KR" altLang="en-US" dirty="0" smtClean="0">
+                          <a:latin typeface="MD이솝체" pitchFamily="18" charset="-127"/>
+                          <a:ea typeface="MD이솝체" pitchFamily="18" charset="-127"/>
+                        </a:rPr>
+                        <a:t>공격</a:t>
                       </a:r>
                       <a:endParaRPr lang="ko-KR" altLang="en-US" dirty="0">
                         <a:latin typeface="MD이솝체" pitchFamily="18" charset="-127"/>
@@ -4644,7 +4545,14 @@
                           <a:latin typeface="MD이솝체" pitchFamily="18" charset="-127"/>
                           <a:ea typeface="MD이솝체" pitchFamily="18" charset="-127"/>
                         </a:rPr>
-                        <a:t>가 나타남</a:t>
+                        <a:t>가 </a:t>
+                      </a:r>
+                      <a:r>
+                        <a:rPr lang="ko-KR" altLang="en-US" dirty="0" smtClean="0">
+                          <a:latin typeface="MD이솝체" pitchFamily="18" charset="-127"/>
+                          <a:ea typeface="MD이솝체" pitchFamily="18" charset="-127"/>
+                        </a:rPr>
+                        <a:t>나타남</a:t>
                       </a:r>
                       <a:endParaRPr lang="ko-KR" altLang="en-US" dirty="0">
                         <a:latin typeface="MD이솝체" pitchFamily="18" charset="-127"/>
@@ -4785,7 +4693,7 @@
                   <a:tcPr anchor="ctr"/>
                 </a:tc>
               </a:tr>
-              <a:tr h="427424">
+              <a:tr h="360000">
                 <a:tc>
                   <a:txBody>
                     <a:bodyPr/>
@@ -4923,7 +4831,7 @@
           <p:nvPr>
             <p:extLst>
               <p:ext uri="{D42A27DB-BD31-4B8C-83A1-F6EECF244321}">
-                <p14:modId xmlns:p14="http://schemas.microsoft.com/office/powerpoint/2010/main" val="2774674072"/>
+                <p14:modId xmlns:p14="http://schemas.microsoft.com/office/powerpoint/2010/main" val="1624271751"/>
               </p:ext>
             </p:extLst>
           </p:nvPr>
@@ -5300,298 +5208,25 @@
                     <a:p>
                       <a:pPr algn="l" latinLnBrk="1"/>
                       <a:r>
-                        <a:rPr lang="en-US" altLang="ko-KR" sz="1600" dirty="0" smtClean="0">
+                        <a:rPr lang="en-US" altLang="ko-KR" sz="1700" dirty="0" smtClean="0">
                           <a:latin typeface="MD이솝체" pitchFamily="18" charset="-127"/>
                           <a:ea typeface="MD이솝체" pitchFamily="18" charset="-127"/>
                         </a:rPr>
                         <a:t>(100%) coin </a:t>
                       </a:r>
                       <a:r>
-                        <a:rPr lang="ko-KR" altLang="en-US" sz="1600" dirty="0" smtClean="0">
+                        <a:rPr lang="ko-KR" altLang="en-US" sz="1700" dirty="0" smtClean="0">
                           <a:latin typeface="MD이솝체" pitchFamily="18" charset="-127"/>
                           <a:ea typeface="MD이솝체" pitchFamily="18" charset="-127"/>
                         </a:rPr>
                         <a:t>생성</a:t>
                       </a:r>
                       <a:r>
-                        <a:rPr lang="ko-KR" altLang="en-US" sz="1600" baseline="0" dirty="0" smtClean="0">
+                        <a:rPr lang="ko-KR" altLang="en-US" sz="1700" baseline="0" dirty="0" smtClean="0">
                           <a:latin typeface="MD이솝체" pitchFamily="18" charset="-127"/>
                           <a:ea typeface="MD이솝체" pitchFamily="18" charset="-127"/>
                         </a:rPr>
                         <a:t>방식 제작</a:t>
-                      </a:r>
-                      <a:r>
-                        <a:rPr lang="en-US" altLang="ko-KR" sz="1600" baseline="0" dirty="0" smtClean="0">
-                          <a:latin typeface="MD이솝체" pitchFamily="18" charset="-127"/>
-                          <a:ea typeface="MD이솝체" pitchFamily="18" charset="-127"/>
-                        </a:rPr>
-                        <a:t>(4</a:t>
-                      </a:r>
-                      <a:r>
-                        <a:rPr lang="ko-KR" altLang="en-US" sz="1600" baseline="0" dirty="0" smtClean="0">
-                          <a:latin typeface="MD이솝체" pitchFamily="18" charset="-127"/>
-                          <a:ea typeface="MD이솝체" pitchFamily="18" charset="-127"/>
-                        </a:rPr>
-                        <a:t>가지</a:t>
-                      </a:r>
-                      <a:r>
-                        <a:rPr lang="en-US" altLang="ko-KR" sz="1600" baseline="0" dirty="0" smtClean="0">
-                          <a:latin typeface="MD이솝체" pitchFamily="18" charset="-127"/>
-                          <a:ea typeface="MD이솝체" pitchFamily="18" charset="-127"/>
-                        </a:rPr>
-                        <a:t>)</a:t>
-                      </a:r>
-                      <a:endParaRPr lang="ko-KR" altLang="en-US" sz="1600" dirty="0">
-                        <a:latin typeface="MD이솝체" pitchFamily="18" charset="-127"/>
-                        <a:ea typeface="MD이솝체" pitchFamily="18" charset="-127"/>
-                      </a:endParaRPr>
-                    </a:p>
-                  </a:txBody>
-                  <a:tcPr marL="84295" marR="84295" marT="42148" marB="42148"/>
-                </a:tc>
-              </a:tr>
-              <a:tr h="590067">
-                <a:tc>
-                  <a:txBody>
-                    <a:bodyPr/>
-                    <a:lstStyle/>
-                    <a:p>
-                      <a:pPr algn="ctr" latinLnBrk="1"/>
-                      <a:r>
-                        <a:rPr lang="en-US" altLang="ko-KR" sz="1700" dirty="0" smtClean="0">
-                          <a:latin typeface="MD이솝체" pitchFamily="18" charset="-127"/>
-                          <a:ea typeface="MD이솝체" pitchFamily="18" charset="-127"/>
-                        </a:rPr>
-                        <a:t>4</a:t>
-                      </a:r>
-                      <a:r>
-                        <a:rPr lang="ko-KR" altLang="en-US" sz="1700" dirty="0" smtClean="0">
-                          <a:latin typeface="MD이솝체" pitchFamily="18" charset="-127"/>
-                          <a:ea typeface="MD이솝체" pitchFamily="18" charset="-127"/>
-                        </a:rPr>
-                        <a:t>주차</a:t>
-                      </a:r>
-                      <a:endParaRPr lang="ko-KR" altLang="en-US" sz="1700" dirty="0">
-                        <a:latin typeface="MD이솝체" pitchFamily="18" charset="-127"/>
-                        <a:ea typeface="MD이솝체" pitchFamily="18" charset="-127"/>
-                      </a:endParaRPr>
-                    </a:p>
-                  </a:txBody>
-                  <a:tcPr marL="84295" marR="84295" marT="42148" marB="42148"/>
-                </a:tc>
-                <a:tc>
-                  <a:txBody>
-                    <a:bodyPr/>
-                    <a:lstStyle/>
-                    <a:p>
-                      <a:pPr algn="l" latinLnBrk="1"/>
-                      <a:r>
-                        <a:rPr lang="ko-KR" altLang="en-US" sz="1700" dirty="0" smtClean="0">
-                          <a:latin typeface="MD이솝체" pitchFamily="18" charset="-127"/>
-                          <a:ea typeface="MD이솝체" pitchFamily="18" charset="-127"/>
-                        </a:rPr>
-                        <a:t>캐릭터의 움직임과 </a:t>
-                      </a:r>
-                      <a:r>
-                        <a:rPr lang="en-US" altLang="ko-KR" sz="1700" dirty="0" smtClean="0">
-                          <a:latin typeface="MD이솝체" pitchFamily="18" charset="-127"/>
-                          <a:ea typeface="MD이솝체" pitchFamily="18" charset="-127"/>
-                        </a:rPr>
-                        <a:t>Map</a:t>
-                      </a:r>
-                      <a:r>
-                        <a:rPr lang="ko-KR" altLang="en-US" sz="1700" dirty="0" smtClean="0">
-                          <a:latin typeface="MD이솝체" pitchFamily="18" charset="-127"/>
-                          <a:ea typeface="MD이솝체" pitchFamily="18" charset="-127"/>
-                        </a:rPr>
-                        <a:t> 장애물 충돌처리 및 발표 전 점검</a:t>
-                      </a:r>
-                      <a:endParaRPr lang="ko-KR" altLang="en-US" sz="1700" dirty="0">
-                        <a:latin typeface="MD이솝체" pitchFamily="18" charset="-127"/>
-                        <a:ea typeface="MD이솝체" pitchFamily="18" charset="-127"/>
-                      </a:endParaRPr>
-                    </a:p>
-                  </a:txBody>
-                  <a:tcPr marL="84295" marR="84295" marT="42148" marB="42148"/>
-                </a:tc>
-                <a:tc>
-                  <a:txBody>
-                    <a:bodyPr/>
-                    <a:lstStyle/>
-                    <a:p>
-                      <a:pPr algn="l" latinLnBrk="1"/>
-                      <a:r>
-                        <a:rPr lang="en-US" altLang="ko-KR" sz="1600" dirty="0" smtClean="0">
-                          <a:latin typeface="MD이솝체" pitchFamily="18" charset="-127"/>
-                          <a:ea typeface="MD이솝체" pitchFamily="18" charset="-127"/>
-                        </a:rPr>
-                        <a:t>(100%) coin</a:t>
-                      </a:r>
-                      <a:r>
-                        <a:rPr lang="ko-KR" altLang="en-US" sz="1600" dirty="0" smtClean="0">
-                          <a:latin typeface="MD이솝체" pitchFamily="18" charset="-127"/>
-                          <a:ea typeface="MD이솝체" pitchFamily="18" charset="-127"/>
-                        </a:rPr>
-                        <a:t>과 캐릭터와 충돌 </a:t>
-                      </a:r>
-                      <a:r>
-                        <a:rPr lang="en-US" altLang="ko-KR" sz="1600" dirty="0" smtClean="0">
-                          <a:latin typeface="MD이솝체" pitchFamily="18" charset="-127"/>
-                          <a:ea typeface="MD이솝체" pitchFamily="18" charset="-127"/>
-                        </a:rPr>
-                        <a:t>ok</a:t>
-                      </a:r>
-                    </a:p>
-                    <a:p>
-                      <a:pPr algn="l" latinLnBrk="1"/>
-                      <a:r>
-                        <a:rPr lang="en-US" altLang="ko-KR" sz="1600" dirty="0" smtClean="0">
-                          <a:latin typeface="MD이솝체" pitchFamily="18" charset="-127"/>
-                          <a:ea typeface="MD이솝체" pitchFamily="18" charset="-127"/>
-                        </a:rPr>
-                        <a:t>Framework</a:t>
-                      </a:r>
-                      <a:r>
-                        <a:rPr lang="ko-KR" altLang="en-US" sz="1600" dirty="0" smtClean="0">
-                          <a:latin typeface="MD이솝체" pitchFamily="18" charset="-127"/>
-                          <a:ea typeface="MD이솝체" pitchFamily="18" charset="-127"/>
-                        </a:rPr>
-                        <a:t>적용</a:t>
-                      </a:r>
-                      <a:r>
-                        <a:rPr lang="en-US" altLang="ko-KR" sz="1600" dirty="0" smtClean="0">
-                          <a:latin typeface="MD이솝체" pitchFamily="18" charset="-127"/>
-                          <a:ea typeface="MD이솝체" pitchFamily="18" charset="-127"/>
-                        </a:rPr>
-                        <a:t>,</a:t>
-                      </a:r>
-                      <a:r>
-                        <a:rPr lang="ko-KR" altLang="en-US" sz="1600" dirty="0" smtClean="0">
-                          <a:latin typeface="MD이솝체" pitchFamily="18" charset="-127"/>
-                          <a:ea typeface="MD이솝체" pitchFamily="18" charset="-127"/>
-                        </a:rPr>
-                        <a:t>대략적인 시작화면</a:t>
-                      </a:r>
-                      <a:endParaRPr lang="en-US" altLang="ko-KR" sz="1600" dirty="0" smtClean="0">
-                        <a:latin typeface="MD이솝체" pitchFamily="18" charset="-127"/>
-                        <a:ea typeface="MD이솝체" pitchFamily="18" charset="-127"/>
-                      </a:endParaRPr>
-                    </a:p>
-                  </a:txBody>
-                  <a:tcPr marL="84295" marR="84295" marT="42148" marB="42148"/>
-                </a:tc>
-              </a:tr>
-              <a:tr h="429785">
-                <a:tc>
-                  <a:txBody>
-                    <a:bodyPr/>
-                    <a:lstStyle/>
-                    <a:p>
-                      <a:pPr algn="ctr" latinLnBrk="1"/>
-                      <a:r>
-                        <a:rPr lang="en-US" altLang="ko-KR" sz="1700" dirty="0" smtClean="0">
-                          <a:latin typeface="MD이솝체" pitchFamily="18" charset="-127"/>
-                          <a:ea typeface="MD이솝체" pitchFamily="18" charset="-127"/>
-                        </a:rPr>
-                        <a:t>5</a:t>
-                      </a:r>
-                      <a:r>
-                        <a:rPr lang="ko-KR" altLang="en-US" sz="1700" dirty="0" smtClean="0">
-                          <a:latin typeface="MD이솝체" pitchFamily="18" charset="-127"/>
-                          <a:ea typeface="MD이솝체" pitchFamily="18" charset="-127"/>
-                        </a:rPr>
-                        <a:t>주차</a:t>
-                      </a:r>
-                      <a:endParaRPr lang="ko-KR" altLang="en-US" sz="1700" dirty="0">
-                        <a:latin typeface="MD이솝체" pitchFamily="18" charset="-127"/>
-                        <a:ea typeface="MD이솝체" pitchFamily="18" charset="-127"/>
-                      </a:endParaRPr>
-                    </a:p>
-                  </a:txBody>
-                  <a:tcPr marL="84295" marR="84295" marT="42148" marB="42148"/>
-                </a:tc>
-                <a:tc>
-                  <a:txBody>
-                    <a:bodyPr/>
-                    <a:lstStyle/>
-                    <a:p>
-                      <a:pPr algn="l" latinLnBrk="1"/>
-                      <a:r>
-                        <a:rPr lang="ko-KR" altLang="en-US" sz="1700" dirty="0" smtClean="0">
-                          <a:latin typeface="MD이솝체" pitchFamily="18" charset="-127"/>
-                          <a:ea typeface="MD이솝체" pitchFamily="18" charset="-127"/>
-                        </a:rPr>
-                        <a:t>프로젝트 </a:t>
-                      </a:r>
-                      <a:r>
-                        <a:rPr lang="en-US" altLang="ko-KR" sz="1700" dirty="0" smtClean="0">
-                          <a:latin typeface="MD이솝체" pitchFamily="18" charset="-127"/>
-                          <a:ea typeface="MD이솝체" pitchFamily="18" charset="-127"/>
-                        </a:rPr>
-                        <a:t>2</a:t>
-                      </a:r>
-                      <a:r>
-                        <a:rPr lang="ko-KR" altLang="en-US" sz="1700" dirty="0" smtClean="0">
-                          <a:latin typeface="MD이솝체" pitchFamily="18" charset="-127"/>
-                          <a:ea typeface="MD이솝체" pitchFamily="18" charset="-127"/>
-                        </a:rPr>
-                        <a:t>차 발표 제작</a:t>
-                      </a:r>
-                      <a:endParaRPr lang="ko-KR" altLang="en-US" sz="1700" dirty="0">
-                        <a:latin typeface="MD이솝체" pitchFamily="18" charset="-127"/>
-                        <a:ea typeface="MD이솝체" pitchFamily="18" charset="-127"/>
-                      </a:endParaRPr>
-                    </a:p>
-                  </a:txBody>
-                  <a:tcPr marL="84295" marR="84295" marT="42148" marB="42148"/>
-                </a:tc>
-                <a:tc>
-                  <a:txBody>
-                    <a:bodyPr/>
-                    <a:lstStyle/>
-                    <a:p>
-                      <a:pPr algn="l" latinLnBrk="1"/>
-                      <a:r>
-                        <a:rPr lang="en-US" altLang="ko-KR" sz="1700" dirty="0" smtClean="0">
-                          <a:latin typeface="MD이솝체" pitchFamily="18" charset="-127"/>
-                          <a:ea typeface="MD이솝체" pitchFamily="18" charset="-127"/>
-                        </a:rPr>
-                        <a:t>(100%)</a:t>
-                      </a:r>
-                      <a:r>
-                        <a:rPr lang="en-US" altLang="ko-KR" sz="1700" baseline="0" dirty="0" smtClean="0">
-                          <a:latin typeface="MD이솝체" pitchFamily="18" charset="-127"/>
-                          <a:ea typeface="MD이솝체" pitchFamily="18" charset="-127"/>
-                        </a:rPr>
-                        <a:t> </a:t>
-                      </a:r>
-                      <a:r>
-                        <a:rPr lang="en-US" altLang="ko-KR" sz="1700" baseline="0" dirty="0" err="1" smtClean="0">
-                          <a:latin typeface="MD이솝체" pitchFamily="18" charset="-127"/>
-                          <a:ea typeface="MD이솝체" pitchFamily="18" charset="-127"/>
-                        </a:rPr>
-                        <a:t>ppt</a:t>
-                      </a:r>
-                      <a:r>
-                        <a:rPr lang="ko-KR" altLang="en-US" sz="1700" baseline="0" dirty="0" smtClean="0">
-                          <a:latin typeface="MD이솝체" pitchFamily="18" charset="-127"/>
-                          <a:ea typeface="MD이솝체" pitchFamily="18" charset="-127"/>
-                        </a:rPr>
-                        <a:t>제작</a:t>
-                      </a:r>
-                      <a:r>
-                        <a:rPr lang="en-US" altLang="ko-KR" sz="1700" baseline="0" dirty="0" smtClean="0">
-                          <a:latin typeface="MD이솝체" pitchFamily="18" charset="-127"/>
-                          <a:ea typeface="MD이솝체" pitchFamily="18" charset="-127"/>
-                        </a:rPr>
-                        <a:t>, </a:t>
-                      </a:r>
-                      <a:r>
-                        <a:rPr lang="ko-KR" altLang="en-US" sz="1700" baseline="0" dirty="0" smtClean="0">
-                          <a:latin typeface="MD이솝체" pitchFamily="18" charset="-127"/>
-                          <a:ea typeface="MD이솝체" pitchFamily="18" charset="-127"/>
-                        </a:rPr>
-                        <a:t>발표영상제작</a:t>
                       </a:r>
                       <a:endParaRPr lang="ko-KR" altLang="en-US" sz="1700" dirty="0">
                         <a:latin typeface="MD이솝체" pitchFamily="18" charset="-127"/>
@@ -5614,7 +5249,7 @@
                           <a:latin typeface="MD이솝체" pitchFamily="18" charset="-127"/>
                           <a:ea typeface="MD이솝체" pitchFamily="18" charset="-127"/>
                         </a:rPr>
-                        <a:t>6</a:t>
+                        <a:t>4</a:t>
                       </a:r>
                       <a:r>
                         <a:rPr lang="ko-KR" altLang="en-US" sz="1700" dirty="0" smtClean="0">
@@ -5642,31 +5277,100 @@
                           <a:latin typeface="MD이솝체" pitchFamily="18" charset="-127"/>
                           <a:ea typeface="MD이솝체" pitchFamily="18" charset="-127"/>
                         </a:rPr>
-                        <a:t>게임 진행 중간에 나오는</a:t>
-                      </a:r>
-                      <a:r>
-                        <a:rPr lang="ko-KR" altLang="en-US" sz="1700" baseline="0" dirty="0" smtClean="0">
-                          <a:latin typeface="MD이솝체" pitchFamily="18" charset="-127"/>
-                          <a:ea typeface="MD이솝체" pitchFamily="18" charset="-127"/>
-                        </a:rPr>
-                        <a:t> </a:t>
-                      </a:r>
-                      <a:r>
-                        <a:rPr lang="en-US" altLang="ko-KR" sz="1700" baseline="0" dirty="0" smtClean="0">
-                          <a:latin typeface="MD이솝체" pitchFamily="18" charset="-127"/>
-                          <a:ea typeface="MD이솝체" pitchFamily="18" charset="-127"/>
-                        </a:rPr>
-                        <a:t>Monster</a:t>
-                      </a:r>
+                        <a:t>캐릭터의 움직임과 </a:t>
+                      </a:r>
+                      <a:r>
+                        <a:rPr lang="en-US" altLang="ko-KR" sz="1700" dirty="0" smtClean="0">
+                          <a:latin typeface="MD이솝체" pitchFamily="18" charset="-127"/>
+                          <a:ea typeface="MD이솝체" pitchFamily="18" charset="-127"/>
+                        </a:rPr>
+                        <a:t>Map</a:t>
+                      </a:r>
+                      <a:r>
+                        <a:rPr lang="ko-KR" altLang="en-US" sz="1700" dirty="0" smtClean="0">
+                          <a:latin typeface="MD이솝체" pitchFamily="18" charset="-127"/>
+                          <a:ea typeface="MD이솝체" pitchFamily="18" charset="-127"/>
+                        </a:rPr>
+                        <a:t> 장애물 충돌처리 및 발표 전 점검</a:t>
+                      </a:r>
+                      <a:endParaRPr lang="ko-KR" altLang="en-US" sz="1700" dirty="0">
+                        <a:latin typeface="MD이솝체" pitchFamily="18" charset="-127"/>
+                        <a:ea typeface="MD이솝체" pitchFamily="18" charset="-127"/>
+                      </a:endParaRPr>
                     </a:p>
+                  </a:txBody>
+                  <a:tcPr marL="84295" marR="84295" marT="42148" marB="42148"/>
+                </a:tc>
+                <a:tc>
+                  <a:txBody>
+                    <a:bodyPr/>
+                    <a:lstStyle/>
                     <a:p>
                       <a:pPr algn="l" latinLnBrk="1"/>
+                      <a:endParaRPr lang="ko-KR" altLang="en-US" sz="1700" dirty="0">
+                        <a:latin typeface="MD이솝체" pitchFamily="18" charset="-127"/>
+                        <a:ea typeface="MD이솝체" pitchFamily="18" charset="-127"/>
+                      </a:endParaRPr>
+                    </a:p>
+                  </a:txBody>
+                  <a:tcPr marL="84295" marR="84295" marT="42148" marB="42148"/>
+                </a:tc>
+              </a:tr>
+              <a:tr h="429785">
+                <a:tc>
+                  <a:txBody>
+                    <a:bodyPr/>
+                    <a:lstStyle/>
+                    <a:p>
+                      <a:pPr algn="ctr" latinLnBrk="1"/>
+                      <a:r>
+                        <a:rPr lang="en-US" altLang="ko-KR" sz="1700" dirty="0" smtClean="0">
+                          <a:latin typeface="MD이솝체" pitchFamily="18" charset="-127"/>
+                          <a:ea typeface="MD이솝체" pitchFamily="18" charset="-127"/>
+                        </a:rPr>
+                        <a:t>5</a:t>
+                      </a:r>
                       <a:r>
                         <a:rPr lang="ko-KR" altLang="en-US" sz="1700" dirty="0" smtClean="0">
                           <a:latin typeface="MD이솝체" pitchFamily="18" charset="-127"/>
                           <a:ea typeface="MD이솝체" pitchFamily="18" charset="-127"/>
                         </a:rPr>
-                        <a:t> 제작</a:t>
+                        <a:t>주차</a:t>
+                      </a:r>
+                      <a:endParaRPr lang="ko-KR" altLang="en-US" sz="1700" dirty="0">
+                        <a:latin typeface="MD이솝체" pitchFamily="18" charset="-127"/>
+                        <a:ea typeface="MD이솝체" pitchFamily="18" charset="-127"/>
+                      </a:endParaRPr>
+                    </a:p>
+                  </a:txBody>
+                  <a:tcPr marL="84295" marR="84295" marT="42148" marB="42148"/>
+                </a:tc>
+                <a:tc>
+                  <a:txBody>
+                    <a:bodyPr/>
+                    <a:lstStyle/>
+                    <a:p>
+                      <a:pPr algn="l" latinLnBrk="1"/>
+                      <a:r>
+                        <a:rPr lang="ko-KR" altLang="en-US" sz="1700" dirty="0" smtClean="0">
+                          <a:latin typeface="MD이솝체" pitchFamily="18" charset="-127"/>
+                          <a:ea typeface="MD이솝체" pitchFamily="18" charset="-127"/>
+                        </a:rPr>
+                        <a:t>프로젝트 </a:t>
+                      </a:r>
+                      <a:r>
+                        <a:rPr lang="en-US" altLang="ko-KR" sz="1700" dirty="0" smtClean="0">
+                          <a:latin typeface="MD이솝체" pitchFamily="18" charset="-127"/>
+                          <a:ea typeface="MD이솝체" pitchFamily="18" charset="-127"/>
+                        </a:rPr>
+                        <a:t>2</a:t>
+                      </a:r>
+                      <a:r>
+                        <a:rPr lang="ko-KR" altLang="en-US" sz="1700" dirty="0" smtClean="0">
+                          <a:latin typeface="MD이솝체" pitchFamily="18" charset="-127"/>
+                          <a:ea typeface="MD이솝체" pitchFamily="18" charset="-127"/>
+                        </a:rPr>
+                        <a:t>차 발표 제작</a:t>
                       </a:r>
                       <a:endParaRPr lang="ko-KR" altLang="en-US" sz="1700" dirty="0">
                         <a:latin typeface="MD이솝체" pitchFamily="18" charset="-127"/>
@@ -5703,6 +5407,102 @@
                           <a:latin typeface="MD이솝체" pitchFamily="18" charset="-127"/>
                           <a:ea typeface="MD이솝체" pitchFamily="18" charset="-127"/>
                         </a:rPr>
+                        <a:t>6</a:t>
+                      </a:r>
+                      <a:r>
+                        <a:rPr lang="ko-KR" altLang="en-US" sz="1700" dirty="0" smtClean="0">
+                          <a:latin typeface="MD이솝체" pitchFamily="18" charset="-127"/>
+                          <a:ea typeface="MD이솝체" pitchFamily="18" charset="-127"/>
+                        </a:rPr>
+                        <a:t>주차</a:t>
+                      </a:r>
+                      <a:endParaRPr lang="ko-KR" altLang="en-US" sz="1700" dirty="0">
+                        <a:latin typeface="MD이솝체" pitchFamily="18" charset="-127"/>
+                        <a:ea typeface="MD이솝체" pitchFamily="18" charset="-127"/>
+                      </a:endParaRPr>
+                    </a:p>
+                  </a:txBody>
+                  <a:tcPr marL="84295" marR="84295" marT="42148" marB="42148"/>
+                </a:tc>
+                <a:tc>
+                  <a:txBody>
+                    <a:bodyPr/>
+                    <a:lstStyle/>
+                    <a:p>
+                      <a:pPr algn="l" latinLnBrk="1"/>
+                      <a:r>
+                        <a:rPr lang="ko-KR" altLang="en-US" sz="1700" dirty="0" smtClean="0">
+                          <a:latin typeface="MD이솝체" pitchFamily="18" charset="-127"/>
+                          <a:ea typeface="MD이솝체" pitchFamily="18" charset="-127"/>
+                        </a:rPr>
+                        <a:t>게임 진행 중간에 나오는</a:t>
+                      </a:r>
+                      <a:r>
+                        <a:rPr lang="ko-KR" altLang="en-US" sz="1700" baseline="0" dirty="0" smtClean="0">
+                          <a:latin typeface="MD이솝체" pitchFamily="18" charset="-127"/>
+                          <a:ea typeface="MD이솝체" pitchFamily="18" charset="-127"/>
+                        </a:rPr>
+                        <a:t> </a:t>
+                      </a:r>
+                      <a:r>
+                        <a:rPr lang="en-US" altLang="ko-KR" sz="1700" baseline="0" dirty="0" smtClean="0">
+                          <a:latin typeface="MD이솝체" pitchFamily="18" charset="-127"/>
+                          <a:ea typeface="MD이솝체" pitchFamily="18" charset="-127"/>
+                        </a:rPr>
+                        <a:t>Monster</a:t>
+                      </a:r>
+                    </a:p>
+                    <a:p>
+                      <a:pPr algn="l" latinLnBrk="1"/>
+                      <a:r>
+                        <a:rPr lang="ko-KR" altLang="en-US" sz="1700" dirty="0" smtClean="0">
+                          <a:latin typeface="MD이솝체" pitchFamily="18" charset="-127"/>
+                          <a:ea typeface="MD이솝체" pitchFamily="18" charset="-127"/>
+                        </a:rPr>
+                        <a:t> </a:t>
+                      </a:r>
+                      <a:r>
+                        <a:rPr lang="ko-KR" altLang="en-US" sz="1700" dirty="0" smtClean="0">
+                          <a:latin typeface="MD이솝체" pitchFamily="18" charset="-127"/>
+                          <a:ea typeface="MD이솝체" pitchFamily="18" charset="-127"/>
+                        </a:rPr>
+                        <a:t>제작</a:t>
+                      </a:r>
+                      <a:endParaRPr lang="ko-KR" altLang="en-US" sz="1700" dirty="0">
+                        <a:latin typeface="MD이솝체" pitchFamily="18" charset="-127"/>
+                        <a:ea typeface="MD이솝체" pitchFamily="18" charset="-127"/>
+                      </a:endParaRPr>
+                    </a:p>
+                  </a:txBody>
+                  <a:tcPr marL="84295" marR="84295" marT="42148" marB="42148"/>
+                </a:tc>
+                <a:tc>
+                  <a:txBody>
+                    <a:bodyPr/>
+                    <a:lstStyle/>
+                    <a:p>
+                      <a:pPr algn="l" latinLnBrk="1"/>
+                      <a:endParaRPr lang="ko-KR" altLang="en-US" sz="1700" dirty="0">
+                        <a:latin typeface="MD이솝체" pitchFamily="18" charset="-127"/>
+                        <a:ea typeface="MD이솝체" pitchFamily="18" charset="-127"/>
+                      </a:endParaRPr>
+                    </a:p>
+                  </a:txBody>
+                  <a:tcPr marL="84295" marR="84295" marT="42148" marB="42148"/>
+                </a:tc>
+              </a:tr>
+              <a:tr h="590067">
+                <a:tc>
+                  <a:txBody>
+                    <a:bodyPr/>
+                    <a:lstStyle/>
+                    <a:p>
+                      <a:pPr algn="ctr" latinLnBrk="1"/>
+                      <a:r>
+                        <a:rPr lang="en-US" altLang="ko-KR" sz="1700" dirty="0" smtClean="0">
+                          <a:latin typeface="MD이솝체" pitchFamily="18" charset="-127"/>
+                          <a:ea typeface="MD이솝체" pitchFamily="18" charset="-127"/>
+                        </a:rPr>
                         <a:t>7</a:t>
                       </a:r>
                       <a:r>
@@ -5791,7 +5591,14 @@
                           <a:latin typeface="MD이솝체" pitchFamily="18" charset="-127"/>
                           <a:ea typeface="MD이솝체" pitchFamily="18" charset="-127"/>
                         </a:rPr>
-                        <a:t> 캐릭터의 충돌처리 </a:t>
+                        <a:t> </a:t>
+                      </a:r>
+                      <a:r>
+                        <a:rPr lang="ko-KR" altLang="en-US" sz="1700" dirty="0" smtClean="0">
+                          <a:latin typeface="MD이솝체" pitchFamily="18" charset="-127"/>
+                          <a:ea typeface="MD이솝체" pitchFamily="18" charset="-127"/>
+                        </a:rPr>
+                        <a:t>캐릭터의 충돌처리 </a:t>
                       </a:r>
                     </a:p>
                   </a:txBody>
@@ -6026,7 +5833,14 @@
                           <a:latin typeface="MD이솝체" pitchFamily="18" charset="-127"/>
                           <a:ea typeface="MD이솝체" pitchFamily="18" charset="-127"/>
                         </a:rPr>
-                        <a:t>프로젝트 최종 발표 준비 및</a:t>
+                        <a:t>프로젝트 최종 발표 준비 </a:t>
+                      </a:r>
+                      <a:r>
+                        <a:rPr lang="ko-KR" altLang="en-US" sz="1700" dirty="0" smtClean="0">
+                          <a:latin typeface="MD이솝체" pitchFamily="18" charset="-127"/>
+                          <a:ea typeface="MD이솝체" pitchFamily="18" charset="-127"/>
+                        </a:rPr>
+                        <a:t>및</a:t>
                       </a:r>
                       <a:endParaRPr lang="en-US" altLang="ko-KR" sz="1700" dirty="0" smtClean="0">
                         <a:latin typeface="MD이솝체" pitchFamily="18" charset="-127"/>
@@ -6135,7 +5949,6 @@
           <a:bodyPr/>
           <a:lstStyle/>
           <a:p>
-            <a:pPr algn="l"/>
             <a:r>
               <a:rPr lang="en-US" altLang="ko-KR" b="1" dirty="0" err="1" smtClean="0">
                 <a:latin typeface="MD이솝체" pitchFamily="18" charset="-127"/>
@@ -6144,18 +5957,18 @@
               <a:t>Github</a:t>
             </a:r>
             <a:r>
-              <a:rPr lang="en-US" altLang="ko-KR" b="1" dirty="0">
+              <a:rPr lang="en-US" altLang="ko-KR" b="1" dirty="0" smtClean="0">
                 <a:latin typeface="MD이솝체" pitchFamily="18" charset="-127"/>
                 <a:ea typeface="MD이솝체" pitchFamily="18" charset="-127"/>
               </a:rPr>
               <a:t> </a:t>
             </a:r>
             <a:r>
-              <a:rPr lang="en-US" altLang="ko-KR" b="1" dirty="0" smtClean="0">
+              <a:rPr lang="ko-KR" altLang="en-US" b="1" dirty="0" err="1" smtClean="0">
                 <a:latin typeface="MD이솝체" pitchFamily="18" charset="-127"/>
                 <a:ea typeface="MD이솝체" pitchFamily="18" charset="-127"/>
               </a:rPr>
-              <a:t>commits</a:t>
+              <a:t>커밋</a:t>
             </a:r>
             <a:r>
               <a:rPr lang="ko-KR" altLang="en-US" b="1" dirty="0" smtClean="0">
@@ -6171,70 +5984,6 @@
           </a:p>
         </p:txBody>
       </p:sp>
-      <p:pic>
-        <p:nvPicPr>
-          <p:cNvPr id="1026" name="Picture 2"/>
-          <p:cNvPicPr>
-            <a:picLocks noChangeAspect="1" noChangeArrowheads="1"/>
-          </p:cNvPicPr>
-          <p:nvPr/>
-        </p:nvPicPr>
-        <p:blipFill>
-          <a:blip r:embed="rId2">
-            <a:extLst>
-              <a:ext uri="{28A0092B-C50C-407E-A947-70E740481C1C}">
-                <a14:useLocalDpi xmlns:a14="http://schemas.microsoft.com/office/drawing/2010/main" val="0"/>
-              </a:ext>
-            </a:extLst>
-          </a:blip>
-          <a:srcRect/>
-          <a:stretch>
-            <a:fillRect/>
-          </a:stretch>
-        </p:blipFill>
-        <p:spPr bwMode="auto">
-          <a:xfrm>
-            <a:off x="611560" y="1700808"/>
-            <a:ext cx="8136904" cy="4329630"/>
-          </a:xfrm>
-          <a:prstGeom prst="rect">
-            <a:avLst/>
-          </a:prstGeom>
-          <a:noFill/>
-          <a:ln>
-            <a:noFill/>
-          </a:ln>
-          <a:effectLst/>
-          <a:extLst>
-            <a:ext uri="{909E8E84-426E-40DD-AFC4-6F175D3DCCD1}">
-              <a14:hiddenFill xmlns:a14="http://schemas.microsoft.com/office/drawing/2010/main">
-                <a:solidFill>
-                  <a:schemeClr val="accent1"/>
-                </a:solidFill>
-              </a14:hiddenFill>
-            </a:ext>
-            <a:ext uri="{91240B29-F687-4F45-9708-019B960494DF}">
-              <a14:hiddenLine xmlns:a14="http://schemas.microsoft.com/office/drawing/2010/main" w="9525">
-                <a:solidFill>
-                  <a:schemeClr val="tx1"/>
-                </a:solidFill>
-                <a:miter lim="800000"/>
-                <a:headEnd/>
-                <a:tailEnd/>
-              </a14:hiddenLine>
-            </a:ext>
-            <a:ext uri="{AF507438-7753-43E0-B8FC-AC1667EBCBE1}">
-              <a14:hiddenEffects xmlns:a14="http://schemas.microsoft.com/office/drawing/2010/main">
-                <a:effectLst>
-                  <a:outerShdw dist="35921" dir="2700000" algn="ctr" rotWithShape="0">
-                    <a:schemeClr val="bg2"/>
-                  </a:outerShdw>
-                </a:effectLst>
-              </a14:hiddenEffects>
-            </a:ext>
-          </a:extLst>
-        </p:spPr>
-      </p:pic>
     </p:spTree>
     <p:extLst>
       <p:ext uri="{BB962C8B-B14F-4D97-AF65-F5344CB8AC3E}">

--- a/ppt/project_2.pptx
+++ b/ppt/project_2.pptx
@@ -197,7 +197,7 @@
           <a:p>
             <a:fld id="{549659DD-B4CD-4E48-AA68-BB8EB028BDE1}" type="datetimeFigureOut">
               <a:rPr lang="ko-KR" altLang="en-US" smtClean="0"/>
-              <a:t>2016-10-12</a:t>
+              <a:t>2016-10-17</a:t>
             </a:fld>
             <a:endParaRPr lang="ko-KR" altLang="en-US"/>
           </a:p>
@@ -730,7 +730,7 @@
           <a:p>
             <a:fld id="{2556E265-FD56-475E-9687-0455F914B6B9}" type="datetimeFigureOut">
               <a:rPr lang="ko-KR" altLang="en-US" smtClean="0"/>
-              <a:t>2016-10-12</a:t>
+              <a:t>2016-10-17</a:t>
             </a:fld>
             <a:endParaRPr lang="ko-KR" altLang="en-US"/>
           </a:p>
@@ -900,7 +900,7 @@
           <a:p>
             <a:fld id="{2556E265-FD56-475E-9687-0455F914B6B9}" type="datetimeFigureOut">
               <a:rPr lang="ko-KR" altLang="en-US" smtClean="0"/>
-              <a:t>2016-10-12</a:t>
+              <a:t>2016-10-17</a:t>
             </a:fld>
             <a:endParaRPr lang="ko-KR" altLang="en-US"/>
           </a:p>
@@ -1080,7 +1080,7 @@
           <a:p>
             <a:fld id="{2556E265-FD56-475E-9687-0455F914B6B9}" type="datetimeFigureOut">
               <a:rPr lang="ko-KR" altLang="en-US" smtClean="0"/>
-              <a:t>2016-10-12</a:t>
+              <a:t>2016-10-17</a:t>
             </a:fld>
             <a:endParaRPr lang="ko-KR" altLang="en-US"/>
           </a:p>
@@ -1250,7 +1250,7 @@
           <a:p>
             <a:fld id="{2556E265-FD56-475E-9687-0455F914B6B9}" type="datetimeFigureOut">
               <a:rPr lang="ko-KR" altLang="en-US" smtClean="0"/>
-              <a:t>2016-10-12</a:t>
+              <a:t>2016-10-17</a:t>
             </a:fld>
             <a:endParaRPr lang="ko-KR" altLang="en-US"/>
           </a:p>
@@ -1496,7 +1496,7 @@
           <a:p>
             <a:fld id="{2556E265-FD56-475E-9687-0455F914B6B9}" type="datetimeFigureOut">
               <a:rPr lang="ko-KR" altLang="en-US" smtClean="0"/>
-              <a:t>2016-10-12</a:t>
+              <a:t>2016-10-17</a:t>
             </a:fld>
             <a:endParaRPr lang="ko-KR" altLang="en-US"/>
           </a:p>
@@ -1784,7 +1784,7 @@
           <a:p>
             <a:fld id="{2556E265-FD56-475E-9687-0455F914B6B9}" type="datetimeFigureOut">
               <a:rPr lang="ko-KR" altLang="en-US" smtClean="0"/>
-              <a:t>2016-10-12</a:t>
+              <a:t>2016-10-17</a:t>
             </a:fld>
             <a:endParaRPr lang="ko-KR" altLang="en-US"/>
           </a:p>
@@ -2206,7 +2206,7 @@
           <a:p>
             <a:fld id="{2556E265-FD56-475E-9687-0455F914B6B9}" type="datetimeFigureOut">
               <a:rPr lang="ko-KR" altLang="en-US" smtClean="0"/>
-              <a:t>2016-10-12</a:t>
+              <a:t>2016-10-17</a:t>
             </a:fld>
             <a:endParaRPr lang="ko-KR" altLang="en-US"/>
           </a:p>
@@ -2324,7 +2324,7 @@
           <a:p>
             <a:fld id="{2556E265-FD56-475E-9687-0455F914B6B9}" type="datetimeFigureOut">
               <a:rPr lang="ko-KR" altLang="en-US" smtClean="0"/>
-              <a:t>2016-10-12</a:t>
+              <a:t>2016-10-17</a:t>
             </a:fld>
             <a:endParaRPr lang="ko-KR" altLang="en-US"/>
           </a:p>
@@ -2419,7 +2419,7 @@
           <a:p>
             <a:fld id="{2556E265-FD56-475E-9687-0455F914B6B9}" type="datetimeFigureOut">
               <a:rPr lang="ko-KR" altLang="en-US" smtClean="0"/>
-              <a:t>2016-10-12</a:t>
+              <a:t>2016-10-17</a:t>
             </a:fld>
             <a:endParaRPr lang="ko-KR" altLang="en-US"/>
           </a:p>
@@ -2696,7 +2696,7 @@
           <a:p>
             <a:fld id="{2556E265-FD56-475E-9687-0455F914B6B9}" type="datetimeFigureOut">
               <a:rPr lang="ko-KR" altLang="en-US" smtClean="0"/>
-              <a:t>2016-10-12</a:t>
+              <a:t>2016-10-17</a:t>
             </a:fld>
             <a:endParaRPr lang="ko-KR" altLang="en-US"/>
           </a:p>
@@ -2949,7 +2949,7 @@
           <a:p>
             <a:fld id="{2556E265-FD56-475E-9687-0455F914B6B9}" type="datetimeFigureOut">
               <a:rPr lang="ko-KR" altLang="en-US" smtClean="0"/>
-              <a:t>2016-10-12</a:t>
+              <a:t>2016-10-17</a:t>
             </a:fld>
             <a:endParaRPr lang="ko-KR" altLang="en-US"/>
           </a:p>
@@ -3171,7 +3171,7 @@
           <a:p>
             <a:fld id="{2556E265-FD56-475E-9687-0455F914B6B9}" type="datetimeFigureOut">
               <a:rPr lang="ko-KR" altLang="en-US" smtClean="0"/>
-              <a:t>2016-10-12</a:t>
+              <a:t>2016-10-17</a:t>
             </a:fld>
             <a:endParaRPr lang="ko-KR" altLang="en-US"/>
           </a:p>
@@ -4466,14 +4466,7 @@
                           <a:latin typeface="MD이솝체" pitchFamily="18" charset="-127"/>
                           <a:ea typeface="MD이솝체" pitchFamily="18" charset="-127"/>
                         </a:rPr>
-                        <a:t>키를 이용하여 </a:t>
-                      </a:r>
-                      <a:r>
-                        <a:rPr lang="ko-KR" altLang="en-US" dirty="0" smtClean="0">
-                          <a:latin typeface="MD이솝체" pitchFamily="18" charset="-127"/>
-                          <a:ea typeface="MD이솝체" pitchFamily="18" charset="-127"/>
-                        </a:rPr>
-                        <a:t>공격</a:t>
+                        <a:t>키를 이용하여 공격</a:t>
                       </a:r>
                       <a:endParaRPr lang="ko-KR" altLang="en-US" dirty="0">
                         <a:latin typeface="MD이솝체" pitchFamily="18" charset="-127"/>
@@ -4545,14 +4538,7 @@
                           <a:latin typeface="MD이솝체" pitchFamily="18" charset="-127"/>
                           <a:ea typeface="MD이솝체" pitchFamily="18" charset="-127"/>
                         </a:rPr>
-                        <a:t>가 </a:t>
-                      </a:r>
-                      <a:r>
-                        <a:rPr lang="ko-KR" altLang="en-US" dirty="0" smtClean="0">
-                          <a:latin typeface="MD이솝체" pitchFamily="18" charset="-127"/>
-                          <a:ea typeface="MD이솝체" pitchFamily="18" charset="-127"/>
-                        </a:rPr>
-                        <a:t>나타남</a:t>
+                        <a:t>가 나타남</a:t>
                       </a:r>
                       <a:endParaRPr lang="ko-KR" altLang="en-US" dirty="0">
                         <a:latin typeface="MD이솝체" pitchFamily="18" charset="-127"/>
@@ -4831,7 +4817,7 @@
           <p:nvPr>
             <p:extLst>
               <p:ext uri="{D42A27DB-BD31-4B8C-83A1-F6EECF244321}">
-                <p14:modId xmlns:p14="http://schemas.microsoft.com/office/powerpoint/2010/main" val="1624271751"/>
+                <p14:modId xmlns:p14="http://schemas.microsoft.com/office/powerpoint/2010/main" val="2157013836"/>
               </p:ext>
             </p:extLst>
           </p:nvPr>
@@ -5307,6 +5293,34 @@
                     <a:lstStyle/>
                     <a:p>
                       <a:pPr algn="l" latinLnBrk="1"/>
+                      <a:r>
+                        <a:rPr lang="en-US" altLang="ko-KR" sz="1700" dirty="0" smtClean="0">
+                          <a:latin typeface="MD이솝체" pitchFamily="18" charset="-127"/>
+                          <a:ea typeface="MD이솝체" pitchFamily="18" charset="-127"/>
+                        </a:rPr>
+                        <a:t>(100%) </a:t>
+                      </a:r>
+                      <a:r>
+                        <a:rPr lang="ko-KR" altLang="en-US" sz="1700" dirty="0" smtClean="0">
+                          <a:latin typeface="MD이솝체" pitchFamily="18" charset="-127"/>
+                          <a:ea typeface="MD이솝체" pitchFamily="18" charset="-127"/>
+                        </a:rPr>
+                        <a:t>모든 </a:t>
+                      </a:r>
+                      <a:r>
+                        <a:rPr lang="en-US" altLang="ko-KR" sz="1700" dirty="0" smtClean="0">
+                          <a:latin typeface="MD이솝체" pitchFamily="18" charset="-127"/>
+                          <a:ea typeface="MD이솝체" pitchFamily="18" charset="-127"/>
+                        </a:rPr>
+                        <a:t>coin</a:t>
+                      </a:r>
+                      <a:r>
+                        <a:rPr lang="ko-KR" altLang="en-US" sz="1700" dirty="0" smtClean="0">
+                          <a:latin typeface="MD이솝체" pitchFamily="18" charset="-127"/>
+                          <a:ea typeface="MD이솝체" pitchFamily="18" charset="-127"/>
+                        </a:rPr>
+                        <a:t>과 캐릭터의 충돌체크 </a:t>
+                      </a:r>
                       <a:endParaRPr lang="ko-KR" altLang="en-US" sz="1700" dirty="0">
                         <a:latin typeface="MD이솝체" pitchFamily="18" charset="-127"/>
                         <a:ea typeface="MD이솝체" pitchFamily="18" charset="-127"/>
@@ -5371,6 +5385,130 @@
                           <a:ea typeface="MD이솝체" pitchFamily="18" charset="-127"/>
                         </a:rPr>
                         <a:t>차 발표 제작</a:t>
+                      </a:r>
+                      <a:endParaRPr lang="ko-KR" altLang="en-US" sz="1700" dirty="0">
+                        <a:latin typeface="MD이솝체" pitchFamily="18" charset="-127"/>
+                        <a:ea typeface="MD이솝체" pitchFamily="18" charset="-127"/>
+                      </a:endParaRPr>
+                    </a:p>
+                  </a:txBody>
+                  <a:tcPr marL="84295" marR="84295" marT="42148" marB="42148"/>
+                </a:tc>
+                <a:tc>
+                  <a:txBody>
+                    <a:bodyPr/>
+                    <a:lstStyle/>
+                    <a:p>
+                      <a:pPr algn="l" latinLnBrk="1"/>
+                      <a:r>
+                        <a:rPr lang="en-US" altLang="ko-KR" sz="1700" dirty="0" smtClean="0">
+                          <a:latin typeface="MD이솝체" pitchFamily="18" charset="-127"/>
+                          <a:ea typeface="MD이솝체" pitchFamily="18" charset="-127"/>
+                        </a:rPr>
+                        <a:t>(100%) </a:t>
+                      </a:r>
+                      <a:r>
+                        <a:rPr lang="en-US" altLang="ko-KR" sz="1700" dirty="0" err="1" smtClean="0">
+                          <a:latin typeface="MD이솝체" pitchFamily="18" charset="-127"/>
+                          <a:ea typeface="MD이솝체" pitchFamily="18" charset="-127"/>
+                        </a:rPr>
+                        <a:t>ppt</a:t>
+                      </a:r>
+                      <a:r>
+                        <a:rPr lang="ko-KR" altLang="en-US" sz="1700" dirty="0" smtClean="0">
+                          <a:latin typeface="MD이솝체" pitchFamily="18" charset="-127"/>
+                          <a:ea typeface="MD이솝체" pitchFamily="18" charset="-127"/>
+                        </a:rPr>
+                        <a:t>제작 </a:t>
+                      </a:r>
+                      <a:r>
+                        <a:rPr lang="en-US" altLang="ko-KR" sz="1700" dirty="0" smtClean="0">
+                          <a:latin typeface="MD이솝체" pitchFamily="18" charset="-127"/>
+                          <a:ea typeface="MD이솝체" pitchFamily="18" charset="-127"/>
+                        </a:rPr>
+                        <a:t>&amp; </a:t>
+                      </a:r>
+                      <a:r>
+                        <a:rPr lang="ko-KR" altLang="en-US" sz="1700" dirty="0" smtClean="0">
+                          <a:latin typeface="MD이솝체" pitchFamily="18" charset="-127"/>
+                          <a:ea typeface="MD이솝체" pitchFamily="18" charset="-127"/>
+                        </a:rPr>
+                        <a:t>발표영상제작</a:t>
+                      </a:r>
+                      <a:endParaRPr lang="ko-KR" altLang="en-US" sz="1700" dirty="0">
+                        <a:latin typeface="MD이솝체" pitchFamily="18" charset="-127"/>
+                        <a:ea typeface="MD이솝체" pitchFamily="18" charset="-127"/>
+                      </a:endParaRPr>
+                    </a:p>
+                  </a:txBody>
+                  <a:tcPr marL="84295" marR="84295" marT="42148" marB="42148"/>
+                </a:tc>
+              </a:tr>
+              <a:tr h="590067">
+                <a:tc>
+                  <a:txBody>
+                    <a:bodyPr/>
+                    <a:lstStyle/>
+                    <a:p>
+                      <a:pPr algn="ctr" latinLnBrk="1"/>
+                      <a:r>
+                        <a:rPr lang="en-US" altLang="ko-KR" sz="1700" dirty="0" smtClean="0">
+                          <a:latin typeface="MD이솝체" pitchFamily="18" charset="-127"/>
+                          <a:ea typeface="MD이솝체" pitchFamily="18" charset="-127"/>
+                        </a:rPr>
+                        <a:t>6</a:t>
+                      </a:r>
+                      <a:r>
+                        <a:rPr lang="ko-KR" altLang="en-US" sz="1700" dirty="0" smtClean="0">
+                          <a:latin typeface="MD이솝체" pitchFamily="18" charset="-127"/>
+                          <a:ea typeface="MD이솝체" pitchFamily="18" charset="-127"/>
+                        </a:rPr>
+                        <a:t>주차</a:t>
+                      </a:r>
+                      <a:endParaRPr lang="ko-KR" altLang="en-US" sz="1700" dirty="0">
+                        <a:latin typeface="MD이솝체" pitchFamily="18" charset="-127"/>
+                        <a:ea typeface="MD이솝체" pitchFamily="18" charset="-127"/>
+                      </a:endParaRPr>
+                    </a:p>
+                  </a:txBody>
+                  <a:tcPr marL="84295" marR="84295" marT="42148" marB="42148"/>
+                </a:tc>
+                <a:tc>
+                  <a:txBody>
+                    <a:bodyPr/>
+                    <a:lstStyle/>
+                    <a:p>
+                      <a:pPr algn="l" latinLnBrk="1"/>
+                      <a:r>
+                        <a:rPr lang="ko-KR" altLang="en-US" sz="1700" dirty="0" smtClean="0">
+                          <a:latin typeface="MD이솝체" pitchFamily="18" charset="-127"/>
+                          <a:ea typeface="MD이솝체" pitchFamily="18" charset="-127"/>
+                        </a:rPr>
+                        <a:t>게임 진행 중간에 나오는</a:t>
+                      </a:r>
+                      <a:r>
+                        <a:rPr lang="ko-KR" altLang="en-US" sz="1700" baseline="0" dirty="0" smtClean="0">
+                          <a:latin typeface="MD이솝체" pitchFamily="18" charset="-127"/>
+                          <a:ea typeface="MD이솝체" pitchFamily="18" charset="-127"/>
+                        </a:rPr>
+                        <a:t> </a:t>
+                      </a:r>
+                      <a:r>
+                        <a:rPr lang="en-US" altLang="ko-KR" sz="1700" baseline="0" dirty="0" smtClean="0">
+                          <a:latin typeface="MD이솝체" pitchFamily="18" charset="-127"/>
+                          <a:ea typeface="MD이솝체" pitchFamily="18" charset="-127"/>
+                        </a:rPr>
+                        <a:t>Monster</a:t>
+                      </a:r>
+                    </a:p>
+                    <a:p>
+                      <a:pPr algn="l" latinLnBrk="1"/>
+                      <a:r>
+                        <a:rPr lang="ko-KR" altLang="en-US" sz="1700" dirty="0" smtClean="0">
+                          <a:latin typeface="MD이솝체" pitchFamily="18" charset="-127"/>
+                          <a:ea typeface="MD이솝체" pitchFamily="18" charset="-127"/>
+                        </a:rPr>
+                        <a:t> 제작</a:t>
                       </a:r>
                       <a:endParaRPr lang="ko-KR" altLang="en-US" sz="1700" dirty="0">
                         <a:latin typeface="MD이솝체" pitchFamily="18" charset="-127"/>
@@ -5407,102 +5545,6 @@
                           <a:latin typeface="MD이솝체" pitchFamily="18" charset="-127"/>
                           <a:ea typeface="MD이솝체" pitchFamily="18" charset="-127"/>
                         </a:rPr>
-                        <a:t>6</a:t>
-                      </a:r>
-                      <a:r>
-                        <a:rPr lang="ko-KR" altLang="en-US" sz="1700" dirty="0" smtClean="0">
-                          <a:latin typeface="MD이솝체" pitchFamily="18" charset="-127"/>
-                          <a:ea typeface="MD이솝체" pitchFamily="18" charset="-127"/>
-                        </a:rPr>
-                        <a:t>주차</a:t>
-                      </a:r>
-                      <a:endParaRPr lang="ko-KR" altLang="en-US" sz="1700" dirty="0">
-                        <a:latin typeface="MD이솝체" pitchFamily="18" charset="-127"/>
-                        <a:ea typeface="MD이솝체" pitchFamily="18" charset="-127"/>
-                      </a:endParaRPr>
-                    </a:p>
-                  </a:txBody>
-                  <a:tcPr marL="84295" marR="84295" marT="42148" marB="42148"/>
-                </a:tc>
-                <a:tc>
-                  <a:txBody>
-                    <a:bodyPr/>
-                    <a:lstStyle/>
-                    <a:p>
-                      <a:pPr algn="l" latinLnBrk="1"/>
-                      <a:r>
-                        <a:rPr lang="ko-KR" altLang="en-US" sz="1700" dirty="0" smtClean="0">
-                          <a:latin typeface="MD이솝체" pitchFamily="18" charset="-127"/>
-                          <a:ea typeface="MD이솝체" pitchFamily="18" charset="-127"/>
-                        </a:rPr>
-                        <a:t>게임 진행 중간에 나오는</a:t>
-                      </a:r>
-                      <a:r>
-                        <a:rPr lang="ko-KR" altLang="en-US" sz="1700" baseline="0" dirty="0" smtClean="0">
-                          <a:latin typeface="MD이솝체" pitchFamily="18" charset="-127"/>
-                          <a:ea typeface="MD이솝체" pitchFamily="18" charset="-127"/>
-                        </a:rPr>
-                        <a:t> </a:t>
-                      </a:r>
-                      <a:r>
-                        <a:rPr lang="en-US" altLang="ko-KR" sz="1700" baseline="0" dirty="0" smtClean="0">
-                          <a:latin typeface="MD이솝체" pitchFamily="18" charset="-127"/>
-                          <a:ea typeface="MD이솝체" pitchFamily="18" charset="-127"/>
-                        </a:rPr>
-                        <a:t>Monster</a:t>
-                      </a:r>
-                    </a:p>
-                    <a:p>
-                      <a:pPr algn="l" latinLnBrk="1"/>
-                      <a:r>
-                        <a:rPr lang="ko-KR" altLang="en-US" sz="1700" dirty="0" smtClean="0">
-                          <a:latin typeface="MD이솝체" pitchFamily="18" charset="-127"/>
-                          <a:ea typeface="MD이솝체" pitchFamily="18" charset="-127"/>
-                        </a:rPr>
-                        <a:t> </a:t>
-                      </a:r>
-                      <a:r>
-                        <a:rPr lang="ko-KR" altLang="en-US" sz="1700" dirty="0" smtClean="0">
-                          <a:latin typeface="MD이솝체" pitchFamily="18" charset="-127"/>
-                          <a:ea typeface="MD이솝체" pitchFamily="18" charset="-127"/>
-                        </a:rPr>
-                        <a:t>제작</a:t>
-                      </a:r>
-                      <a:endParaRPr lang="ko-KR" altLang="en-US" sz="1700" dirty="0">
-                        <a:latin typeface="MD이솝체" pitchFamily="18" charset="-127"/>
-                        <a:ea typeface="MD이솝체" pitchFamily="18" charset="-127"/>
-                      </a:endParaRPr>
-                    </a:p>
-                  </a:txBody>
-                  <a:tcPr marL="84295" marR="84295" marT="42148" marB="42148"/>
-                </a:tc>
-                <a:tc>
-                  <a:txBody>
-                    <a:bodyPr/>
-                    <a:lstStyle/>
-                    <a:p>
-                      <a:pPr algn="l" latinLnBrk="1"/>
-                      <a:endParaRPr lang="ko-KR" altLang="en-US" sz="1700" dirty="0">
-                        <a:latin typeface="MD이솝체" pitchFamily="18" charset="-127"/>
-                        <a:ea typeface="MD이솝체" pitchFamily="18" charset="-127"/>
-                      </a:endParaRPr>
-                    </a:p>
-                  </a:txBody>
-                  <a:tcPr marL="84295" marR="84295" marT="42148" marB="42148"/>
-                </a:tc>
-              </a:tr>
-              <a:tr h="590067">
-                <a:tc>
-                  <a:txBody>
-                    <a:bodyPr/>
-                    <a:lstStyle/>
-                    <a:p>
-                      <a:pPr algn="ctr" latinLnBrk="1"/>
-                      <a:r>
-                        <a:rPr lang="en-US" altLang="ko-KR" sz="1700" dirty="0" smtClean="0">
-                          <a:latin typeface="MD이솝체" pitchFamily="18" charset="-127"/>
-                          <a:ea typeface="MD이솝체" pitchFamily="18" charset="-127"/>
-                        </a:rPr>
                         <a:t>7</a:t>
                       </a:r>
                       <a:r>
@@ -5591,14 +5633,7 @@
                           <a:latin typeface="MD이솝체" pitchFamily="18" charset="-127"/>
                           <a:ea typeface="MD이솝체" pitchFamily="18" charset="-127"/>
                         </a:rPr>
-                        <a:t> </a:t>
-                      </a:r>
-                      <a:r>
-                        <a:rPr lang="ko-KR" altLang="en-US" sz="1700" dirty="0" smtClean="0">
-                          <a:latin typeface="MD이솝체" pitchFamily="18" charset="-127"/>
-                          <a:ea typeface="MD이솝체" pitchFamily="18" charset="-127"/>
-                        </a:rPr>
-                        <a:t>캐릭터의 충돌처리 </a:t>
+                        <a:t> 캐릭터의 충돌처리 </a:t>
                       </a:r>
                     </a:p>
                   </a:txBody>
@@ -5833,14 +5868,7 @@
                           <a:latin typeface="MD이솝체" pitchFamily="18" charset="-127"/>
                           <a:ea typeface="MD이솝체" pitchFamily="18" charset="-127"/>
                         </a:rPr>
-                        <a:t>프로젝트 최종 발표 준비 </a:t>
-                      </a:r>
-                      <a:r>
-                        <a:rPr lang="ko-KR" altLang="en-US" sz="1700" dirty="0" smtClean="0">
-                          <a:latin typeface="MD이솝체" pitchFamily="18" charset="-127"/>
-                          <a:ea typeface="MD이솝체" pitchFamily="18" charset="-127"/>
-                        </a:rPr>
-                        <a:t>및</a:t>
+                        <a:t>프로젝트 최종 발표 준비 및</a:t>
                       </a:r>
                       <a:endParaRPr lang="en-US" altLang="ko-KR" sz="1700" dirty="0" smtClean="0">
                         <a:latin typeface="MD이솝체" pitchFamily="18" charset="-127"/>
@@ -5984,6 +6012,70 @@
           </a:p>
         </p:txBody>
       </p:sp>
+      <p:pic>
+        <p:nvPicPr>
+          <p:cNvPr id="1026" name="Picture 2"/>
+          <p:cNvPicPr>
+            <a:picLocks noChangeAspect="1" noChangeArrowheads="1"/>
+          </p:cNvPicPr>
+          <p:nvPr/>
+        </p:nvPicPr>
+        <p:blipFill>
+          <a:blip r:embed="rId2">
+            <a:extLst>
+              <a:ext uri="{28A0092B-C50C-407E-A947-70E740481C1C}">
+                <a14:useLocalDpi xmlns:a14="http://schemas.microsoft.com/office/drawing/2010/main" val="0"/>
+              </a:ext>
+            </a:extLst>
+          </a:blip>
+          <a:srcRect/>
+          <a:stretch>
+            <a:fillRect/>
+          </a:stretch>
+        </p:blipFill>
+        <p:spPr bwMode="auto">
+          <a:xfrm>
+            <a:off x="827584" y="1700808"/>
+            <a:ext cx="7596336" cy="4049169"/>
+          </a:xfrm>
+          <a:prstGeom prst="rect">
+            <a:avLst/>
+          </a:prstGeom>
+          <a:noFill/>
+          <a:ln>
+            <a:noFill/>
+          </a:ln>
+          <a:effectLst/>
+          <a:extLst>
+            <a:ext uri="{909E8E84-426E-40DD-AFC4-6F175D3DCCD1}">
+              <a14:hiddenFill xmlns:a14="http://schemas.microsoft.com/office/drawing/2010/main">
+                <a:solidFill>
+                  <a:schemeClr val="accent1"/>
+                </a:solidFill>
+              </a14:hiddenFill>
+            </a:ext>
+            <a:ext uri="{91240B29-F687-4F45-9708-019B960494DF}">
+              <a14:hiddenLine xmlns:a14="http://schemas.microsoft.com/office/drawing/2010/main" w="9525">
+                <a:solidFill>
+                  <a:schemeClr val="tx1"/>
+                </a:solidFill>
+                <a:miter lim="800000"/>
+                <a:headEnd/>
+                <a:tailEnd/>
+              </a14:hiddenLine>
+            </a:ext>
+            <a:ext uri="{AF507438-7753-43E0-B8FC-AC1667EBCBE1}">
+              <a14:hiddenEffects xmlns:a14="http://schemas.microsoft.com/office/drawing/2010/main">
+                <a:effectLst>
+                  <a:outerShdw dist="35921" dir="2700000" algn="ctr" rotWithShape="0">
+                    <a:schemeClr val="bg2"/>
+                  </a:outerShdw>
+                </a:effectLst>
+              </a14:hiddenEffects>
+            </a:ext>
+          </a:extLst>
+        </p:spPr>
+      </p:pic>
     </p:spTree>
     <p:extLst>
       <p:ext uri="{BB962C8B-B14F-4D97-AF65-F5344CB8AC3E}">
@@ -5994,6 +6086,13 @@
   <p:clrMapOvr>
     <a:masterClrMapping/>
   </p:clrMapOvr>
+  <p:timing>
+    <p:tnLst>
+      <p:par>
+        <p:cTn id="1" dur="indefinite" restart="never" nodeType="tmRoot"/>
+      </p:par>
+    </p:tnLst>
+  </p:timing>
 </p:sld>
 </file>
 

--- a/ppt/project_2.pptx
+++ b/ppt/project_2.pptx
@@ -5,15 +5,13 @@
     <p:sldMasterId id="2147483648" r:id="rId1"/>
   </p:sldMasterIdLst>
   <p:notesMasterIdLst>
-    <p:notesMasterId r:id="rId8"/>
+    <p:notesMasterId r:id="rId6"/>
   </p:notesMasterIdLst>
   <p:sldIdLst>
-    <p:sldId id="256" r:id="rId2"/>
-    <p:sldId id="259" r:id="rId3"/>
-    <p:sldId id="263" r:id="rId4"/>
-    <p:sldId id="264" r:id="rId5"/>
-    <p:sldId id="270" r:id="rId6"/>
-    <p:sldId id="269" r:id="rId7"/>
+    <p:sldId id="259" r:id="rId2"/>
+    <p:sldId id="263" r:id="rId3"/>
+    <p:sldId id="264" r:id="rId4"/>
+    <p:sldId id="270" r:id="rId5"/>
   </p:sldIdLst>
   <p:sldSz cx="9144000" cy="6858000" type="screen4x3"/>
   <p:notesSz cx="6858000" cy="9144000"/>
@@ -530,7 +528,7 @@
           <a:p>
             <a:fld id="{B8F8FD13-4F90-444C-B2D3-CC96EDC6851C}" type="slidenum">
               <a:rPr lang="ko-KR" altLang="en-US" smtClean="0"/>
-              <a:t>2</a:t>
+              <a:t>1</a:t>
             </a:fld>
             <a:endParaRPr lang="ko-KR" altLang="en-US"/>
           </a:p>
@@ -3532,130 +3530,6 @@
 <file path=ppt/slides/slide1.xml><?xml version="1.0" encoding="utf-8"?>
 <p:sld xmlns:a="http://schemas.openxmlformats.org/drawingml/2006/main" xmlns:r="http://schemas.openxmlformats.org/officeDocument/2006/relationships" xmlns:p="http://schemas.openxmlformats.org/presentationml/2006/main">
   <p:cSld>
-    <p:bg>
-      <p:bgPr>
-        <a:blipFill dpi="0" rotWithShape="1">
-          <a:blip r:embed="rId2">
-            <a:lum/>
-          </a:blip>
-          <a:srcRect/>
-          <a:stretch>
-            <a:fillRect/>
-          </a:stretch>
-        </a:blipFill>
-        <a:effectLst/>
-      </p:bgPr>
-    </p:bg>
-    <p:spTree>
-      <p:nvGrpSpPr>
-        <p:cNvPr id="1" name=""/>
-        <p:cNvGrpSpPr/>
-        <p:nvPr/>
-      </p:nvGrpSpPr>
-      <p:grpSpPr>
-        <a:xfrm>
-          <a:off x="0" y="0"/>
-          <a:ext cx="0" cy="0"/>
-          <a:chOff x="0" y="0"/>
-          <a:chExt cx="0" cy="0"/>
-        </a:xfrm>
-      </p:grpSpPr>
-      <p:sp>
-        <p:nvSpPr>
-          <p:cNvPr id="5" name="TextBox 4"/>
-          <p:cNvSpPr txBox="1"/>
-          <p:nvPr/>
-        </p:nvSpPr>
-        <p:spPr>
-          <a:xfrm>
-            <a:off x="5479473" y="4941168"/>
-            <a:ext cx="3456384" cy="1754326"/>
-          </a:xfrm>
-          <a:prstGeom prst="rect">
-            <a:avLst/>
-          </a:prstGeom>
-          <a:noFill/>
-        </p:spPr>
-        <p:txBody>
-          <a:bodyPr wrap="square" rtlCol="0">
-            <a:spAutoFit/>
-          </a:bodyPr>
-          <a:lstStyle/>
-          <a:p>
-            <a:r>
-              <a:rPr lang="en-US" altLang="ko-KR" sz="3600" b="1" dirty="0" smtClean="0">
-                <a:solidFill>
-                  <a:schemeClr val="bg1"/>
-                </a:solidFill>
-                <a:latin typeface="MD이솝체" pitchFamily="18" charset="-127"/>
-                <a:ea typeface="MD이솝체" pitchFamily="18" charset="-127"/>
-              </a:rPr>
-              <a:t>2015180045</a:t>
-            </a:r>
-          </a:p>
-          <a:p>
-            <a:r>
-              <a:rPr lang="ko-KR" altLang="en-US" sz="3600" b="1" dirty="0" smtClean="0">
-                <a:solidFill>
-                  <a:schemeClr val="bg1"/>
-                </a:solidFill>
-                <a:latin typeface="MD이솝체" pitchFamily="18" charset="-127"/>
-                <a:ea typeface="MD이솝체" pitchFamily="18" charset="-127"/>
-              </a:rPr>
-              <a:t>게임공학과</a:t>
-            </a:r>
-            <a:endParaRPr lang="en-US" altLang="ko-KR" sz="3600" b="1" dirty="0" smtClean="0">
-              <a:solidFill>
-                <a:schemeClr val="bg1"/>
-              </a:solidFill>
-              <a:latin typeface="MD이솝체" pitchFamily="18" charset="-127"/>
-              <a:ea typeface="MD이솝체" pitchFamily="18" charset="-127"/>
-            </a:endParaRPr>
-          </a:p>
-          <a:p>
-            <a:r>
-              <a:rPr lang="ko-KR" altLang="en-US" sz="3600" b="1" dirty="0" smtClean="0">
-                <a:solidFill>
-                  <a:schemeClr val="bg1"/>
-                </a:solidFill>
-                <a:latin typeface="MD이솝체" pitchFamily="18" charset="-127"/>
-                <a:ea typeface="MD이솝체" pitchFamily="18" charset="-127"/>
-              </a:rPr>
-              <a:t>한 화원</a:t>
-            </a:r>
-            <a:endParaRPr lang="ko-KR" altLang="en-US" sz="3600" b="1" dirty="0">
-              <a:solidFill>
-                <a:schemeClr val="bg1"/>
-              </a:solidFill>
-              <a:latin typeface="MD이솝체" pitchFamily="18" charset="-127"/>
-              <a:ea typeface="MD이솝체" pitchFamily="18" charset="-127"/>
-            </a:endParaRPr>
-          </a:p>
-        </p:txBody>
-      </p:sp>
-    </p:spTree>
-    <p:extLst>
-      <p:ext uri="{BB962C8B-B14F-4D97-AF65-F5344CB8AC3E}">
-        <p14:creationId xmlns:p14="http://schemas.microsoft.com/office/powerpoint/2010/main" val="2556672999"/>
-      </p:ext>
-    </p:extLst>
-  </p:cSld>
-  <p:clrMapOvr>
-    <a:masterClrMapping/>
-  </p:clrMapOvr>
-  <p:timing>
-    <p:tnLst>
-      <p:par>
-        <p:cTn id="1" dur="indefinite" restart="never" nodeType="tmRoot"/>
-      </p:par>
-    </p:tnLst>
-  </p:timing>
-</p:sld>
-</file>
-
-<file path=ppt/slides/slide2.xml><?xml version="1.0" encoding="utf-8"?>
-<p:sld xmlns:a="http://schemas.openxmlformats.org/drawingml/2006/main" xmlns:r="http://schemas.openxmlformats.org/officeDocument/2006/relationships" xmlns:p="http://schemas.openxmlformats.org/presentationml/2006/main">
-  <p:cSld>
     <p:spTree>
       <p:nvGrpSpPr>
         <p:cNvPr id="1" name=""/>
@@ -4105,7 +3979,7 @@
 </p:sld>
 </file>
 
-<file path=ppt/slides/slide3.xml><?xml version="1.0" encoding="utf-8"?>
+<file path=ppt/slides/slide2.xml><?xml version="1.0" encoding="utf-8"?>
 <p:sld xmlns:a="http://schemas.openxmlformats.org/drawingml/2006/main" xmlns:r="http://schemas.openxmlformats.org/officeDocument/2006/relationships" xmlns:p="http://schemas.openxmlformats.org/presentationml/2006/main">
   <p:cSld>
     <p:spTree>
@@ -4761,7 +4635,7 @@
 </p:sld>
 </file>
 
-<file path=ppt/slides/slide4.xml><?xml version="1.0" encoding="utf-8"?>
+<file path=ppt/slides/slide3.xml><?xml version="1.0" encoding="utf-8"?>
 <p:sld xmlns:a="http://schemas.openxmlformats.org/drawingml/2006/main" xmlns:r="http://schemas.openxmlformats.org/officeDocument/2006/relationships" xmlns:p="http://schemas.openxmlformats.org/presentationml/2006/main">
   <p:cSld>
     <p:spTree>
@@ -5945,7 +5819,7 @@
 </p:sld>
 </file>
 
-<file path=ppt/slides/slide5.xml><?xml version="1.0" encoding="utf-8"?>
+<file path=ppt/slides/slide4.xml><?xml version="1.0" encoding="utf-8"?>
 <p:sld xmlns:a="http://schemas.openxmlformats.org/drawingml/2006/main" xmlns:r="http://schemas.openxmlformats.org/officeDocument/2006/relationships" xmlns:p="http://schemas.openxmlformats.org/presentationml/2006/main">
   <p:cSld>
     <p:spTree>
@@ -6080,79 +5954,6 @@
     <p:extLst>
       <p:ext uri="{BB962C8B-B14F-4D97-AF65-F5344CB8AC3E}">
         <p14:creationId xmlns:p14="http://schemas.microsoft.com/office/powerpoint/2010/main" val="1109544663"/>
-      </p:ext>
-    </p:extLst>
-  </p:cSld>
-  <p:clrMapOvr>
-    <a:masterClrMapping/>
-  </p:clrMapOvr>
-  <p:timing>
-    <p:tnLst>
-      <p:par>
-        <p:cTn id="1" dur="indefinite" restart="never" nodeType="tmRoot"/>
-      </p:par>
-    </p:tnLst>
-  </p:timing>
-</p:sld>
-</file>
-
-<file path=ppt/slides/slide6.xml><?xml version="1.0" encoding="utf-8"?>
-<p:sld xmlns:a="http://schemas.openxmlformats.org/drawingml/2006/main" xmlns:r="http://schemas.openxmlformats.org/officeDocument/2006/relationships" xmlns:p="http://schemas.openxmlformats.org/presentationml/2006/main">
-  <p:cSld>
-    <p:spTree>
-      <p:nvGrpSpPr>
-        <p:cNvPr id="1" name=""/>
-        <p:cNvGrpSpPr/>
-        <p:nvPr/>
-      </p:nvGrpSpPr>
-      <p:grpSpPr>
-        <a:xfrm>
-          <a:off x="0" y="0"/>
-          <a:ext cx="0" cy="0"/>
-          <a:chOff x="0" y="0"/>
-          <a:chExt cx="0" cy="0"/>
-        </a:xfrm>
-      </p:grpSpPr>
-      <p:sp>
-        <p:nvSpPr>
-          <p:cNvPr id="2" name="제목 1"/>
-          <p:cNvSpPr>
-            <a:spLocks noGrp="1"/>
-          </p:cNvSpPr>
-          <p:nvPr>
-            <p:ph type="title"/>
-          </p:nvPr>
-        </p:nvSpPr>
-        <p:spPr>
-          <a:xfrm>
-            <a:off x="467544" y="2996952"/>
-            <a:ext cx="8229600" cy="1143000"/>
-          </a:xfrm>
-        </p:spPr>
-        <p:txBody>
-          <a:bodyPr>
-            <a:normAutofit/>
-          </a:bodyPr>
-          <a:lstStyle/>
-          <a:p>
-            <a:r>
-              <a:rPr lang="ko-KR" altLang="en-US" sz="6600" b="1" dirty="0" smtClean="0">
-                <a:latin typeface="MD이솝체" pitchFamily="18" charset="-127"/>
-                <a:ea typeface="MD이솝체" pitchFamily="18" charset="-127"/>
-              </a:rPr>
-              <a:t>대모 영상</a:t>
-            </a:r>
-            <a:endParaRPr lang="ko-KR" altLang="en-US" sz="6600" b="1" dirty="0">
-              <a:latin typeface="MD이솝체" pitchFamily="18" charset="-127"/>
-              <a:ea typeface="MD이솝체" pitchFamily="18" charset="-127"/>
-            </a:endParaRPr>
-          </a:p>
-        </p:txBody>
-      </p:sp>
-    </p:spTree>
-    <p:extLst>
-      <p:ext uri="{BB962C8B-B14F-4D97-AF65-F5344CB8AC3E}">
-        <p14:creationId xmlns:p14="http://schemas.microsoft.com/office/powerpoint/2010/main" val="2567922967"/>
       </p:ext>
     </p:extLst>
   </p:cSld>

--- a/ppt/project_2.pptx
+++ b/ppt/project_2.pptx
@@ -5,13 +5,14 @@
     <p:sldMasterId id="2147483648" r:id="rId1"/>
   </p:sldMasterIdLst>
   <p:notesMasterIdLst>
-    <p:notesMasterId r:id="rId6"/>
+    <p:notesMasterId r:id="rId7"/>
   </p:notesMasterIdLst>
   <p:sldIdLst>
     <p:sldId id="259" r:id="rId2"/>
     <p:sldId id="263" r:id="rId3"/>
     <p:sldId id="264" r:id="rId4"/>
     <p:sldId id="270" r:id="rId5"/>
+    <p:sldId id="271" r:id="rId6"/>
   </p:sldIdLst>
   <p:sldSz cx="9144000" cy="6858000" type="screen4x3"/>
   <p:notesSz cx="6858000" cy="9144000"/>
@@ -195,7 +196,7 @@
           <a:p>
             <a:fld id="{549659DD-B4CD-4E48-AA68-BB8EB028BDE1}" type="datetimeFigureOut">
               <a:rPr lang="ko-KR" altLang="en-US" smtClean="0"/>
-              <a:t>2016-10-17</a:t>
+              <a:t>2016-10-18</a:t>
             </a:fld>
             <a:endParaRPr lang="ko-KR" altLang="en-US"/>
           </a:p>
@@ -728,7 +729,7 @@
           <a:p>
             <a:fld id="{2556E265-FD56-475E-9687-0455F914B6B9}" type="datetimeFigureOut">
               <a:rPr lang="ko-KR" altLang="en-US" smtClean="0"/>
-              <a:t>2016-10-17</a:t>
+              <a:t>2016-10-18</a:t>
             </a:fld>
             <a:endParaRPr lang="ko-KR" altLang="en-US"/>
           </a:p>
@@ -898,7 +899,7 @@
           <a:p>
             <a:fld id="{2556E265-FD56-475E-9687-0455F914B6B9}" type="datetimeFigureOut">
               <a:rPr lang="ko-KR" altLang="en-US" smtClean="0"/>
-              <a:t>2016-10-17</a:t>
+              <a:t>2016-10-18</a:t>
             </a:fld>
             <a:endParaRPr lang="ko-KR" altLang="en-US"/>
           </a:p>
@@ -1078,7 +1079,7 @@
           <a:p>
             <a:fld id="{2556E265-FD56-475E-9687-0455F914B6B9}" type="datetimeFigureOut">
               <a:rPr lang="ko-KR" altLang="en-US" smtClean="0"/>
-              <a:t>2016-10-17</a:t>
+              <a:t>2016-10-18</a:t>
             </a:fld>
             <a:endParaRPr lang="ko-KR" altLang="en-US"/>
           </a:p>
@@ -1248,7 +1249,7 @@
           <a:p>
             <a:fld id="{2556E265-FD56-475E-9687-0455F914B6B9}" type="datetimeFigureOut">
               <a:rPr lang="ko-KR" altLang="en-US" smtClean="0"/>
-              <a:t>2016-10-17</a:t>
+              <a:t>2016-10-18</a:t>
             </a:fld>
             <a:endParaRPr lang="ko-KR" altLang="en-US"/>
           </a:p>
@@ -1494,7 +1495,7 @@
           <a:p>
             <a:fld id="{2556E265-FD56-475E-9687-0455F914B6B9}" type="datetimeFigureOut">
               <a:rPr lang="ko-KR" altLang="en-US" smtClean="0"/>
-              <a:t>2016-10-17</a:t>
+              <a:t>2016-10-18</a:t>
             </a:fld>
             <a:endParaRPr lang="ko-KR" altLang="en-US"/>
           </a:p>
@@ -1782,7 +1783,7 @@
           <a:p>
             <a:fld id="{2556E265-FD56-475E-9687-0455F914B6B9}" type="datetimeFigureOut">
               <a:rPr lang="ko-KR" altLang="en-US" smtClean="0"/>
-              <a:t>2016-10-17</a:t>
+              <a:t>2016-10-18</a:t>
             </a:fld>
             <a:endParaRPr lang="ko-KR" altLang="en-US"/>
           </a:p>
@@ -2204,7 +2205,7 @@
           <a:p>
             <a:fld id="{2556E265-FD56-475E-9687-0455F914B6B9}" type="datetimeFigureOut">
               <a:rPr lang="ko-KR" altLang="en-US" smtClean="0"/>
-              <a:t>2016-10-17</a:t>
+              <a:t>2016-10-18</a:t>
             </a:fld>
             <a:endParaRPr lang="ko-KR" altLang="en-US"/>
           </a:p>
@@ -2322,7 +2323,7 @@
           <a:p>
             <a:fld id="{2556E265-FD56-475E-9687-0455F914B6B9}" type="datetimeFigureOut">
               <a:rPr lang="ko-KR" altLang="en-US" smtClean="0"/>
-              <a:t>2016-10-17</a:t>
+              <a:t>2016-10-18</a:t>
             </a:fld>
             <a:endParaRPr lang="ko-KR" altLang="en-US"/>
           </a:p>
@@ -2417,7 +2418,7 @@
           <a:p>
             <a:fld id="{2556E265-FD56-475E-9687-0455F914B6B9}" type="datetimeFigureOut">
               <a:rPr lang="ko-KR" altLang="en-US" smtClean="0"/>
-              <a:t>2016-10-17</a:t>
+              <a:t>2016-10-18</a:t>
             </a:fld>
             <a:endParaRPr lang="ko-KR" altLang="en-US"/>
           </a:p>
@@ -2694,7 +2695,7 @@
           <a:p>
             <a:fld id="{2556E265-FD56-475E-9687-0455F914B6B9}" type="datetimeFigureOut">
               <a:rPr lang="ko-KR" altLang="en-US" smtClean="0"/>
-              <a:t>2016-10-17</a:t>
+              <a:t>2016-10-18</a:t>
             </a:fld>
             <a:endParaRPr lang="ko-KR" altLang="en-US"/>
           </a:p>
@@ -2947,7 +2948,7 @@
           <a:p>
             <a:fld id="{2556E265-FD56-475E-9687-0455F914B6B9}" type="datetimeFigureOut">
               <a:rPr lang="ko-KR" altLang="en-US" smtClean="0"/>
-              <a:t>2016-10-17</a:t>
+              <a:t>2016-10-18</a:t>
             </a:fld>
             <a:endParaRPr lang="ko-KR" altLang="en-US"/>
           </a:p>
@@ -3169,7 +3170,7 @@
           <a:p>
             <a:fld id="{2556E265-FD56-475E-9687-0455F914B6B9}" type="datetimeFigureOut">
               <a:rPr lang="ko-KR" altLang="en-US" smtClean="0"/>
-              <a:t>2016-10-17</a:t>
+              <a:t>2016-10-18</a:t>
             </a:fld>
             <a:endParaRPr lang="ko-KR" altLang="en-US"/>
           </a:p>
@@ -5967,6 +5968,490 @@
       </p:par>
     </p:tnLst>
   </p:timing>
+</p:sld>
+</file>
+
+<file path=ppt/slides/slide5.xml><?xml version="1.0" encoding="utf-8"?>
+<p:sld xmlns:a="http://schemas.openxmlformats.org/drawingml/2006/main" xmlns:r="http://schemas.openxmlformats.org/officeDocument/2006/relationships" xmlns:p="http://schemas.openxmlformats.org/presentationml/2006/main">
+  <p:cSld>
+    <p:spTree>
+      <p:nvGrpSpPr>
+        <p:cNvPr id="1" name=""/>
+        <p:cNvGrpSpPr/>
+        <p:nvPr/>
+      </p:nvGrpSpPr>
+      <p:grpSpPr>
+        <a:xfrm>
+          <a:off x="0" y="0"/>
+          <a:ext cx="0" cy="0"/>
+          <a:chOff x="0" y="0"/>
+          <a:chExt cx="0" cy="0"/>
+        </a:xfrm>
+      </p:grpSpPr>
+      <p:sp>
+        <p:nvSpPr>
+          <p:cNvPr id="2" name="제목 1"/>
+          <p:cNvSpPr>
+            <a:spLocks noGrp="1"/>
+          </p:cNvSpPr>
+          <p:nvPr>
+            <p:ph type="title"/>
+          </p:nvPr>
+        </p:nvSpPr>
+        <p:spPr/>
+        <p:txBody>
+          <a:bodyPr/>
+          <a:lstStyle/>
+          <a:p>
+            <a:pPr algn="l"/>
+            <a:r>
+              <a:rPr lang="ko-KR" altLang="en-US" b="1" dirty="0" smtClean="0">
+                <a:latin typeface="MD이솝체" pitchFamily="18" charset="-127"/>
+                <a:ea typeface="MD이솝체" pitchFamily="18" charset="-127"/>
+              </a:rPr>
+              <a:t>자체평가</a:t>
+            </a:r>
+            <a:endParaRPr lang="ko-KR" altLang="en-US" b="1" dirty="0">
+              <a:latin typeface="MD이솝체" pitchFamily="18" charset="-127"/>
+              <a:ea typeface="MD이솝체" pitchFamily="18" charset="-127"/>
+            </a:endParaRPr>
+          </a:p>
+        </p:txBody>
+      </p:sp>
+      <p:graphicFrame>
+        <p:nvGraphicFramePr>
+          <p:cNvPr id="3" name="표 2"/>
+          <p:cNvGraphicFramePr>
+            <a:graphicFrameLocks noGrp="1"/>
+          </p:cNvGraphicFramePr>
+          <p:nvPr>
+            <p:extLst>
+              <p:ext uri="{D42A27DB-BD31-4B8C-83A1-F6EECF244321}">
+                <p14:modId xmlns:p14="http://schemas.microsoft.com/office/powerpoint/2010/main" val="1481098652"/>
+              </p:ext>
+            </p:extLst>
+          </p:nvPr>
+        </p:nvGraphicFramePr>
+        <p:xfrm>
+          <a:off x="755576" y="1628800"/>
+          <a:ext cx="7632848" cy="4392487"/>
+        </p:xfrm>
+        <a:graphic>
+          <a:graphicData uri="http://schemas.openxmlformats.org/drawingml/2006/table">
+            <a:tbl>
+              <a:tblPr firstRow="1" bandRow="1">
+                <a:tableStyleId>{5C22544A-7EE6-4342-B048-85BDC9FD1C3A}</a:tableStyleId>
+              </a:tblPr>
+              <a:tblGrid>
+                <a:gridCol w="4896544"/>
+                <a:gridCol w="2736304"/>
+              </a:tblGrid>
+              <a:tr h="568531">
+                <a:tc>
+                  <a:txBody>
+                    <a:bodyPr/>
+                    <a:lstStyle/>
+                    <a:p>
+                      <a:pPr algn="ctr" latinLnBrk="1"/>
+                      <a:r>
+                        <a:rPr lang="ko-KR" altLang="en-US" dirty="0" smtClean="0">
+                          <a:latin typeface="MD이솝체" pitchFamily="18" charset="-127"/>
+                          <a:ea typeface="MD이솝체" pitchFamily="18" charset="-127"/>
+                        </a:rPr>
+                        <a:t>평가항목</a:t>
+                      </a:r>
+                      <a:endParaRPr lang="ko-KR" altLang="en-US" dirty="0">
+                        <a:latin typeface="MD이솝체" pitchFamily="18" charset="-127"/>
+                        <a:ea typeface="MD이솝체" pitchFamily="18" charset="-127"/>
+                      </a:endParaRPr>
+                    </a:p>
+                  </a:txBody>
+                  <a:tcPr/>
+                </a:tc>
+                <a:tc>
+                  <a:txBody>
+                    <a:bodyPr/>
+                    <a:lstStyle/>
+                    <a:p>
+                      <a:pPr algn="ctr" latinLnBrk="1"/>
+                      <a:r>
+                        <a:rPr lang="ko-KR" altLang="en-US" dirty="0" smtClean="0">
+                          <a:latin typeface="MD이솝체" pitchFamily="18" charset="-127"/>
+                          <a:ea typeface="MD이솝체" pitchFamily="18" charset="-127"/>
+                        </a:rPr>
+                        <a:t>평가</a:t>
+                      </a:r>
+                      <a:endParaRPr lang="ko-KR" altLang="en-US" dirty="0">
+                        <a:latin typeface="MD이솝체" pitchFamily="18" charset="-127"/>
+                        <a:ea typeface="MD이솝체" pitchFamily="18" charset="-127"/>
+                      </a:endParaRPr>
+                    </a:p>
+                  </a:txBody>
+                  <a:tcPr/>
+                </a:tc>
+              </a:tr>
+              <a:tr h="568531">
+                <a:tc>
+                  <a:txBody>
+                    <a:bodyPr/>
+                    <a:lstStyle/>
+                    <a:p>
+                      <a:pPr latinLnBrk="1"/>
+                      <a:r>
+                        <a:rPr lang="ko-KR" altLang="en-US" dirty="0" smtClean="0">
+                          <a:latin typeface="MD이솝체" pitchFamily="18" charset="-127"/>
+                          <a:ea typeface="MD이솝체" pitchFamily="18" charset="-127"/>
+                        </a:rPr>
+                        <a:t>발표자료에 포함할 내용을 다 포함 했는가</a:t>
+                      </a:r>
+                      <a:r>
+                        <a:rPr lang="en-US" altLang="ko-KR" dirty="0" smtClean="0">
+                          <a:latin typeface="MD이솝체" pitchFamily="18" charset="-127"/>
+                          <a:ea typeface="MD이솝체" pitchFamily="18" charset="-127"/>
+                        </a:rPr>
+                        <a:t>?</a:t>
+                      </a:r>
+                      <a:endParaRPr lang="ko-KR" altLang="en-US" dirty="0">
+                        <a:latin typeface="MD이솝체" pitchFamily="18" charset="-127"/>
+                        <a:ea typeface="MD이솝체" pitchFamily="18" charset="-127"/>
+                      </a:endParaRPr>
+                    </a:p>
+                  </a:txBody>
+                  <a:tcPr/>
+                </a:tc>
+                <a:tc>
+                  <a:txBody>
+                    <a:bodyPr/>
+                    <a:lstStyle/>
+                    <a:p>
+                      <a:pPr algn="ctr" latinLnBrk="1"/>
+                      <a:r>
+                        <a:rPr lang="en-US" altLang="ko-KR" dirty="0" smtClean="0">
+                          <a:latin typeface="MD이솝체" pitchFamily="18" charset="-127"/>
+                          <a:ea typeface="MD이솝체" pitchFamily="18" charset="-127"/>
+                        </a:rPr>
+                        <a:t>A</a:t>
+                      </a:r>
+                      <a:endParaRPr lang="ko-KR" altLang="en-US" dirty="0">
+                        <a:latin typeface="MD이솝체" pitchFamily="18" charset="-127"/>
+                        <a:ea typeface="MD이솝체" pitchFamily="18" charset="-127"/>
+                      </a:endParaRPr>
+                    </a:p>
+                  </a:txBody>
+                  <a:tcPr/>
+                </a:tc>
+              </a:tr>
+              <a:tr h="568531">
+                <a:tc>
+                  <a:txBody>
+                    <a:bodyPr/>
+                    <a:lstStyle/>
+                    <a:p>
+                      <a:pPr latinLnBrk="1"/>
+                      <a:r>
+                        <a:rPr lang="ko-KR" altLang="en-US" dirty="0" smtClean="0">
+                          <a:latin typeface="MD이솝체" pitchFamily="18" charset="-127"/>
+                          <a:ea typeface="MD이솝체" pitchFamily="18" charset="-127"/>
+                        </a:rPr>
+                        <a:t>게임 </a:t>
+                      </a:r>
+                      <a:r>
+                        <a:rPr lang="ko-KR" altLang="en-US" dirty="0" err="1" smtClean="0">
+                          <a:latin typeface="MD이솝체" pitchFamily="18" charset="-127"/>
+                          <a:ea typeface="MD이솝체" pitchFamily="18" charset="-127"/>
+                        </a:rPr>
+                        <a:t>컨셉이</a:t>
+                      </a:r>
+                      <a:r>
+                        <a:rPr lang="ko-KR" altLang="en-US" dirty="0" smtClean="0">
+                          <a:latin typeface="MD이솝체" pitchFamily="18" charset="-127"/>
+                          <a:ea typeface="MD이솝체" pitchFamily="18" charset="-127"/>
+                        </a:rPr>
+                        <a:t> 잘 표현되었는가</a:t>
+                      </a:r>
+                      <a:r>
+                        <a:rPr lang="en-US" altLang="ko-KR" dirty="0" smtClean="0">
+                          <a:latin typeface="MD이솝체" pitchFamily="18" charset="-127"/>
+                          <a:ea typeface="MD이솝체" pitchFamily="18" charset="-127"/>
+                        </a:rPr>
+                        <a:t>?</a:t>
+                      </a:r>
+                      <a:endParaRPr lang="ko-KR" altLang="en-US" dirty="0">
+                        <a:latin typeface="MD이솝체" pitchFamily="18" charset="-127"/>
+                        <a:ea typeface="MD이솝체" pitchFamily="18" charset="-127"/>
+                      </a:endParaRPr>
+                    </a:p>
+                  </a:txBody>
+                  <a:tcPr/>
+                </a:tc>
+                <a:tc>
+                  <a:txBody>
+                    <a:bodyPr/>
+                    <a:lstStyle/>
+                    <a:p>
+                      <a:pPr algn="ctr" latinLnBrk="1"/>
+                      <a:r>
+                        <a:rPr lang="en-US" altLang="ko-KR" dirty="0" smtClean="0">
+                          <a:latin typeface="MD이솝체" pitchFamily="18" charset="-127"/>
+                          <a:ea typeface="MD이솝체" pitchFamily="18" charset="-127"/>
+                        </a:rPr>
+                        <a:t>A</a:t>
+                      </a:r>
+                      <a:endParaRPr lang="ko-KR" altLang="en-US" dirty="0">
+                        <a:latin typeface="MD이솝체" pitchFamily="18" charset="-127"/>
+                        <a:ea typeface="MD이솝체" pitchFamily="18" charset="-127"/>
+                      </a:endParaRPr>
+                    </a:p>
+                  </a:txBody>
+                  <a:tcPr/>
+                </a:tc>
+              </a:tr>
+              <a:tr h="568531">
+                <a:tc>
+                  <a:txBody>
+                    <a:bodyPr/>
+                    <a:lstStyle/>
+                    <a:p>
+                      <a:pPr latinLnBrk="1"/>
+                      <a:r>
+                        <a:rPr lang="ko-KR" altLang="en-US" dirty="0" smtClean="0">
+                          <a:latin typeface="MD이솝체" pitchFamily="18" charset="-127"/>
+                          <a:ea typeface="MD이솝체" pitchFamily="18" charset="-127"/>
+                        </a:rPr>
+                        <a:t>개발 주요 요소를 정량적으로 제시하였는가</a:t>
+                      </a:r>
+                      <a:r>
+                        <a:rPr lang="en-US" altLang="ko-KR" dirty="0" smtClean="0">
+                          <a:latin typeface="MD이솝체" pitchFamily="18" charset="-127"/>
+                          <a:ea typeface="MD이솝체" pitchFamily="18" charset="-127"/>
+                        </a:rPr>
+                        <a:t>?</a:t>
+                      </a:r>
+                      <a:endParaRPr lang="ko-KR" altLang="en-US" dirty="0">
+                        <a:latin typeface="MD이솝체" pitchFamily="18" charset="-127"/>
+                        <a:ea typeface="MD이솝체" pitchFamily="18" charset="-127"/>
+                      </a:endParaRPr>
+                    </a:p>
+                  </a:txBody>
+                  <a:tcPr/>
+                </a:tc>
+                <a:tc>
+                  <a:txBody>
+                    <a:bodyPr/>
+                    <a:lstStyle/>
+                    <a:p>
+                      <a:pPr algn="ctr" latinLnBrk="1"/>
+                      <a:r>
+                        <a:rPr lang="en-US" altLang="ko-KR" dirty="0" smtClean="0">
+                          <a:latin typeface="MD이솝체" pitchFamily="18" charset="-127"/>
+                          <a:ea typeface="MD이솝체" pitchFamily="18" charset="-127"/>
+                        </a:rPr>
+                        <a:t>A</a:t>
+                      </a:r>
+                      <a:endParaRPr lang="ko-KR" altLang="en-US" dirty="0">
+                        <a:latin typeface="MD이솝체" pitchFamily="18" charset="-127"/>
+                        <a:ea typeface="MD이솝체" pitchFamily="18" charset="-127"/>
+                      </a:endParaRPr>
+                    </a:p>
+                  </a:txBody>
+                  <a:tcPr/>
+                </a:tc>
+              </a:tr>
+              <a:tr h="981301">
+                <a:tc>
+                  <a:txBody>
+                    <a:bodyPr/>
+                    <a:lstStyle/>
+                    <a:p>
+                      <a:pPr latinLnBrk="1"/>
+                      <a:r>
+                        <a:rPr lang="ko-KR" altLang="en-US" dirty="0" smtClean="0">
+                          <a:latin typeface="MD이솝체" pitchFamily="18" charset="-127"/>
+                          <a:ea typeface="MD이솝체" pitchFamily="18" charset="-127"/>
+                        </a:rPr>
+                        <a:t>개발 계획 대비 현재 진행 상황을 상세히 설명하였는가</a:t>
+                      </a:r>
+                      <a:r>
+                        <a:rPr lang="en-US" altLang="ko-KR" dirty="0" smtClean="0">
+                          <a:latin typeface="MD이솝체" pitchFamily="18" charset="-127"/>
+                          <a:ea typeface="MD이솝체" pitchFamily="18" charset="-127"/>
+                        </a:rPr>
+                        <a:t>?</a:t>
+                      </a:r>
+                      <a:endParaRPr lang="ko-KR" altLang="en-US" dirty="0">
+                        <a:latin typeface="MD이솝체" pitchFamily="18" charset="-127"/>
+                        <a:ea typeface="MD이솝체" pitchFamily="18" charset="-127"/>
+                      </a:endParaRPr>
+                    </a:p>
+                  </a:txBody>
+                  <a:tcPr/>
+                </a:tc>
+                <a:tc>
+                  <a:txBody>
+                    <a:bodyPr/>
+                    <a:lstStyle/>
+                    <a:p>
+                      <a:pPr algn="ctr" latinLnBrk="1"/>
+                      <a:r>
+                        <a:rPr lang="en-US" altLang="ko-KR" dirty="0" smtClean="0">
+                          <a:latin typeface="MD이솝체" pitchFamily="18" charset="-127"/>
+                          <a:ea typeface="MD이솝체" pitchFamily="18" charset="-127"/>
+                        </a:rPr>
+                        <a:t>A</a:t>
+                      </a:r>
+                      <a:endParaRPr lang="ko-KR" altLang="en-US" dirty="0">
+                        <a:latin typeface="MD이솝체" pitchFamily="18" charset="-127"/>
+                        <a:ea typeface="MD이솝체" pitchFamily="18" charset="-127"/>
+                      </a:endParaRPr>
+                    </a:p>
+                  </a:txBody>
+                  <a:tcPr/>
+                </a:tc>
+              </a:tr>
+              <a:tr h="568531">
+                <a:tc>
+                  <a:txBody>
+                    <a:bodyPr/>
+                    <a:lstStyle/>
+                    <a:p>
+                      <a:pPr latinLnBrk="1"/>
+                      <a:r>
+                        <a:rPr lang="en-US" altLang="ko-KR" dirty="0" smtClean="0">
+                          <a:latin typeface="MD이솝체" pitchFamily="18" charset="-127"/>
+                          <a:ea typeface="MD이솝체" pitchFamily="18" charset="-127"/>
+                        </a:rPr>
+                        <a:t>GIT</a:t>
+                      </a:r>
+                      <a:r>
+                        <a:rPr lang="en-US" altLang="ko-KR" baseline="0" dirty="0" smtClean="0">
+                          <a:latin typeface="MD이솝체" pitchFamily="18" charset="-127"/>
+                          <a:ea typeface="MD이솝체" pitchFamily="18" charset="-127"/>
+                        </a:rPr>
+                        <a:t> </a:t>
+                      </a:r>
+                      <a:r>
+                        <a:rPr lang="ko-KR" altLang="en-US" baseline="0" dirty="0" smtClean="0">
+                          <a:latin typeface="MD이솝체" pitchFamily="18" charset="-127"/>
+                          <a:ea typeface="MD이솝체" pitchFamily="18" charset="-127"/>
+                        </a:rPr>
+                        <a:t>저장소에 </a:t>
+                      </a:r>
+                      <a:r>
+                        <a:rPr lang="ko-KR" altLang="en-US" baseline="0" dirty="0" err="1" smtClean="0">
+                          <a:latin typeface="MD이솝체" pitchFamily="18" charset="-127"/>
+                          <a:ea typeface="MD이솝체" pitchFamily="18" charset="-127"/>
+                        </a:rPr>
+                        <a:t>커밋을</a:t>
+                      </a:r>
+                      <a:r>
+                        <a:rPr lang="ko-KR" altLang="en-US" baseline="0" dirty="0" smtClean="0">
+                          <a:latin typeface="MD이솝체" pitchFamily="18" charset="-127"/>
+                          <a:ea typeface="MD이솝체" pitchFamily="18" charset="-127"/>
+                        </a:rPr>
+                        <a:t> 정기적으로 하였는가</a:t>
+                      </a:r>
+                      <a:r>
+                        <a:rPr lang="en-US" altLang="ko-KR" baseline="0" dirty="0" smtClean="0">
+                          <a:latin typeface="MD이솝체" pitchFamily="18" charset="-127"/>
+                          <a:ea typeface="MD이솝체" pitchFamily="18" charset="-127"/>
+                        </a:rPr>
+                        <a:t>?</a:t>
+                      </a:r>
+                      <a:endParaRPr lang="ko-KR" altLang="en-US" dirty="0">
+                        <a:latin typeface="MD이솝체" pitchFamily="18" charset="-127"/>
+                        <a:ea typeface="MD이솝체" pitchFamily="18" charset="-127"/>
+                      </a:endParaRPr>
+                    </a:p>
+                  </a:txBody>
+                  <a:tcPr/>
+                </a:tc>
+                <a:tc>
+                  <a:txBody>
+                    <a:bodyPr/>
+                    <a:lstStyle/>
+                    <a:p>
+                      <a:pPr algn="ctr" latinLnBrk="1"/>
+                      <a:r>
+                        <a:rPr lang="en-US" altLang="ko-KR" dirty="0" smtClean="0">
+                          <a:latin typeface="MD이솝체" pitchFamily="18" charset="-127"/>
+                          <a:ea typeface="MD이솝체" pitchFamily="18" charset="-127"/>
+                        </a:rPr>
+                        <a:t>B</a:t>
+                      </a:r>
+                      <a:endParaRPr lang="ko-KR" altLang="en-US" dirty="0">
+                        <a:latin typeface="MD이솝체" pitchFamily="18" charset="-127"/>
+                        <a:ea typeface="MD이솝체" pitchFamily="18" charset="-127"/>
+                      </a:endParaRPr>
+                    </a:p>
+                  </a:txBody>
+                  <a:tcPr/>
+                </a:tc>
+              </a:tr>
+              <a:tr h="568531">
+                <a:tc>
+                  <a:txBody>
+                    <a:bodyPr/>
+                    <a:lstStyle/>
+                    <a:p>
+                      <a:pPr latinLnBrk="1"/>
+                      <a:r>
+                        <a:rPr lang="ko-KR" altLang="en-US" dirty="0" smtClean="0">
+                          <a:latin typeface="MD이솝체" pitchFamily="18" charset="-127"/>
+                          <a:ea typeface="MD이솝체" pitchFamily="18" charset="-127"/>
+                        </a:rPr>
+                        <a:t>개발 계획에 계획한 만큼 구현을 하였는가</a:t>
+                      </a:r>
+                      <a:r>
+                        <a:rPr lang="en-US" altLang="ko-KR" dirty="0" smtClean="0">
+                          <a:latin typeface="MD이솝체" pitchFamily="18" charset="-127"/>
+                          <a:ea typeface="MD이솝체" pitchFamily="18" charset="-127"/>
+                        </a:rPr>
+                        <a:t>?</a:t>
+                      </a:r>
+                      <a:endParaRPr lang="ko-KR" altLang="en-US" dirty="0">
+                        <a:latin typeface="MD이솝체" pitchFamily="18" charset="-127"/>
+                        <a:ea typeface="MD이솝체" pitchFamily="18" charset="-127"/>
+                      </a:endParaRPr>
+                    </a:p>
+                  </a:txBody>
+                  <a:tcPr/>
+                </a:tc>
+                <a:tc>
+                  <a:txBody>
+                    <a:bodyPr/>
+                    <a:lstStyle/>
+                    <a:p>
+                      <a:pPr algn="ctr" latinLnBrk="1"/>
+                      <a:r>
+                        <a:rPr lang="en-US" altLang="ko-KR" dirty="0" smtClean="0">
+                          <a:latin typeface="MD이솝체" pitchFamily="18" charset="-127"/>
+                          <a:ea typeface="MD이솝체" pitchFamily="18" charset="-127"/>
+                        </a:rPr>
+                        <a:t>A</a:t>
+                      </a:r>
+                      <a:endParaRPr lang="ko-KR" altLang="en-US" dirty="0">
+                        <a:latin typeface="MD이솝체" pitchFamily="18" charset="-127"/>
+                        <a:ea typeface="MD이솝체" pitchFamily="18" charset="-127"/>
+                      </a:endParaRPr>
+                    </a:p>
+                  </a:txBody>
+                  <a:tcPr/>
+                </a:tc>
+              </a:tr>
+            </a:tbl>
+          </a:graphicData>
+        </a:graphic>
+      </p:graphicFrame>
+    </p:spTree>
+    <p:extLst>
+      <p:ext uri="{BB962C8B-B14F-4D97-AF65-F5344CB8AC3E}">
+        <p14:creationId xmlns:p14="http://schemas.microsoft.com/office/powerpoint/2010/main" val="1404942106"/>
+      </p:ext>
+    </p:extLst>
+  </p:cSld>
+  <p:clrMapOvr>
+    <a:masterClrMapping/>
+  </p:clrMapOvr>
 </p:sld>
 </file>
 

--- a/ppt/project_2.pptx
+++ b/ppt/project_2.pptx
@@ -196,7 +196,7 @@
           <a:p>
             <a:fld id="{549659DD-B4CD-4E48-AA68-BB8EB028BDE1}" type="datetimeFigureOut">
               <a:rPr lang="ko-KR" altLang="en-US" smtClean="0"/>
-              <a:t>2016-10-18</a:t>
+              <a:t>2016-11-14</a:t>
             </a:fld>
             <a:endParaRPr lang="ko-KR" altLang="en-US"/>
           </a:p>
@@ -729,7 +729,7 @@
           <a:p>
             <a:fld id="{2556E265-FD56-475E-9687-0455F914B6B9}" type="datetimeFigureOut">
               <a:rPr lang="ko-KR" altLang="en-US" smtClean="0"/>
-              <a:t>2016-10-18</a:t>
+              <a:t>2016-11-14</a:t>
             </a:fld>
             <a:endParaRPr lang="ko-KR" altLang="en-US"/>
           </a:p>
@@ -899,7 +899,7 @@
           <a:p>
             <a:fld id="{2556E265-FD56-475E-9687-0455F914B6B9}" type="datetimeFigureOut">
               <a:rPr lang="ko-KR" altLang="en-US" smtClean="0"/>
-              <a:t>2016-10-18</a:t>
+              <a:t>2016-11-14</a:t>
             </a:fld>
             <a:endParaRPr lang="ko-KR" altLang="en-US"/>
           </a:p>
@@ -1079,7 +1079,7 @@
           <a:p>
             <a:fld id="{2556E265-FD56-475E-9687-0455F914B6B9}" type="datetimeFigureOut">
               <a:rPr lang="ko-KR" altLang="en-US" smtClean="0"/>
-              <a:t>2016-10-18</a:t>
+              <a:t>2016-11-14</a:t>
             </a:fld>
             <a:endParaRPr lang="ko-KR" altLang="en-US"/>
           </a:p>
@@ -1249,7 +1249,7 @@
           <a:p>
             <a:fld id="{2556E265-FD56-475E-9687-0455F914B6B9}" type="datetimeFigureOut">
               <a:rPr lang="ko-KR" altLang="en-US" smtClean="0"/>
-              <a:t>2016-10-18</a:t>
+              <a:t>2016-11-14</a:t>
             </a:fld>
             <a:endParaRPr lang="ko-KR" altLang="en-US"/>
           </a:p>
@@ -1495,7 +1495,7 @@
           <a:p>
             <a:fld id="{2556E265-FD56-475E-9687-0455F914B6B9}" type="datetimeFigureOut">
               <a:rPr lang="ko-KR" altLang="en-US" smtClean="0"/>
-              <a:t>2016-10-18</a:t>
+              <a:t>2016-11-14</a:t>
             </a:fld>
             <a:endParaRPr lang="ko-KR" altLang="en-US"/>
           </a:p>
@@ -1783,7 +1783,7 @@
           <a:p>
             <a:fld id="{2556E265-FD56-475E-9687-0455F914B6B9}" type="datetimeFigureOut">
               <a:rPr lang="ko-KR" altLang="en-US" smtClean="0"/>
-              <a:t>2016-10-18</a:t>
+              <a:t>2016-11-14</a:t>
             </a:fld>
             <a:endParaRPr lang="ko-KR" altLang="en-US"/>
           </a:p>
@@ -2205,7 +2205,7 @@
           <a:p>
             <a:fld id="{2556E265-FD56-475E-9687-0455F914B6B9}" type="datetimeFigureOut">
               <a:rPr lang="ko-KR" altLang="en-US" smtClean="0"/>
-              <a:t>2016-10-18</a:t>
+              <a:t>2016-11-14</a:t>
             </a:fld>
             <a:endParaRPr lang="ko-KR" altLang="en-US"/>
           </a:p>
@@ -2323,7 +2323,7 @@
           <a:p>
             <a:fld id="{2556E265-FD56-475E-9687-0455F914B6B9}" type="datetimeFigureOut">
               <a:rPr lang="ko-KR" altLang="en-US" smtClean="0"/>
-              <a:t>2016-10-18</a:t>
+              <a:t>2016-11-14</a:t>
             </a:fld>
             <a:endParaRPr lang="ko-KR" altLang="en-US"/>
           </a:p>
@@ -2418,7 +2418,7 @@
           <a:p>
             <a:fld id="{2556E265-FD56-475E-9687-0455F914B6B9}" type="datetimeFigureOut">
               <a:rPr lang="ko-KR" altLang="en-US" smtClean="0"/>
-              <a:t>2016-10-18</a:t>
+              <a:t>2016-11-14</a:t>
             </a:fld>
             <a:endParaRPr lang="ko-KR" altLang="en-US"/>
           </a:p>
@@ -2695,7 +2695,7 @@
           <a:p>
             <a:fld id="{2556E265-FD56-475E-9687-0455F914B6B9}" type="datetimeFigureOut">
               <a:rPr lang="ko-KR" altLang="en-US" smtClean="0"/>
-              <a:t>2016-10-18</a:t>
+              <a:t>2016-11-14</a:t>
             </a:fld>
             <a:endParaRPr lang="ko-KR" altLang="en-US"/>
           </a:p>
@@ -2948,7 +2948,7 @@
           <a:p>
             <a:fld id="{2556E265-FD56-475E-9687-0455F914B6B9}" type="datetimeFigureOut">
               <a:rPr lang="ko-KR" altLang="en-US" smtClean="0"/>
-              <a:t>2016-10-18</a:t>
+              <a:t>2016-11-14</a:t>
             </a:fld>
             <a:endParaRPr lang="ko-KR" altLang="en-US"/>
           </a:p>
@@ -3170,7 +3170,7 @@
           <a:p>
             <a:fld id="{2556E265-FD56-475E-9687-0455F914B6B9}" type="datetimeFigureOut">
               <a:rPr lang="ko-KR" altLang="en-US" smtClean="0"/>
-              <a:t>2016-10-18</a:t>
+              <a:t>2016-11-14</a:t>
             </a:fld>
             <a:endParaRPr lang="ko-KR" altLang="en-US"/>
           </a:p>
@@ -4692,14 +4692,14 @@
           <p:nvPr>
             <p:extLst>
               <p:ext uri="{D42A27DB-BD31-4B8C-83A1-F6EECF244321}">
-                <p14:modId xmlns:p14="http://schemas.microsoft.com/office/powerpoint/2010/main" val="2157013836"/>
+                <p14:modId xmlns:p14="http://schemas.microsoft.com/office/powerpoint/2010/main" val="4010027685"/>
               </p:ext>
             </p:extLst>
           </p:nvPr>
         </p:nvGraphicFramePr>
         <p:xfrm>
           <a:off x="611560" y="1369505"/>
-          <a:ext cx="8064897" cy="5322100"/>
+          <a:ext cx="8064897" cy="5581180"/>
         </p:xfrm>
         <a:graphic>
           <a:graphicData uri="http://schemas.openxmlformats.org/drawingml/2006/table">
@@ -5399,6 +5399,27 @@
                     <a:lstStyle/>
                     <a:p>
                       <a:pPr algn="l" latinLnBrk="1"/>
+                      <a:r>
+                        <a:rPr lang="en-US" altLang="ko-KR" sz="1700" dirty="0" smtClean="0">
+                          <a:latin typeface="MD이솝체" pitchFamily="18" charset="-127"/>
+                          <a:ea typeface="MD이솝체" pitchFamily="18" charset="-127"/>
+                        </a:rPr>
+                        <a:t>(!00%)</a:t>
+                      </a:r>
+                      <a:r>
+                        <a:rPr lang="en-US" altLang="ko-KR" sz="1700" baseline="0" dirty="0" smtClean="0">
+                          <a:latin typeface="MD이솝체" pitchFamily="18" charset="-127"/>
+                          <a:ea typeface="MD이솝체" pitchFamily="18" charset="-127"/>
+                        </a:rPr>
+                        <a:t> monster3</a:t>
+                      </a:r>
+                      <a:r>
+                        <a:rPr lang="ko-KR" altLang="en-US" sz="1700" baseline="0" dirty="0" smtClean="0">
+                          <a:latin typeface="MD이솝체" pitchFamily="18" charset="-127"/>
+                          <a:ea typeface="MD이솝체" pitchFamily="18" charset="-127"/>
+                        </a:rPr>
+                        <a:t>가지</a:t>
+                      </a:r>
                       <a:endParaRPr lang="ko-KR" altLang="en-US" sz="1700" dirty="0">
                         <a:latin typeface="MD이솝체" pitchFamily="18" charset="-127"/>
                         <a:ea typeface="MD이솝체" pitchFamily="18" charset="-127"/>
@@ -5536,6 +5557,101 @@
                         <a:tabLst/>
                         <a:defRPr/>
                       </a:pPr>
+                      <a:r>
+                        <a:rPr lang="en-US" altLang="ko-KR" sz="1700" dirty="0" smtClean="0">
+                          <a:latin typeface="MD이솝체" pitchFamily="18" charset="-127"/>
+                          <a:ea typeface="MD이솝체" pitchFamily="18" charset="-127"/>
+                        </a:rPr>
+                        <a:t>(50%)</a:t>
+                      </a:r>
+                      <a:r>
+                        <a:rPr lang="ko-KR" altLang="en-US" sz="1700" dirty="0" smtClean="0">
+                          <a:latin typeface="MD이솝체" pitchFamily="18" charset="-127"/>
+                          <a:ea typeface="MD이솝체" pitchFamily="18" charset="-127"/>
+                        </a:rPr>
+                        <a:t>캐릭터 공격제작</a:t>
+                      </a:r>
+                      <a:endParaRPr lang="en-US" altLang="ko-KR" sz="1700" dirty="0" smtClean="0">
+                        <a:latin typeface="MD이솝체" pitchFamily="18" charset="-127"/>
+                        <a:ea typeface="MD이솝체" pitchFamily="18" charset="-127"/>
+                      </a:endParaRPr>
+                    </a:p>
+                    <a:p>
+                      <a:pPr marL="0" marR="0" indent="0" algn="l" defTabSz="914400" rtl="0" eaLnBrk="1" fontAlgn="auto" latinLnBrk="1" hangingPunct="1">
+                        <a:lnSpc>
+                          <a:spcPct val="100000"/>
+                        </a:lnSpc>
+                        <a:spcBef>
+                          <a:spcPts val="0"/>
+                        </a:spcBef>
+                        <a:spcAft>
+                          <a:spcPts val="0"/>
+                        </a:spcAft>
+                        <a:buClrTx/>
+                        <a:buSzTx/>
+                        <a:buFontTx/>
+                        <a:buNone/>
+                        <a:tabLst/>
+                        <a:defRPr/>
+                      </a:pPr>
+                      <a:r>
+                        <a:rPr lang="en-US" altLang="ko-KR" sz="1700" dirty="0" smtClean="0">
+                          <a:latin typeface="MD이솝체" pitchFamily="18" charset="-127"/>
+                          <a:ea typeface="MD이솝체" pitchFamily="18" charset="-127"/>
+                        </a:rPr>
+                        <a:t>Monster</a:t>
+                      </a:r>
+                      <a:r>
+                        <a:rPr lang="ko-KR" altLang="en-US" sz="1700" baseline="0" dirty="0" smtClean="0">
+                          <a:latin typeface="MD이솝체" pitchFamily="18" charset="-127"/>
+                          <a:ea typeface="MD이솝체" pitchFamily="18" charset="-127"/>
+                        </a:rPr>
+                        <a:t> 캐릭터공격 충돌처리</a:t>
+                      </a:r>
+                      <a:endParaRPr lang="en-US" altLang="ko-KR" sz="1700" baseline="0" dirty="0" smtClean="0">
+                        <a:latin typeface="MD이솝체" pitchFamily="18" charset="-127"/>
+                        <a:ea typeface="MD이솝체" pitchFamily="18" charset="-127"/>
+                      </a:endParaRPr>
+                    </a:p>
+                    <a:p>
+                      <a:pPr marL="0" marR="0" indent="0" algn="l" defTabSz="914400" rtl="0" eaLnBrk="1" fontAlgn="auto" latinLnBrk="1" hangingPunct="1">
+                        <a:lnSpc>
+                          <a:spcPct val="100000"/>
+                        </a:lnSpc>
+                        <a:spcBef>
+                          <a:spcPts val="0"/>
+                        </a:spcBef>
+                        <a:spcAft>
+                          <a:spcPts val="0"/>
+                        </a:spcAft>
+                        <a:buClrTx/>
+                        <a:buSzTx/>
+                        <a:buFontTx/>
+                        <a:buNone/>
+                        <a:tabLst/>
+                        <a:defRPr/>
+                      </a:pPr>
+                      <a:r>
+                        <a:rPr lang="ko-KR" altLang="en-US" sz="1700" baseline="0" dirty="0" smtClean="0">
+                          <a:latin typeface="MD이솝체" pitchFamily="18" charset="-127"/>
+                          <a:ea typeface="MD이솝체" pitchFamily="18" charset="-127"/>
+                        </a:rPr>
+                        <a:t>캐릭터 </a:t>
+                      </a:r>
+                      <a:r>
+                        <a:rPr lang="en-US" altLang="ko-KR" sz="1700" baseline="0" dirty="0" smtClean="0">
+                          <a:latin typeface="MD이솝체" pitchFamily="18" charset="-127"/>
+                          <a:ea typeface="MD이솝체" pitchFamily="18" charset="-127"/>
+                        </a:rPr>
+                        <a:t>monster</a:t>
+                      </a:r>
+                      <a:r>
+                        <a:rPr lang="ko-KR" altLang="en-US" sz="1700" baseline="0" dirty="0" smtClean="0">
+                          <a:latin typeface="MD이솝체" pitchFamily="18" charset="-127"/>
+                          <a:ea typeface="MD이솝체" pitchFamily="18" charset="-127"/>
+                        </a:rPr>
+                        <a:t>공격 충돌처리</a:t>
+                      </a:r>
                       <a:endParaRPr lang="ko-KR" altLang="en-US" sz="1700" dirty="0" smtClean="0">
                         <a:latin typeface="MD이솝체" pitchFamily="18" charset="-127"/>
                         <a:ea typeface="MD이솝체" pitchFamily="18" charset="-127"/>

--- a/ppt/project_2.pptx
+++ b/ppt/project_2.pptx
@@ -5,14 +5,15 @@
     <p:sldMasterId id="2147483648" r:id="rId1"/>
   </p:sldMasterIdLst>
   <p:notesMasterIdLst>
-    <p:notesMasterId r:id="rId7"/>
+    <p:notesMasterId r:id="rId8"/>
   </p:notesMasterIdLst>
   <p:sldIdLst>
-    <p:sldId id="259" r:id="rId2"/>
-    <p:sldId id="263" r:id="rId3"/>
-    <p:sldId id="264" r:id="rId4"/>
-    <p:sldId id="270" r:id="rId5"/>
-    <p:sldId id="271" r:id="rId6"/>
+    <p:sldId id="256" r:id="rId2"/>
+    <p:sldId id="259" r:id="rId3"/>
+    <p:sldId id="263" r:id="rId4"/>
+    <p:sldId id="264" r:id="rId5"/>
+    <p:sldId id="270" r:id="rId6"/>
+    <p:sldId id="269" r:id="rId7"/>
   </p:sldIdLst>
   <p:sldSz cx="9144000" cy="6858000" type="screen4x3"/>
   <p:notesSz cx="6858000" cy="9144000"/>
@@ -196,7 +197,7 @@
           <a:p>
             <a:fld id="{549659DD-B4CD-4E48-AA68-BB8EB028BDE1}" type="datetimeFigureOut">
               <a:rPr lang="ko-KR" altLang="en-US" smtClean="0"/>
-              <a:t>2016-11-14</a:t>
+              <a:t>2016-10-12</a:t>
             </a:fld>
             <a:endParaRPr lang="ko-KR" altLang="en-US"/>
           </a:p>
@@ -529,7 +530,7 @@
           <a:p>
             <a:fld id="{B8F8FD13-4F90-444C-B2D3-CC96EDC6851C}" type="slidenum">
               <a:rPr lang="ko-KR" altLang="en-US" smtClean="0"/>
-              <a:t>1</a:t>
+              <a:t>2</a:t>
             </a:fld>
             <a:endParaRPr lang="ko-KR" altLang="en-US"/>
           </a:p>
@@ -729,7 +730,7 @@
           <a:p>
             <a:fld id="{2556E265-FD56-475E-9687-0455F914B6B9}" type="datetimeFigureOut">
               <a:rPr lang="ko-KR" altLang="en-US" smtClean="0"/>
-              <a:t>2016-11-14</a:t>
+              <a:t>2016-10-12</a:t>
             </a:fld>
             <a:endParaRPr lang="ko-KR" altLang="en-US"/>
           </a:p>
@@ -899,7 +900,7 @@
           <a:p>
             <a:fld id="{2556E265-FD56-475E-9687-0455F914B6B9}" type="datetimeFigureOut">
               <a:rPr lang="ko-KR" altLang="en-US" smtClean="0"/>
-              <a:t>2016-11-14</a:t>
+              <a:t>2016-10-12</a:t>
             </a:fld>
             <a:endParaRPr lang="ko-KR" altLang="en-US"/>
           </a:p>
@@ -1079,7 +1080,7 @@
           <a:p>
             <a:fld id="{2556E265-FD56-475E-9687-0455F914B6B9}" type="datetimeFigureOut">
               <a:rPr lang="ko-KR" altLang="en-US" smtClean="0"/>
-              <a:t>2016-11-14</a:t>
+              <a:t>2016-10-12</a:t>
             </a:fld>
             <a:endParaRPr lang="ko-KR" altLang="en-US"/>
           </a:p>
@@ -1249,7 +1250,7 @@
           <a:p>
             <a:fld id="{2556E265-FD56-475E-9687-0455F914B6B9}" type="datetimeFigureOut">
               <a:rPr lang="ko-KR" altLang="en-US" smtClean="0"/>
-              <a:t>2016-11-14</a:t>
+              <a:t>2016-10-12</a:t>
             </a:fld>
             <a:endParaRPr lang="ko-KR" altLang="en-US"/>
           </a:p>
@@ -1495,7 +1496,7 @@
           <a:p>
             <a:fld id="{2556E265-FD56-475E-9687-0455F914B6B9}" type="datetimeFigureOut">
               <a:rPr lang="ko-KR" altLang="en-US" smtClean="0"/>
-              <a:t>2016-11-14</a:t>
+              <a:t>2016-10-12</a:t>
             </a:fld>
             <a:endParaRPr lang="ko-KR" altLang="en-US"/>
           </a:p>
@@ -1783,7 +1784,7 @@
           <a:p>
             <a:fld id="{2556E265-FD56-475E-9687-0455F914B6B9}" type="datetimeFigureOut">
               <a:rPr lang="ko-KR" altLang="en-US" smtClean="0"/>
-              <a:t>2016-11-14</a:t>
+              <a:t>2016-10-12</a:t>
             </a:fld>
             <a:endParaRPr lang="ko-KR" altLang="en-US"/>
           </a:p>
@@ -2205,7 +2206,7 @@
           <a:p>
             <a:fld id="{2556E265-FD56-475E-9687-0455F914B6B9}" type="datetimeFigureOut">
               <a:rPr lang="ko-KR" altLang="en-US" smtClean="0"/>
-              <a:t>2016-11-14</a:t>
+              <a:t>2016-10-12</a:t>
             </a:fld>
             <a:endParaRPr lang="ko-KR" altLang="en-US"/>
           </a:p>
@@ -2323,7 +2324,7 @@
           <a:p>
             <a:fld id="{2556E265-FD56-475E-9687-0455F914B6B9}" type="datetimeFigureOut">
               <a:rPr lang="ko-KR" altLang="en-US" smtClean="0"/>
-              <a:t>2016-11-14</a:t>
+              <a:t>2016-10-12</a:t>
             </a:fld>
             <a:endParaRPr lang="ko-KR" altLang="en-US"/>
           </a:p>
@@ -2418,7 +2419,7 @@
           <a:p>
             <a:fld id="{2556E265-FD56-475E-9687-0455F914B6B9}" type="datetimeFigureOut">
               <a:rPr lang="ko-KR" altLang="en-US" smtClean="0"/>
-              <a:t>2016-11-14</a:t>
+              <a:t>2016-10-12</a:t>
             </a:fld>
             <a:endParaRPr lang="ko-KR" altLang="en-US"/>
           </a:p>
@@ -2695,7 +2696,7 @@
           <a:p>
             <a:fld id="{2556E265-FD56-475E-9687-0455F914B6B9}" type="datetimeFigureOut">
               <a:rPr lang="ko-KR" altLang="en-US" smtClean="0"/>
-              <a:t>2016-11-14</a:t>
+              <a:t>2016-10-12</a:t>
             </a:fld>
             <a:endParaRPr lang="ko-KR" altLang="en-US"/>
           </a:p>
@@ -2948,7 +2949,7 @@
           <a:p>
             <a:fld id="{2556E265-FD56-475E-9687-0455F914B6B9}" type="datetimeFigureOut">
               <a:rPr lang="ko-KR" altLang="en-US" smtClean="0"/>
-              <a:t>2016-11-14</a:t>
+              <a:t>2016-10-12</a:t>
             </a:fld>
             <a:endParaRPr lang="ko-KR" altLang="en-US"/>
           </a:p>
@@ -3170,7 +3171,7 @@
           <a:p>
             <a:fld id="{2556E265-FD56-475E-9687-0455F914B6B9}" type="datetimeFigureOut">
               <a:rPr lang="ko-KR" altLang="en-US" smtClean="0"/>
-              <a:t>2016-11-14</a:t>
+              <a:t>2016-10-12</a:t>
             </a:fld>
             <a:endParaRPr lang="ko-KR" altLang="en-US"/>
           </a:p>
@@ -3531,6 +3532,130 @@
 <file path=ppt/slides/slide1.xml><?xml version="1.0" encoding="utf-8"?>
 <p:sld xmlns:a="http://schemas.openxmlformats.org/drawingml/2006/main" xmlns:r="http://schemas.openxmlformats.org/officeDocument/2006/relationships" xmlns:p="http://schemas.openxmlformats.org/presentationml/2006/main">
   <p:cSld>
+    <p:bg>
+      <p:bgPr>
+        <a:blipFill dpi="0" rotWithShape="1">
+          <a:blip r:embed="rId2">
+            <a:lum/>
+          </a:blip>
+          <a:srcRect/>
+          <a:stretch>
+            <a:fillRect/>
+          </a:stretch>
+        </a:blipFill>
+        <a:effectLst/>
+      </p:bgPr>
+    </p:bg>
+    <p:spTree>
+      <p:nvGrpSpPr>
+        <p:cNvPr id="1" name=""/>
+        <p:cNvGrpSpPr/>
+        <p:nvPr/>
+      </p:nvGrpSpPr>
+      <p:grpSpPr>
+        <a:xfrm>
+          <a:off x="0" y="0"/>
+          <a:ext cx="0" cy="0"/>
+          <a:chOff x="0" y="0"/>
+          <a:chExt cx="0" cy="0"/>
+        </a:xfrm>
+      </p:grpSpPr>
+      <p:sp>
+        <p:nvSpPr>
+          <p:cNvPr id="5" name="TextBox 4"/>
+          <p:cNvSpPr txBox="1"/>
+          <p:nvPr/>
+        </p:nvSpPr>
+        <p:spPr>
+          <a:xfrm>
+            <a:off x="5479473" y="4941168"/>
+            <a:ext cx="3456384" cy="1754326"/>
+          </a:xfrm>
+          <a:prstGeom prst="rect">
+            <a:avLst/>
+          </a:prstGeom>
+          <a:noFill/>
+        </p:spPr>
+        <p:txBody>
+          <a:bodyPr wrap="square" rtlCol="0">
+            <a:spAutoFit/>
+          </a:bodyPr>
+          <a:lstStyle/>
+          <a:p>
+            <a:r>
+              <a:rPr lang="en-US" altLang="ko-KR" sz="3600" b="1" dirty="0" smtClean="0">
+                <a:solidFill>
+                  <a:schemeClr val="bg1"/>
+                </a:solidFill>
+                <a:latin typeface="MD이솝체" pitchFamily="18" charset="-127"/>
+                <a:ea typeface="MD이솝체" pitchFamily="18" charset="-127"/>
+              </a:rPr>
+              <a:t>2015180045</a:t>
+            </a:r>
+          </a:p>
+          <a:p>
+            <a:r>
+              <a:rPr lang="ko-KR" altLang="en-US" sz="3600" b="1" dirty="0" smtClean="0">
+                <a:solidFill>
+                  <a:schemeClr val="bg1"/>
+                </a:solidFill>
+                <a:latin typeface="MD이솝체" pitchFamily="18" charset="-127"/>
+                <a:ea typeface="MD이솝체" pitchFamily="18" charset="-127"/>
+              </a:rPr>
+              <a:t>게임공학과</a:t>
+            </a:r>
+            <a:endParaRPr lang="en-US" altLang="ko-KR" sz="3600" b="1" dirty="0" smtClean="0">
+              <a:solidFill>
+                <a:schemeClr val="bg1"/>
+              </a:solidFill>
+              <a:latin typeface="MD이솝체" pitchFamily="18" charset="-127"/>
+              <a:ea typeface="MD이솝체" pitchFamily="18" charset="-127"/>
+            </a:endParaRPr>
+          </a:p>
+          <a:p>
+            <a:r>
+              <a:rPr lang="ko-KR" altLang="en-US" sz="3600" b="1" dirty="0" smtClean="0">
+                <a:solidFill>
+                  <a:schemeClr val="bg1"/>
+                </a:solidFill>
+                <a:latin typeface="MD이솝체" pitchFamily="18" charset="-127"/>
+                <a:ea typeface="MD이솝체" pitchFamily="18" charset="-127"/>
+              </a:rPr>
+              <a:t>한 화원</a:t>
+            </a:r>
+            <a:endParaRPr lang="ko-KR" altLang="en-US" sz="3600" b="1" dirty="0">
+              <a:solidFill>
+                <a:schemeClr val="bg1"/>
+              </a:solidFill>
+              <a:latin typeface="MD이솝체" pitchFamily="18" charset="-127"/>
+              <a:ea typeface="MD이솝체" pitchFamily="18" charset="-127"/>
+            </a:endParaRPr>
+          </a:p>
+        </p:txBody>
+      </p:sp>
+    </p:spTree>
+    <p:extLst>
+      <p:ext uri="{BB962C8B-B14F-4D97-AF65-F5344CB8AC3E}">
+        <p14:creationId xmlns:p14="http://schemas.microsoft.com/office/powerpoint/2010/main" val="2556672999"/>
+      </p:ext>
+    </p:extLst>
+  </p:cSld>
+  <p:clrMapOvr>
+    <a:masterClrMapping/>
+  </p:clrMapOvr>
+  <p:timing>
+    <p:tnLst>
+      <p:par>
+        <p:cTn id="1" dur="indefinite" restart="never" nodeType="tmRoot"/>
+      </p:par>
+    </p:tnLst>
+  </p:timing>
+</p:sld>
+</file>
+
+<file path=ppt/slides/slide2.xml><?xml version="1.0" encoding="utf-8"?>
+<p:sld xmlns:a="http://schemas.openxmlformats.org/drawingml/2006/main" xmlns:r="http://schemas.openxmlformats.org/officeDocument/2006/relationships" xmlns:p="http://schemas.openxmlformats.org/presentationml/2006/main">
+  <p:cSld>
     <p:spTree>
       <p:nvGrpSpPr>
         <p:cNvPr id="1" name=""/>
@@ -3980,7 +4105,7 @@
 </p:sld>
 </file>
 
-<file path=ppt/slides/slide2.xml><?xml version="1.0" encoding="utf-8"?>
+<file path=ppt/slides/slide3.xml><?xml version="1.0" encoding="utf-8"?>
 <p:sld xmlns:a="http://schemas.openxmlformats.org/drawingml/2006/main" xmlns:r="http://schemas.openxmlformats.org/officeDocument/2006/relationships" xmlns:p="http://schemas.openxmlformats.org/presentationml/2006/main">
   <p:cSld>
     <p:spTree>
@@ -4341,7 +4466,14 @@
                           <a:latin typeface="MD이솝체" pitchFamily="18" charset="-127"/>
                           <a:ea typeface="MD이솝체" pitchFamily="18" charset="-127"/>
                         </a:rPr>
-                        <a:t>키를 이용하여 공격</a:t>
+                        <a:t>키를 이용하여 </a:t>
+                      </a:r>
+                      <a:r>
+                        <a:rPr lang="ko-KR" altLang="en-US" dirty="0" smtClean="0">
+                          <a:latin typeface="MD이솝체" pitchFamily="18" charset="-127"/>
+                          <a:ea typeface="MD이솝체" pitchFamily="18" charset="-127"/>
+                        </a:rPr>
+                        <a:t>공격</a:t>
                       </a:r>
                       <a:endParaRPr lang="ko-KR" altLang="en-US" dirty="0">
                         <a:latin typeface="MD이솝체" pitchFamily="18" charset="-127"/>
@@ -4413,7 +4545,14 @@
                           <a:latin typeface="MD이솝체" pitchFamily="18" charset="-127"/>
                           <a:ea typeface="MD이솝체" pitchFamily="18" charset="-127"/>
                         </a:rPr>
-                        <a:t>가 나타남</a:t>
+                        <a:t>가 </a:t>
+                      </a:r>
+                      <a:r>
+                        <a:rPr lang="ko-KR" altLang="en-US" dirty="0" smtClean="0">
+                          <a:latin typeface="MD이솝체" pitchFamily="18" charset="-127"/>
+                          <a:ea typeface="MD이솝체" pitchFamily="18" charset="-127"/>
+                        </a:rPr>
+                        <a:t>나타남</a:t>
                       </a:r>
                       <a:endParaRPr lang="ko-KR" altLang="en-US" dirty="0">
                         <a:latin typeface="MD이솝체" pitchFamily="18" charset="-127"/>
@@ -4636,7 +4775,7 @@
 </p:sld>
 </file>
 
-<file path=ppt/slides/slide3.xml><?xml version="1.0" encoding="utf-8"?>
+<file path=ppt/slides/slide4.xml><?xml version="1.0" encoding="utf-8"?>
 <p:sld xmlns:a="http://schemas.openxmlformats.org/drawingml/2006/main" xmlns:r="http://schemas.openxmlformats.org/officeDocument/2006/relationships" xmlns:p="http://schemas.openxmlformats.org/presentationml/2006/main">
   <p:cSld>
     <p:spTree>
@@ -4692,14 +4831,14 @@
           <p:nvPr>
             <p:extLst>
               <p:ext uri="{D42A27DB-BD31-4B8C-83A1-F6EECF244321}">
-                <p14:modId xmlns:p14="http://schemas.microsoft.com/office/powerpoint/2010/main" val="4010027685"/>
+                <p14:modId xmlns:p14="http://schemas.microsoft.com/office/powerpoint/2010/main" val="1624271751"/>
               </p:ext>
             </p:extLst>
           </p:nvPr>
         </p:nvGraphicFramePr>
         <p:xfrm>
           <a:off x="611560" y="1369505"/>
-          <a:ext cx="8064897" cy="5581180"/>
+          <a:ext cx="8064897" cy="5322100"/>
         </p:xfrm>
         <a:graphic>
           <a:graphicData uri="http://schemas.openxmlformats.org/drawingml/2006/table">
@@ -5168,34 +5307,6 @@
                     <a:lstStyle/>
                     <a:p>
                       <a:pPr algn="l" latinLnBrk="1"/>
-                      <a:r>
-                        <a:rPr lang="en-US" altLang="ko-KR" sz="1700" dirty="0" smtClean="0">
-                          <a:latin typeface="MD이솝체" pitchFamily="18" charset="-127"/>
-                          <a:ea typeface="MD이솝체" pitchFamily="18" charset="-127"/>
-                        </a:rPr>
-                        <a:t>(100%) </a:t>
-                      </a:r>
-                      <a:r>
-                        <a:rPr lang="ko-KR" altLang="en-US" sz="1700" dirty="0" smtClean="0">
-                          <a:latin typeface="MD이솝체" pitchFamily="18" charset="-127"/>
-                          <a:ea typeface="MD이솝체" pitchFamily="18" charset="-127"/>
-                        </a:rPr>
-                        <a:t>모든 </a:t>
-                      </a:r>
-                      <a:r>
-                        <a:rPr lang="en-US" altLang="ko-KR" sz="1700" dirty="0" smtClean="0">
-                          <a:latin typeface="MD이솝체" pitchFamily="18" charset="-127"/>
-                          <a:ea typeface="MD이솝체" pitchFamily="18" charset="-127"/>
-                        </a:rPr>
-                        <a:t>coin</a:t>
-                      </a:r>
-                      <a:r>
-                        <a:rPr lang="ko-KR" altLang="en-US" sz="1700" dirty="0" smtClean="0">
-                          <a:latin typeface="MD이솝체" pitchFamily="18" charset="-127"/>
-                          <a:ea typeface="MD이솝체" pitchFamily="18" charset="-127"/>
-                        </a:rPr>
-                        <a:t>과 캐릭터의 충돌체크 </a:t>
-                      </a:r>
                       <a:endParaRPr lang="ko-KR" altLang="en-US" sz="1700" dirty="0">
                         <a:latin typeface="MD이솝체" pitchFamily="18" charset="-127"/>
                         <a:ea typeface="MD이솝체" pitchFamily="18" charset="-127"/>
@@ -5275,41 +5386,6 @@
                     <a:lstStyle/>
                     <a:p>
                       <a:pPr algn="l" latinLnBrk="1"/>
-                      <a:r>
-                        <a:rPr lang="en-US" altLang="ko-KR" sz="1700" dirty="0" smtClean="0">
-                          <a:latin typeface="MD이솝체" pitchFamily="18" charset="-127"/>
-                          <a:ea typeface="MD이솝체" pitchFamily="18" charset="-127"/>
-                        </a:rPr>
-                        <a:t>(100%) </a:t>
-                      </a:r>
-                      <a:r>
-                        <a:rPr lang="en-US" altLang="ko-KR" sz="1700" dirty="0" err="1" smtClean="0">
-                          <a:latin typeface="MD이솝체" pitchFamily="18" charset="-127"/>
-                          <a:ea typeface="MD이솝체" pitchFamily="18" charset="-127"/>
-                        </a:rPr>
-                        <a:t>ppt</a:t>
-                      </a:r>
-                      <a:r>
-                        <a:rPr lang="ko-KR" altLang="en-US" sz="1700" dirty="0" smtClean="0">
-                          <a:latin typeface="MD이솝체" pitchFamily="18" charset="-127"/>
-                          <a:ea typeface="MD이솝체" pitchFamily="18" charset="-127"/>
-                        </a:rPr>
-                        <a:t>제작 </a:t>
-                      </a:r>
-                      <a:r>
-                        <a:rPr lang="en-US" altLang="ko-KR" sz="1700" dirty="0" smtClean="0">
-                          <a:latin typeface="MD이솝체" pitchFamily="18" charset="-127"/>
-                          <a:ea typeface="MD이솝체" pitchFamily="18" charset="-127"/>
-                        </a:rPr>
-                        <a:t>&amp; </a:t>
-                      </a:r>
-                      <a:r>
-                        <a:rPr lang="ko-KR" altLang="en-US" sz="1700" dirty="0" smtClean="0">
-                          <a:latin typeface="MD이솝체" pitchFamily="18" charset="-127"/>
-                          <a:ea typeface="MD이솝체" pitchFamily="18" charset="-127"/>
-                        </a:rPr>
-                        <a:t>발표영상제작</a:t>
-                      </a:r>
                       <a:endParaRPr lang="ko-KR" altLang="en-US" sz="1700" dirty="0">
                         <a:latin typeface="MD이솝체" pitchFamily="18" charset="-127"/>
                         <a:ea typeface="MD이솝체" pitchFamily="18" charset="-127"/>
@@ -5383,7 +5459,14 @@
                           <a:latin typeface="MD이솝체" pitchFamily="18" charset="-127"/>
                           <a:ea typeface="MD이솝체" pitchFamily="18" charset="-127"/>
                         </a:rPr>
-                        <a:t> 제작</a:t>
+                        <a:t> </a:t>
+                      </a:r>
+                      <a:r>
+                        <a:rPr lang="ko-KR" altLang="en-US" sz="1700" dirty="0" smtClean="0">
+                          <a:latin typeface="MD이솝체" pitchFamily="18" charset="-127"/>
+                          <a:ea typeface="MD이솝체" pitchFamily="18" charset="-127"/>
+                        </a:rPr>
+                        <a:t>제작</a:t>
                       </a:r>
                       <a:endParaRPr lang="ko-KR" altLang="en-US" sz="1700" dirty="0">
                         <a:latin typeface="MD이솝체" pitchFamily="18" charset="-127"/>
@@ -5399,27 +5482,6 @@
                     <a:lstStyle/>
                     <a:p>
                       <a:pPr algn="l" latinLnBrk="1"/>
-                      <a:r>
-                        <a:rPr lang="en-US" altLang="ko-KR" sz="1700" dirty="0" smtClean="0">
-                          <a:latin typeface="MD이솝체" pitchFamily="18" charset="-127"/>
-                          <a:ea typeface="MD이솝체" pitchFamily="18" charset="-127"/>
-                        </a:rPr>
-                        <a:t>(!00%)</a:t>
-                      </a:r>
-                      <a:r>
-                        <a:rPr lang="en-US" altLang="ko-KR" sz="1700" baseline="0" dirty="0" smtClean="0">
-                          <a:latin typeface="MD이솝체" pitchFamily="18" charset="-127"/>
-                          <a:ea typeface="MD이솝체" pitchFamily="18" charset="-127"/>
-                        </a:rPr>
-                        <a:t> monster3</a:t>
-                      </a:r>
-                      <a:r>
-                        <a:rPr lang="ko-KR" altLang="en-US" sz="1700" baseline="0" dirty="0" smtClean="0">
-                          <a:latin typeface="MD이솝체" pitchFamily="18" charset="-127"/>
-                          <a:ea typeface="MD이솝체" pitchFamily="18" charset="-127"/>
-                        </a:rPr>
-                        <a:t>가지</a:t>
-                      </a:r>
                       <a:endParaRPr lang="ko-KR" altLang="en-US" sz="1700" dirty="0">
                         <a:latin typeface="MD이솝체" pitchFamily="18" charset="-127"/>
                         <a:ea typeface="MD이솝체" pitchFamily="18" charset="-127"/>
@@ -5529,7 +5591,14 @@
                           <a:latin typeface="MD이솝체" pitchFamily="18" charset="-127"/>
                           <a:ea typeface="MD이솝체" pitchFamily="18" charset="-127"/>
                         </a:rPr>
-                        <a:t> 캐릭터의 충돌처리 </a:t>
+                        <a:t> </a:t>
+                      </a:r>
+                      <a:r>
+                        <a:rPr lang="ko-KR" altLang="en-US" sz="1700" dirty="0" smtClean="0">
+                          <a:latin typeface="MD이솝체" pitchFamily="18" charset="-127"/>
+                          <a:ea typeface="MD이솝체" pitchFamily="18" charset="-127"/>
+                        </a:rPr>
+                        <a:t>캐릭터의 충돌처리 </a:t>
                       </a:r>
                     </a:p>
                   </a:txBody>
@@ -5557,101 +5626,6 @@
                         <a:tabLst/>
                         <a:defRPr/>
                       </a:pPr>
-                      <a:r>
-                        <a:rPr lang="en-US" altLang="ko-KR" sz="1700" dirty="0" smtClean="0">
-                          <a:latin typeface="MD이솝체" pitchFamily="18" charset="-127"/>
-                          <a:ea typeface="MD이솝체" pitchFamily="18" charset="-127"/>
-                        </a:rPr>
-                        <a:t>(50%)</a:t>
-                      </a:r>
-                      <a:r>
-                        <a:rPr lang="ko-KR" altLang="en-US" sz="1700" dirty="0" smtClean="0">
-                          <a:latin typeface="MD이솝체" pitchFamily="18" charset="-127"/>
-                          <a:ea typeface="MD이솝체" pitchFamily="18" charset="-127"/>
-                        </a:rPr>
-                        <a:t>캐릭터 공격제작</a:t>
-                      </a:r>
-                      <a:endParaRPr lang="en-US" altLang="ko-KR" sz="1700" dirty="0" smtClean="0">
-                        <a:latin typeface="MD이솝체" pitchFamily="18" charset="-127"/>
-                        <a:ea typeface="MD이솝체" pitchFamily="18" charset="-127"/>
-                      </a:endParaRPr>
-                    </a:p>
-                    <a:p>
-                      <a:pPr marL="0" marR="0" indent="0" algn="l" defTabSz="914400" rtl="0" eaLnBrk="1" fontAlgn="auto" latinLnBrk="1" hangingPunct="1">
-                        <a:lnSpc>
-                          <a:spcPct val="100000"/>
-                        </a:lnSpc>
-                        <a:spcBef>
-                          <a:spcPts val="0"/>
-                        </a:spcBef>
-                        <a:spcAft>
-                          <a:spcPts val="0"/>
-                        </a:spcAft>
-                        <a:buClrTx/>
-                        <a:buSzTx/>
-                        <a:buFontTx/>
-                        <a:buNone/>
-                        <a:tabLst/>
-                        <a:defRPr/>
-                      </a:pPr>
-                      <a:r>
-                        <a:rPr lang="en-US" altLang="ko-KR" sz="1700" dirty="0" smtClean="0">
-                          <a:latin typeface="MD이솝체" pitchFamily="18" charset="-127"/>
-                          <a:ea typeface="MD이솝체" pitchFamily="18" charset="-127"/>
-                        </a:rPr>
-                        <a:t>Monster</a:t>
-                      </a:r>
-                      <a:r>
-                        <a:rPr lang="ko-KR" altLang="en-US" sz="1700" baseline="0" dirty="0" smtClean="0">
-                          <a:latin typeface="MD이솝체" pitchFamily="18" charset="-127"/>
-                          <a:ea typeface="MD이솝체" pitchFamily="18" charset="-127"/>
-                        </a:rPr>
-                        <a:t> 캐릭터공격 충돌처리</a:t>
-                      </a:r>
-                      <a:endParaRPr lang="en-US" altLang="ko-KR" sz="1700" baseline="0" dirty="0" smtClean="0">
-                        <a:latin typeface="MD이솝체" pitchFamily="18" charset="-127"/>
-                        <a:ea typeface="MD이솝체" pitchFamily="18" charset="-127"/>
-                      </a:endParaRPr>
-                    </a:p>
-                    <a:p>
-                      <a:pPr marL="0" marR="0" indent="0" algn="l" defTabSz="914400" rtl="0" eaLnBrk="1" fontAlgn="auto" latinLnBrk="1" hangingPunct="1">
-                        <a:lnSpc>
-                          <a:spcPct val="100000"/>
-                        </a:lnSpc>
-                        <a:spcBef>
-                          <a:spcPts val="0"/>
-                        </a:spcBef>
-                        <a:spcAft>
-                          <a:spcPts val="0"/>
-                        </a:spcAft>
-                        <a:buClrTx/>
-                        <a:buSzTx/>
-                        <a:buFontTx/>
-                        <a:buNone/>
-                        <a:tabLst/>
-                        <a:defRPr/>
-                      </a:pPr>
-                      <a:r>
-                        <a:rPr lang="ko-KR" altLang="en-US" sz="1700" baseline="0" dirty="0" smtClean="0">
-                          <a:latin typeface="MD이솝체" pitchFamily="18" charset="-127"/>
-                          <a:ea typeface="MD이솝체" pitchFamily="18" charset="-127"/>
-                        </a:rPr>
-                        <a:t>캐릭터 </a:t>
-                      </a:r>
-                      <a:r>
-                        <a:rPr lang="en-US" altLang="ko-KR" sz="1700" baseline="0" dirty="0" smtClean="0">
-                          <a:latin typeface="MD이솝체" pitchFamily="18" charset="-127"/>
-                          <a:ea typeface="MD이솝체" pitchFamily="18" charset="-127"/>
-                        </a:rPr>
-                        <a:t>monster</a:t>
-                      </a:r>
-                      <a:r>
-                        <a:rPr lang="ko-KR" altLang="en-US" sz="1700" baseline="0" dirty="0" smtClean="0">
-                          <a:latin typeface="MD이솝체" pitchFamily="18" charset="-127"/>
-                          <a:ea typeface="MD이솝체" pitchFamily="18" charset="-127"/>
-                        </a:rPr>
-                        <a:t>공격 충돌처리</a:t>
-                      </a:r>
                       <a:endParaRPr lang="ko-KR" altLang="en-US" sz="1700" dirty="0" smtClean="0">
                         <a:latin typeface="MD이솝체" pitchFamily="18" charset="-127"/>
                         <a:ea typeface="MD이솝체" pitchFamily="18" charset="-127"/>
@@ -5859,7 +5833,14 @@
                           <a:latin typeface="MD이솝체" pitchFamily="18" charset="-127"/>
                           <a:ea typeface="MD이솝체" pitchFamily="18" charset="-127"/>
                         </a:rPr>
-                        <a:t>프로젝트 최종 발표 준비 및</a:t>
+                        <a:t>프로젝트 최종 발표 준비 </a:t>
+                      </a:r>
+                      <a:r>
+                        <a:rPr lang="ko-KR" altLang="en-US" sz="1700" dirty="0" smtClean="0">
+                          <a:latin typeface="MD이솝체" pitchFamily="18" charset="-127"/>
+                          <a:ea typeface="MD이솝체" pitchFamily="18" charset="-127"/>
+                        </a:rPr>
+                        <a:t>및</a:t>
                       </a:r>
                       <a:endParaRPr lang="en-US" altLang="ko-KR" sz="1700" dirty="0" smtClean="0">
                         <a:latin typeface="MD이솝체" pitchFamily="18" charset="-127"/>
@@ -5936,157 +5917,6 @@
 </p:sld>
 </file>
 
-<file path=ppt/slides/slide4.xml><?xml version="1.0" encoding="utf-8"?>
-<p:sld xmlns:a="http://schemas.openxmlformats.org/drawingml/2006/main" xmlns:r="http://schemas.openxmlformats.org/officeDocument/2006/relationships" xmlns:p="http://schemas.openxmlformats.org/presentationml/2006/main">
-  <p:cSld>
-    <p:spTree>
-      <p:nvGrpSpPr>
-        <p:cNvPr id="1" name=""/>
-        <p:cNvGrpSpPr/>
-        <p:nvPr/>
-      </p:nvGrpSpPr>
-      <p:grpSpPr>
-        <a:xfrm>
-          <a:off x="0" y="0"/>
-          <a:ext cx="0" cy="0"/>
-          <a:chOff x="0" y="0"/>
-          <a:chExt cx="0" cy="0"/>
-        </a:xfrm>
-      </p:grpSpPr>
-      <p:sp>
-        <p:nvSpPr>
-          <p:cNvPr id="2" name="제목 1"/>
-          <p:cNvSpPr>
-            <a:spLocks noGrp="1"/>
-          </p:cNvSpPr>
-          <p:nvPr>
-            <p:ph type="title"/>
-          </p:nvPr>
-        </p:nvSpPr>
-        <p:spPr/>
-        <p:txBody>
-          <a:bodyPr/>
-          <a:lstStyle/>
-          <a:p>
-            <a:r>
-              <a:rPr lang="en-US" altLang="ko-KR" b="1" dirty="0" err="1" smtClean="0">
-                <a:latin typeface="MD이솝체" pitchFamily="18" charset="-127"/>
-                <a:ea typeface="MD이솝체" pitchFamily="18" charset="-127"/>
-              </a:rPr>
-              <a:t>Github</a:t>
-            </a:r>
-            <a:r>
-              <a:rPr lang="en-US" altLang="ko-KR" b="1" dirty="0" smtClean="0">
-                <a:latin typeface="MD이솝체" pitchFamily="18" charset="-127"/>
-                <a:ea typeface="MD이솝체" pitchFamily="18" charset="-127"/>
-              </a:rPr>
-              <a:t> </a:t>
-            </a:r>
-            <a:r>
-              <a:rPr lang="ko-KR" altLang="en-US" b="1" dirty="0" err="1" smtClean="0">
-                <a:latin typeface="MD이솝체" pitchFamily="18" charset="-127"/>
-                <a:ea typeface="MD이솝체" pitchFamily="18" charset="-127"/>
-              </a:rPr>
-              <a:t>커밋</a:t>
-            </a:r>
-            <a:r>
-              <a:rPr lang="ko-KR" altLang="en-US" b="1" dirty="0" smtClean="0">
-                <a:latin typeface="MD이솝체" pitchFamily="18" charset="-127"/>
-                <a:ea typeface="MD이솝체" pitchFamily="18" charset="-127"/>
-              </a:rPr>
-              <a:t> 통계</a:t>
-            </a:r>
-            <a:endParaRPr lang="ko-KR" altLang="en-US" b="1" dirty="0">
-              <a:latin typeface="MD이솝체" pitchFamily="18" charset="-127"/>
-              <a:ea typeface="MD이솝체" pitchFamily="18" charset="-127"/>
-            </a:endParaRPr>
-          </a:p>
-        </p:txBody>
-      </p:sp>
-      <p:pic>
-        <p:nvPicPr>
-          <p:cNvPr id="1026" name="Picture 2"/>
-          <p:cNvPicPr>
-            <a:picLocks noChangeAspect="1" noChangeArrowheads="1"/>
-          </p:cNvPicPr>
-          <p:nvPr/>
-        </p:nvPicPr>
-        <p:blipFill>
-          <a:blip r:embed="rId2">
-            <a:extLst>
-              <a:ext uri="{28A0092B-C50C-407E-A947-70E740481C1C}">
-                <a14:useLocalDpi xmlns:a14="http://schemas.microsoft.com/office/drawing/2010/main" val="0"/>
-              </a:ext>
-            </a:extLst>
-          </a:blip>
-          <a:srcRect/>
-          <a:stretch>
-            <a:fillRect/>
-          </a:stretch>
-        </p:blipFill>
-        <p:spPr bwMode="auto">
-          <a:xfrm>
-            <a:off x="827584" y="1700808"/>
-            <a:ext cx="7596336" cy="4049169"/>
-          </a:xfrm>
-          <a:prstGeom prst="rect">
-            <a:avLst/>
-          </a:prstGeom>
-          <a:noFill/>
-          <a:ln>
-            <a:noFill/>
-          </a:ln>
-          <a:effectLst/>
-          <a:extLst>
-            <a:ext uri="{909E8E84-426E-40DD-AFC4-6F175D3DCCD1}">
-              <a14:hiddenFill xmlns:a14="http://schemas.microsoft.com/office/drawing/2010/main">
-                <a:solidFill>
-                  <a:schemeClr val="accent1"/>
-                </a:solidFill>
-              </a14:hiddenFill>
-            </a:ext>
-            <a:ext uri="{91240B29-F687-4F45-9708-019B960494DF}">
-              <a14:hiddenLine xmlns:a14="http://schemas.microsoft.com/office/drawing/2010/main" w="9525">
-                <a:solidFill>
-                  <a:schemeClr val="tx1"/>
-                </a:solidFill>
-                <a:miter lim="800000"/>
-                <a:headEnd/>
-                <a:tailEnd/>
-              </a14:hiddenLine>
-            </a:ext>
-            <a:ext uri="{AF507438-7753-43E0-B8FC-AC1667EBCBE1}">
-              <a14:hiddenEffects xmlns:a14="http://schemas.microsoft.com/office/drawing/2010/main">
-                <a:effectLst>
-                  <a:outerShdw dist="35921" dir="2700000" algn="ctr" rotWithShape="0">
-                    <a:schemeClr val="bg2"/>
-                  </a:outerShdw>
-                </a:effectLst>
-              </a14:hiddenEffects>
-            </a:ext>
-          </a:extLst>
-        </p:spPr>
-      </p:pic>
-    </p:spTree>
-    <p:extLst>
-      <p:ext uri="{BB962C8B-B14F-4D97-AF65-F5344CB8AC3E}">
-        <p14:creationId xmlns:p14="http://schemas.microsoft.com/office/powerpoint/2010/main" val="1109544663"/>
-      </p:ext>
-    </p:extLst>
-  </p:cSld>
-  <p:clrMapOvr>
-    <a:masterClrMapping/>
-  </p:clrMapOvr>
-  <p:timing>
-    <p:tnLst>
-      <p:par>
-        <p:cTn id="1" dur="indefinite" restart="never" nodeType="tmRoot"/>
-      </p:par>
-    </p:tnLst>
-  </p:timing>
-</p:sld>
-</file>
-
 <file path=ppt/slides/slide5.xml><?xml version="1.0" encoding="utf-8"?>
 <p:sld xmlns:a="http://schemas.openxmlformats.org/drawingml/2006/main" xmlns:r="http://schemas.openxmlformats.org/officeDocument/2006/relationships" xmlns:p="http://schemas.openxmlformats.org/presentationml/2006/main">
   <p:cSld>
@@ -6119,13 +5949,33 @@
           <a:bodyPr/>
           <a:lstStyle/>
           <a:p>
-            <a:pPr algn="l"/>
+            <a:r>
+              <a:rPr lang="en-US" altLang="ko-KR" b="1" dirty="0" err="1" smtClean="0">
+                <a:latin typeface="MD이솝체" pitchFamily="18" charset="-127"/>
+                <a:ea typeface="MD이솝체" pitchFamily="18" charset="-127"/>
+              </a:rPr>
+              <a:t>Github</a:t>
+            </a:r>
+            <a:r>
+              <a:rPr lang="en-US" altLang="ko-KR" b="1" dirty="0" smtClean="0">
+                <a:latin typeface="MD이솝체" pitchFamily="18" charset="-127"/>
+                <a:ea typeface="MD이솝체" pitchFamily="18" charset="-127"/>
+              </a:rPr>
+              <a:t> </a:t>
+            </a:r>
+            <a:r>
+              <a:rPr lang="ko-KR" altLang="en-US" b="1" dirty="0" err="1" smtClean="0">
+                <a:latin typeface="MD이솝체" pitchFamily="18" charset="-127"/>
+                <a:ea typeface="MD이솝체" pitchFamily="18" charset="-127"/>
+              </a:rPr>
+              <a:t>커밋</a:t>
+            </a:r>
             <a:r>
               <a:rPr lang="ko-KR" altLang="en-US" b="1" dirty="0" smtClean="0">
                 <a:latin typeface="MD이솝체" pitchFamily="18" charset="-127"/>
                 <a:ea typeface="MD이솝체" pitchFamily="18" charset="-127"/>
               </a:rPr>
-              <a:t>자체평가</a:t>
+              <a:t> 통계</a:t>
             </a:r>
             <a:endParaRPr lang="ko-KR" altLang="en-US" b="1" dirty="0">
               <a:latin typeface="MD이솝체" pitchFamily="18" charset="-127"/>
@@ -6134,440 +5984,89 @@
           </a:p>
         </p:txBody>
       </p:sp>
-      <p:graphicFrame>
-        <p:nvGraphicFramePr>
-          <p:cNvPr id="3" name="표 2"/>
-          <p:cNvGraphicFramePr>
-            <a:graphicFrameLocks noGrp="1"/>
-          </p:cNvGraphicFramePr>
-          <p:nvPr>
-            <p:extLst>
-              <p:ext uri="{D42A27DB-BD31-4B8C-83A1-F6EECF244321}">
-                <p14:modId xmlns:p14="http://schemas.microsoft.com/office/powerpoint/2010/main" val="1481098652"/>
-              </p:ext>
-            </p:extLst>
-          </p:nvPr>
-        </p:nvGraphicFramePr>
-        <p:xfrm>
-          <a:off x="755576" y="1628800"/>
-          <a:ext cx="7632848" cy="4392487"/>
-        </p:xfrm>
-        <a:graphic>
-          <a:graphicData uri="http://schemas.openxmlformats.org/drawingml/2006/table">
-            <a:tbl>
-              <a:tblPr firstRow="1" bandRow="1">
-                <a:tableStyleId>{5C22544A-7EE6-4342-B048-85BDC9FD1C3A}</a:tableStyleId>
-              </a:tblPr>
-              <a:tblGrid>
-                <a:gridCol w="4896544"/>
-                <a:gridCol w="2736304"/>
-              </a:tblGrid>
-              <a:tr h="568531">
-                <a:tc>
-                  <a:txBody>
-                    <a:bodyPr/>
-                    <a:lstStyle/>
-                    <a:p>
-                      <a:pPr algn="ctr" latinLnBrk="1"/>
-                      <a:r>
-                        <a:rPr lang="ko-KR" altLang="en-US" dirty="0" smtClean="0">
-                          <a:latin typeface="MD이솝체" pitchFamily="18" charset="-127"/>
-                          <a:ea typeface="MD이솝체" pitchFamily="18" charset="-127"/>
-                        </a:rPr>
-                        <a:t>평가항목</a:t>
-                      </a:r>
-                      <a:endParaRPr lang="ko-KR" altLang="en-US" dirty="0">
-                        <a:latin typeface="MD이솝체" pitchFamily="18" charset="-127"/>
-                        <a:ea typeface="MD이솝체" pitchFamily="18" charset="-127"/>
-                      </a:endParaRPr>
-                    </a:p>
-                  </a:txBody>
-                  <a:tcPr/>
-                </a:tc>
-                <a:tc>
-                  <a:txBody>
-                    <a:bodyPr/>
-                    <a:lstStyle/>
-                    <a:p>
-                      <a:pPr algn="ctr" latinLnBrk="1"/>
-                      <a:r>
-                        <a:rPr lang="ko-KR" altLang="en-US" dirty="0" smtClean="0">
-                          <a:latin typeface="MD이솝체" pitchFamily="18" charset="-127"/>
-                          <a:ea typeface="MD이솝체" pitchFamily="18" charset="-127"/>
-                        </a:rPr>
-                        <a:t>평가</a:t>
-                      </a:r>
-                      <a:endParaRPr lang="ko-KR" altLang="en-US" dirty="0">
-                        <a:latin typeface="MD이솝체" pitchFamily="18" charset="-127"/>
-                        <a:ea typeface="MD이솝체" pitchFamily="18" charset="-127"/>
-                      </a:endParaRPr>
-                    </a:p>
-                  </a:txBody>
-                  <a:tcPr/>
-                </a:tc>
-              </a:tr>
-              <a:tr h="568531">
-                <a:tc>
-                  <a:txBody>
-                    <a:bodyPr/>
-                    <a:lstStyle/>
-                    <a:p>
-                      <a:pPr latinLnBrk="1"/>
-                      <a:r>
-                        <a:rPr lang="ko-KR" altLang="en-US" dirty="0" smtClean="0">
-                          <a:latin typeface="MD이솝체" pitchFamily="18" charset="-127"/>
-                          <a:ea typeface="MD이솝체" pitchFamily="18" charset="-127"/>
-                        </a:rPr>
-                        <a:t>발표자료에 포함할 내용을 다 포함 했는가</a:t>
-                      </a:r>
-                      <a:r>
-                        <a:rPr lang="en-US" altLang="ko-KR" dirty="0" smtClean="0">
-                          <a:latin typeface="MD이솝체" pitchFamily="18" charset="-127"/>
-                          <a:ea typeface="MD이솝체" pitchFamily="18" charset="-127"/>
-                        </a:rPr>
-                        <a:t>?</a:t>
-                      </a:r>
-                      <a:endParaRPr lang="ko-KR" altLang="en-US" dirty="0">
-                        <a:latin typeface="MD이솝체" pitchFamily="18" charset="-127"/>
-                        <a:ea typeface="MD이솝체" pitchFamily="18" charset="-127"/>
-                      </a:endParaRPr>
-                    </a:p>
-                  </a:txBody>
-                  <a:tcPr/>
-                </a:tc>
-                <a:tc>
-                  <a:txBody>
-                    <a:bodyPr/>
-                    <a:lstStyle/>
-                    <a:p>
-                      <a:pPr algn="ctr" latinLnBrk="1"/>
-                      <a:r>
-                        <a:rPr lang="en-US" altLang="ko-KR" dirty="0" smtClean="0">
-                          <a:latin typeface="MD이솝체" pitchFamily="18" charset="-127"/>
-                          <a:ea typeface="MD이솝체" pitchFamily="18" charset="-127"/>
-                        </a:rPr>
-                        <a:t>A</a:t>
-                      </a:r>
-                      <a:endParaRPr lang="ko-KR" altLang="en-US" dirty="0">
-                        <a:latin typeface="MD이솝체" pitchFamily="18" charset="-127"/>
-                        <a:ea typeface="MD이솝체" pitchFamily="18" charset="-127"/>
-                      </a:endParaRPr>
-                    </a:p>
-                  </a:txBody>
-                  <a:tcPr/>
-                </a:tc>
-              </a:tr>
-              <a:tr h="568531">
-                <a:tc>
-                  <a:txBody>
-                    <a:bodyPr/>
-                    <a:lstStyle/>
-                    <a:p>
-                      <a:pPr latinLnBrk="1"/>
-                      <a:r>
-                        <a:rPr lang="ko-KR" altLang="en-US" dirty="0" smtClean="0">
-                          <a:latin typeface="MD이솝체" pitchFamily="18" charset="-127"/>
-                          <a:ea typeface="MD이솝체" pitchFamily="18" charset="-127"/>
-                        </a:rPr>
-                        <a:t>게임 </a:t>
-                      </a:r>
-                      <a:r>
-                        <a:rPr lang="ko-KR" altLang="en-US" dirty="0" err="1" smtClean="0">
-                          <a:latin typeface="MD이솝체" pitchFamily="18" charset="-127"/>
-                          <a:ea typeface="MD이솝체" pitchFamily="18" charset="-127"/>
-                        </a:rPr>
-                        <a:t>컨셉이</a:t>
-                      </a:r>
-                      <a:r>
-                        <a:rPr lang="ko-KR" altLang="en-US" dirty="0" smtClean="0">
-                          <a:latin typeface="MD이솝체" pitchFamily="18" charset="-127"/>
-                          <a:ea typeface="MD이솝체" pitchFamily="18" charset="-127"/>
-                        </a:rPr>
-                        <a:t> 잘 표현되었는가</a:t>
-                      </a:r>
-                      <a:r>
-                        <a:rPr lang="en-US" altLang="ko-KR" dirty="0" smtClean="0">
-                          <a:latin typeface="MD이솝체" pitchFamily="18" charset="-127"/>
-                          <a:ea typeface="MD이솝체" pitchFamily="18" charset="-127"/>
-                        </a:rPr>
-                        <a:t>?</a:t>
-                      </a:r>
-                      <a:endParaRPr lang="ko-KR" altLang="en-US" dirty="0">
-                        <a:latin typeface="MD이솝체" pitchFamily="18" charset="-127"/>
-                        <a:ea typeface="MD이솝체" pitchFamily="18" charset="-127"/>
-                      </a:endParaRPr>
-                    </a:p>
-                  </a:txBody>
-                  <a:tcPr/>
-                </a:tc>
-                <a:tc>
-                  <a:txBody>
-                    <a:bodyPr/>
-                    <a:lstStyle/>
-                    <a:p>
-                      <a:pPr algn="ctr" latinLnBrk="1"/>
-                      <a:r>
-                        <a:rPr lang="en-US" altLang="ko-KR" dirty="0" smtClean="0">
-                          <a:latin typeface="MD이솝체" pitchFamily="18" charset="-127"/>
-                          <a:ea typeface="MD이솝체" pitchFamily="18" charset="-127"/>
-                        </a:rPr>
-                        <a:t>A</a:t>
-                      </a:r>
-                      <a:endParaRPr lang="ko-KR" altLang="en-US" dirty="0">
-                        <a:latin typeface="MD이솝체" pitchFamily="18" charset="-127"/>
-                        <a:ea typeface="MD이솝체" pitchFamily="18" charset="-127"/>
-                      </a:endParaRPr>
-                    </a:p>
-                  </a:txBody>
-                  <a:tcPr/>
-                </a:tc>
-              </a:tr>
-              <a:tr h="568531">
-                <a:tc>
-                  <a:txBody>
-                    <a:bodyPr/>
-                    <a:lstStyle/>
-                    <a:p>
-                      <a:pPr latinLnBrk="1"/>
-                      <a:r>
-                        <a:rPr lang="ko-KR" altLang="en-US" dirty="0" smtClean="0">
-                          <a:latin typeface="MD이솝체" pitchFamily="18" charset="-127"/>
-                          <a:ea typeface="MD이솝체" pitchFamily="18" charset="-127"/>
-                        </a:rPr>
-                        <a:t>개발 주요 요소를 정량적으로 제시하였는가</a:t>
-                      </a:r>
-                      <a:r>
-                        <a:rPr lang="en-US" altLang="ko-KR" dirty="0" smtClean="0">
-                          <a:latin typeface="MD이솝체" pitchFamily="18" charset="-127"/>
-                          <a:ea typeface="MD이솝체" pitchFamily="18" charset="-127"/>
-                        </a:rPr>
-                        <a:t>?</a:t>
-                      </a:r>
-                      <a:endParaRPr lang="ko-KR" altLang="en-US" dirty="0">
-                        <a:latin typeface="MD이솝체" pitchFamily="18" charset="-127"/>
-                        <a:ea typeface="MD이솝체" pitchFamily="18" charset="-127"/>
-                      </a:endParaRPr>
-                    </a:p>
-                  </a:txBody>
-                  <a:tcPr/>
-                </a:tc>
-                <a:tc>
-                  <a:txBody>
-                    <a:bodyPr/>
-                    <a:lstStyle/>
-                    <a:p>
-                      <a:pPr algn="ctr" latinLnBrk="1"/>
-                      <a:r>
-                        <a:rPr lang="en-US" altLang="ko-KR" dirty="0" smtClean="0">
-                          <a:latin typeface="MD이솝체" pitchFamily="18" charset="-127"/>
-                          <a:ea typeface="MD이솝체" pitchFamily="18" charset="-127"/>
-                        </a:rPr>
-                        <a:t>A</a:t>
-                      </a:r>
-                      <a:endParaRPr lang="ko-KR" altLang="en-US" dirty="0">
-                        <a:latin typeface="MD이솝체" pitchFamily="18" charset="-127"/>
-                        <a:ea typeface="MD이솝체" pitchFamily="18" charset="-127"/>
-                      </a:endParaRPr>
-                    </a:p>
-                  </a:txBody>
-                  <a:tcPr/>
-                </a:tc>
-              </a:tr>
-              <a:tr h="981301">
-                <a:tc>
-                  <a:txBody>
-                    <a:bodyPr/>
-                    <a:lstStyle/>
-                    <a:p>
-                      <a:pPr latinLnBrk="1"/>
-                      <a:r>
-                        <a:rPr lang="ko-KR" altLang="en-US" dirty="0" smtClean="0">
-                          <a:latin typeface="MD이솝체" pitchFamily="18" charset="-127"/>
-                          <a:ea typeface="MD이솝체" pitchFamily="18" charset="-127"/>
-                        </a:rPr>
-                        <a:t>개발 계획 대비 현재 진행 상황을 상세히 설명하였는가</a:t>
-                      </a:r>
-                      <a:r>
-                        <a:rPr lang="en-US" altLang="ko-KR" dirty="0" smtClean="0">
-                          <a:latin typeface="MD이솝체" pitchFamily="18" charset="-127"/>
-                          <a:ea typeface="MD이솝체" pitchFamily="18" charset="-127"/>
-                        </a:rPr>
-                        <a:t>?</a:t>
-                      </a:r>
-                      <a:endParaRPr lang="ko-KR" altLang="en-US" dirty="0">
-                        <a:latin typeface="MD이솝체" pitchFamily="18" charset="-127"/>
-                        <a:ea typeface="MD이솝체" pitchFamily="18" charset="-127"/>
-                      </a:endParaRPr>
-                    </a:p>
-                  </a:txBody>
-                  <a:tcPr/>
-                </a:tc>
-                <a:tc>
-                  <a:txBody>
-                    <a:bodyPr/>
-                    <a:lstStyle/>
-                    <a:p>
-                      <a:pPr algn="ctr" latinLnBrk="1"/>
-                      <a:r>
-                        <a:rPr lang="en-US" altLang="ko-KR" dirty="0" smtClean="0">
-                          <a:latin typeface="MD이솝체" pitchFamily="18" charset="-127"/>
-                          <a:ea typeface="MD이솝체" pitchFamily="18" charset="-127"/>
-                        </a:rPr>
-                        <a:t>A</a:t>
-                      </a:r>
-                      <a:endParaRPr lang="ko-KR" altLang="en-US" dirty="0">
-                        <a:latin typeface="MD이솝체" pitchFamily="18" charset="-127"/>
-                        <a:ea typeface="MD이솝체" pitchFamily="18" charset="-127"/>
-                      </a:endParaRPr>
-                    </a:p>
-                  </a:txBody>
-                  <a:tcPr/>
-                </a:tc>
-              </a:tr>
-              <a:tr h="568531">
-                <a:tc>
-                  <a:txBody>
-                    <a:bodyPr/>
-                    <a:lstStyle/>
-                    <a:p>
-                      <a:pPr latinLnBrk="1"/>
-                      <a:r>
-                        <a:rPr lang="en-US" altLang="ko-KR" dirty="0" smtClean="0">
-                          <a:latin typeface="MD이솝체" pitchFamily="18" charset="-127"/>
-                          <a:ea typeface="MD이솝체" pitchFamily="18" charset="-127"/>
-                        </a:rPr>
-                        <a:t>GIT</a:t>
-                      </a:r>
-                      <a:r>
-                        <a:rPr lang="en-US" altLang="ko-KR" baseline="0" dirty="0" smtClean="0">
-                          <a:latin typeface="MD이솝체" pitchFamily="18" charset="-127"/>
-                          <a:ea typeface="MD이솝체" pitchFamily="18" charset="-127"/>
-                        </a:rPr>
-                        <a:t> </a:t>
-                      </a:r>
-                      <a:r>
-                        <a:rPr lang="ko-KR" altLang="en-US" baseline="0" dirty="0" smtClean="0">
-                          <a:latin typeface="MD이솝체" pitchFamily="18" charset="-127"/>
-                          <a:ea typeface="MD이솝체" pitchFamily="18" charset="-127"/>
-                        </a:rPr>
-                        <a:t>저장소에 </a:t>
-                      </a:r>
-                      <a:r>
-                        <a:rPr lang="ko-KR" altLang="en-US" baseline="0" dirty="0" err="1" smtClean="0">
-                          <a:latin typeface="MD이솝체" pitchFamily="18" charset="-127"/>
-                          <a:ea typeface="MD이솝체" pitchFamily="18" charset="-127"/>
-                        </a:rPr>
-                        <a:t>커밋을</a:t>
-                      </a:r>
-                      <a:r>
-                        <a:rPr lang="ko-KR" altLang="en-US" baseline="0" dirty="0" smtClean="0">
-                          <a:latin typeface="MD이솝체" pitchFamily="18" charset="-127"/>
-                          <a:ea typeface="MD이솝체" pitchFamily="18" charset="-127"/>
-                        </a:rPr>
-                        <a:t> 정기적으로 하였는가</a:t>
-                      </a:r>
-                      <a:r>
-                        <a:rPr lang="en-US" altLang="ko-KR" baseline="0" dirty="0" smtClean="0">
-                          <a:latin typeface="MD이솝체" pitchFamily="18" charset="-127"/>
-                          <a:ea typeface="MD이솝체" pitchFamily="18" charset="-127"/>
-                        </a:rPr>
-                        <a:t>?</a:t>
-                      </a:r>
-                      <a:endParaRPr lang="ko-KR" altLang="en-US" dirty="0">
-                        <a:latin typeface="MD이솝체" pitchFamily="18" charset="-127"/>
-                        <a:ea typeface="MD이솝체" pitchFamily="18" charset="-127"/>
-                      </a:endParaRPr>
-                    </a:p>
-                  </a:txBody>
-                  <a:tcPr/>
-                </a:tc>
-                <a:tc>
-                  <a:txBody>
-                    <a:bodyPr/>
-                    <a:lstStyle/>
-                    <a:p>
-                      <a:pPr algn="ctr" latinLnBrk="1"/>
-                      <a:r>
-                        <a:rPr lang="en-US" altLang="ko-KR" dirty="0" smtClean="0">
-                          <a:latin typeface="MD이솝체" pitchFamily="18" charset="-127"/>
-                          <a:ea typeface="MD이솝체" pitchFamily="18" charset="-127"/>
-                        </a:rPr>
-                        <a:t>B</a:t>
-                      </a:r>
-                      <a:endParaRPr lang="ko-KR" altLang="en-US" dirty="0">
-                        <a:latin typeface="MD이솝체" pitchFamily="18" charset="-127"/>
-                        <a:ea typeface="MD이솝체" pitchFamily="18" charset="-127"/>
-                      </a:endParaRPr>
-                    </a:p>
-                  </a:txBody>
-                  <a:tcPr/>
-                </a:tc>
-              </a:tr>
-              <a:tr h="568531">
-                <a:tc>
-                  <a:txBody>
-                    <a:bodyPr/>
-                    <a:lstStyle/>
-                    <a:p>
-                      <a:pPr latinLnBrk="1"/>
-                      <a:r>
-                        <a:rPr lang="ko-KR" altLang="en-US" dirty="0" smtClean="0">
-                          <a:latin typeface="MD이솝체" pitchFamily="18" charset="-127"/>
-                          <a:ea typeface="MD이솝체" pitchFamily="18" charset="-127"/>
-                        </a:rPr>
-                        <a:t>개발 계획에 계획한 만큼 구현을 하였는가</a:t>
-                      </a:r>
-                      <a:r>
-                        <a:rPr lang="en-US" altLang="ko-KR" dirty="0" smtClean="0">
-                          <a:latin typeface="MD이솝체" pitchFamily="18" charset="-127"/>
-                          <a:ea typeface="MD이솝체" pitchFamily="18" charset="-127"/>
-                        </a:rPr>
-                        <a:t>?</a:t>
-                      </a:r>
-                      <a:endParaRPr lang="ko-KR" altLang="en-US" dirty="0">
-                        <a:latin typeface="MD이솝체" pitchFamily="18" charset="-127"/>
-                        <a:ea typeface="MD이솝체" pitchFamily="18" charset="-127"/>
-                      </a:endParaRPr>
-                    </a:p>
-                  </a:txBody>
-                  <a:tcPr/>
-                </a:tc>
-                <a:tc>
-                  <a:txBody>
-                    <a:bodyPr/>
-                    <a:lstStyle/>
-                    <a:p>
-                      <a:pPr algn="ctr" latinLnBrk="1"/>
-                      <a:r>
-                        <a:rPr lang="en-US" altLang="ko-KR" dirty="0" smtClean="0">
-                          <a:latin typeface="MD이솝체" pitchFamily="18" charset="-127"/>
-                          <a:ea typeface="MD이솝체" pitchFamily="18" charset="-127"/>
-                        </a:rPr>
-                        <a:t>A</a:t>
-                      </a:r>
-                      <a:endParaRPr lang="ko-KR" altLang="en-US" dirty="0">
-                        <a:latin typeface="MD이솝체" pitchFamily="18" charset="-127"/>
-                        <a:ea typeface="MD이솝체" pitchFamily="18" charset="-127"/>
-                      </a:endParaRPr>
-                    </a:p>
-                  </a:txBody>
-                  <a:tcPr/>
-                </a:tc>
-              </a:tr>
-            </a:tbl>
-          </a:graphicData>
-        </a:graphic>
-      </p:graphicFrame>
     </p:spTree>
     <p:extLst>
       <p:ext uri="{BB962C8B-B14F-4D97-AF65-F5344CB8AC3E}">
-        <p14:creationId xmlns:p14="http://schemas.microsoft.com/office/powerpoint/2010/main" val="1404942106"/>
+        <p14:creationId xmlns:p14="http://schemas.microsoft.com/office/powerpoint/2010/main" val="1109544663"/>
       </p:ext>
     </p:extLst>
   </p:cSld>
   <p:clrMapOvr>
     <a:masterClrMapping/>
   </p:clrMapOvr>
+</p:sld>
+</file>
+
+<file path=ppt/slides/slide6.xml><?xml version="1.0" encoding="utf-8"?>
+<p:sld xmlns:a="http://schemas.openxmlformats.org/drawingml/2006/main" xmlns:r="http://schemas.openxmlformats.org/officeDocument/2006/relationships" xmlns:p="http://schemas.openxmlformats.org/presentationml/2006/main">
+  <p:cSld>
+    <p:spTree>
+      <p:nvGrpSpPr>
+        <p:cNvPr id="1" name=""/>
+        <p:cNvGrpSpPr/>
+        <p:nvPr/>
+      </p:nvGrpSpPr>
+      <p:grpSpPr>
+        <a:xfrm>
+          <a:off x="0" y="0"/>
+          <a:ext cx="0" cy="0"/>
+          <a:chOff x="0" y="0"/>
+          <a:chExt cx="0" cy="0"/>
+        </a:xfrm>
+      </p:grpSpPr>
+      <p:sp>
+        <p:nvSpPr>
+          <p:cNvPr id="2" name="제목 1"/>
+          <p:cNvSpPr>
+            <a:spLocks noGrp="1"/>
+          </p:cNvSpPr>
+          <p:nvPr>
+            <p:ph type="title"/>
+          </p:nvPr>
+        </p:nvSpPr>
+        <p:spPr>
+          <a:xfrm>
+            <a:off x="467544" y="2996952"/>
+            <a:ext cx="8229600" cy="1143000"/>
+          </a:xfrm>
+        </p:spPr>
+        <p:txBody>
+          <a:bodyPr>
+            <a:normAutofit/>
+          </a:bodyPr>
+          <a:lstStyle/>
+          <a:p>
+            <a:r>
+              <a:rPr lang="ko-KR" altLang="en-US" sz="6600" b="1" dirty="0" smtClean="0">
+                <a:latin typeface="MD이솝체" pitchFamily="18" charset="-127"/>
+                <a:ea typeface="MD이솝체" pitchFamily="18" charset="-127"/>
+              </a:rPr>
+              <a:t>대모 영상</a:t>
+            </a:r>
+            <a:endParaRPr lang="ko-KR" altLang="en-US" sz="6600" b="1" dirty="0">
+              <a:latin typeface="MD이솝체" pitchFamily="18" charset="-127"/>
+              <a:ea typeface="MD이솝체" pitchFamily="18" charset="-127"/>
+            </a:endParaRPr>
+          </a:p>
+        </p:txBody>
+      </p:sp>
+    </p:spTree>
+    <p:extLst>
+      <p:ext uri="{BB962C8B-B14F-4D97-AF65-F5344CB8AC3E}">
+        <p14:creationId xmlns:p14="http://schemas.microsoft.com/office/powerpoint/2010/main" val="2567922967"/>
+      </p:ext>
+    </p:extLst>
+  </p:cSld>
+  <p:clrMapOvr>
+    <a:masterClrMapping/>
+  </p:clrMapOvr>
+  <p:timing>
+    <p:tnLst>
+      <p:par>
+        <p:cTn id="1" dur="indefinite" restart="never" nodeType="tmRoot"/>
+      </p:par>
+    </p:tnLst>
+  </p:timing>
 </p:sld>
 </file>
 

--- a/ppt/project_2.pptx
+++ b/ppt/project_2.pptx
@@ -197,7 +197,7 @@
           <a:p>
             <a:fld id="{549659DD-B4CD-4E48-AA68-BB8EB028BDE1}" type="datetimeFigureOut">
               <a:rPr lang="ko-KR" altLang="en-US" smtClean="0"/>
-              <a:t>2016-10-12</a:t>
+              <a:t>2016-12-22</a:t>
             </a:fld>
             <a:endParaRPr lang="ko-KR" altLang="en-US"/>
           </a:p>
@@ -730,7 +730,7 @@
           <a:p>
             <a:fld id="{2556E265-FD56-475E-9687-0455F914B6B9}" type="datetimeFigureOut">
               <a:rPr lang="ko-KR" altLang="en-US" smtClean="0"/>
-              <a:t>2016-10-12</a:t>
+              <a:t>2016-12-22</a:t>
             </a:fld>
             <a:endParaRPr lang="ko-KR" altLang="en-US"/>
           </a:p>
@@ -900,7 +900,7 @@
           <a:p>
             <a:fld id="{2556E265-FD56-475E-9687-0455F914B6B9}" type="datetimeFigureOut">
               <a:rPr lang="ko-KR" altLang="en-US" smtClean="0"/>
-              <a:t>2016-10-12</a:t>
+              <a:t>2016-12-22</a:t>
             </a:fld>
             <a:endParaRPr lang="ko-KR" altLang="en-US"/>
           </a:p>
@@ -1080,7 +1080,7 @@
           <a:p>
             <a:fld id="{2556E265-FD56-475E-9687-0455F914B6B9}" type="datetimeFigureOut">
               <a:rPr lang="ko-KR" altLang="en-US" smtClean="0"/>
-              <a:t>2016-10-12</a:t>
+              <a:t>2016-12-22</a:t>
             </a:fld>
             <a:endParaRPr lang="ko-KR" altLang="en-US"/>
           </a:p>
@@ -1250,7 +1250,7 @@
           <a:p>
             <a:fld id="{2556E265-FD56-475E-9687-0455F914B6B9}" type="datetimeFigureOut">
               <a:rPr lang="ko-KR" altLang="en-US" smtClean="0"/>
-              <a:t>2016-10-12</a:t>
+              <a:t>2016-12-22</a:t>
             </a:fld>
             <a:endParaRPr lang="ko-KR" altLang="en-US"/>
           </a:p>
@@ -1496,7 +1496,7 @@
           <a:p>
             <a:fld id="{2556E265-FD56-475E-9687-0455F914B6B9}" type="datetimeFigureOut">
               <a:rPr lang="ko-KR" altLang="en-US" smtClean="0"/>
-              <a:t>2016-10-12</a:t>
+              <a:t>2016-12-22</a:t>
             </a:fld>
             <a:endParaRPr lang="ko-KR" altLang="en-US"/>
           </a:p>
@@ -1784,7 +1784,7 @@
           <a:p>
             <a:fld id="{2556E265-FD56-475E-9687-0455F914B6B9}" type="datetimeFigureOut">
               <a:rPr lang="ko-KR" altLang="en-US" smtClean="0"/>
-              <a:t>2016-10-12</a:t>
+              <a:t>2016-12-22</a:t>
             </a:fld>
             <a:endParaRPr lang="ko-KR" altLang="en-US"/>
           </a:p>
@@ -2206,7 +2206,7 @@
           <a:p>
             <a:fld id="{2556E265-FD56-475E-9687-0455F914B6B9}" type="datetimeFigureOut">
               <a:rPr lang="ko-KR" altLang="en-US" smtClean="0"/>
-              <a:t>2016-10-12</a:t>
+              <a:t>2016-12-22</a:t>
             </a:fld>
             <a:endParaRPr lang="ko-KR" altLang="en-US"/>
           </a:p>
@@ -2324,7 +2324,7 @@
           <a:p>
             <a:fld id="{2556E265-FD56-475E-9687-0455F914B6B9}" type="datetimeFigureOut">
               <a:rPr lang="ko-KR" altLang="en-US" smtClean="0"/>
-              <a:t>2016-10-12</a:t>
+              <a:t>2016-12-22</a:t>
             </a:fld>
             <a:endParaRPr lang="ko-KR" altLang="en-US"/>
           </a:p>
@@ -2419,7 +2419,7 @@
           <a:p>
             <a:fld id="{2556E265-FD56-475E-9687-0455F914B6B9}" type="datetimeFigureOut">
               <a:rPr lang="ko-KR" altLang="en-US" smtClean="0"/>
-              <a:t>2016-10-12</a:t>
+              <a:t>2016-12-22</a:t>
             </a:fld>
             <a:endParaRPr lang="ko-KR" altLang="en-US"/>
           </a:p>
@@ -2696,7 +2696,7 @@
           <a:p>
             <a:fld id="{2556E265-FD56-475E-9687-0455F914B6B9}" type="datetimeFigureOut">
               <a:rPr lang="ko-KR" altLang="en-US" smtClean="0"/>
-              <a:t>2016-10-12</a:t>
+              <a:t>2016-12-22</a:t>
             </a:fld>
             <a:endParaRPr lang="ko-KR" altLang="en-US"/>
           </a:p>
@@ -2949,7 +2949,7 @@
           <a:p>
             <a:fld id="{2556E265-FD56-475E-9687-0455F914B6B9}" type="datetimeFigureOut">
               <a:rPr lang="ko-KR" altLang="en-US" smtClean="0"/>
-              <a:t>2016-10-12</a:t>
+              <a:t>2016-12-22</a:t>
             </a:fld>
             <a:endParaRPr lang="ko-KR" altLang="en-US"/>
           </a:p>
@@ -3171,7 +3171,7 @@
           <a:p>
             <a:fld id="{2556E265-FD56-475E-9687-0455F914B6B9}" type="datetimeFigureOut">
               <a:rPr lang="ko-KR" altLang="en-US" smtClean="0"/>
-              <a:t>2016-10-12</a:t>
+              <a:t>2016-12-22</a:t>
             </a:fld>
             <a:endParaRPr lang="ko-KR" altLang="en-US"/>
           </a:p>
@@ -4466,14 +4466,7 @@
                           <a:latin typeface="MD이솝체" pitchFamily="18" charset="-127"/>
                           <a:ea typeface="MD이솝체" pitchFamily="18" charset="-127"/>
                         </a:rPr>
-                        <a:t>키를 이용하여 </a:t>
-                      </a:r>
-                      <a:r>
-                        <a:rPr lang="ko-KR" altLang="en-US" dirty="0" smtClean="0">
-                          <a:latin typeface="MD이솝체" pitchFamily="18" charset="-127"/>
-                          <a:ea typeface="MD이솝체" pitchFamily="18" charset="-127"/>
-                        </a:rPr>
-                        <a:t>공격</a:t>
+                        <a:t>키를 이용하여 공격</a:t>
                       </a:r>
                       <a:endParaRPr lang="ko-KR" altLang="en-US" dirty="0">
                         <a:latin typeface="MD이솝체" pitchFamily="18" charset="-127"/>
@@ -4545,14 +4538,7 @@
                           <a:latin typeface="MD이솝체" pitchFamily="18" charset="-127"/>
                           <a:ea typeface="MD이솝체" pitchFamily="18" charset="-127"/>
                         </a:rPr>
-                        <a:t>가 </a:t>
-                      </a:r>
-                      <a:r>
-                        <a:rPr lang="ko-KR" altLang="en-US" dirty="0" smtClean="0">
-                          <a:latin typeface="MD이솝체" pitchFamily="18" charset="-127"/>
-                          <a:ea typeface="MD이솝체" pitchFamily="18" charset="-127"/>
-                        </a:rPr>
-                        <a:t>나타남</a:t>
+                        <a:t>가 나타남</a:t>
                       </a:r>
                       <a:endParaRPr lang="ko-KR" altLang="en-US" dirty="0">
                         <a:latin typeface="MD이솝체" pitchFamily="18" charset="-127"/>
@@ -4831,14 +4817,14 @@
           <p:nvPr>
             <p:extLst>
               <p:ext uri="{D42A27DB-BD31-4B8C-83A1-F6EECF244321}">
-                <p14:modId xmlns:p14="http://schemas.microsoft.com/office/powerpoint/2010/main" val="1624271751"/>
+                <p14:modId xmlns:p14="http://schemas.microsoft.com/office/powerpoint/2010/main" val="3350827103"/>
               </p:ext>
             </p:extLst>
           </p:nvPr>
         </p:nvGraphicFramePr>
         <p:xfrm>
           <a:off x="611560" y="1369505"/>
-          <a:ext cx="8064897" cy="5322100"/>
+          <a:ext cx="8064897" cy="5384571"/>
         </p:xfrm>
         <a:graphic>
           <a:graphicData uri="http://schemas.openxmlformats.org/drawingml/2006/table">
@@ -4859,13 +4845,13 @@
                     <a:p>
                       <a:pPr algn="ctr" latinLnBrk="1"/>
                       <a:r>
-                        <a:rPr lang="ko-KR" altLang="en-US" sz="1700" dirty="0" smtClean="0">
+                        <a:rPr lang="ko-KR" altLang="en-US" sz="1600" dirty="0" smtClean="0">
                           <a:latin typeface="MD이솝체" pitchFamily="18" charset="-127"/>
                           <a:ea typeface="MD이솝체" pitchFamily="18" charset="-127"/>
                         </a:rPr>
                         <a:t>주</a:t>
                       </a:r>
-                      <a:endParaRPr lang="ko-KR" altLang="en-US" sz="1700" dirty="0">
+                      <a:endParaRPr lang="ko-KR" altLang="en-US" sz="1600" dirty="0">
                         <a:latin typeface="MD이솝체" pitchFamily="18" charset="-127"/>
                         <a:ea typeface="MD이솝체" pitchFamily="18" charset="-127"/>
                       </a:endParaRPr>
@@ -4880,13 +4866,13 @@
                     <a:p>
                       <a:pPr algn="ctr" latinLnBrk="1"/>
                       <a:r>
-                        <a:rPr lang="ko-KR" altLang="en-US" sz="1700" dirty="0" smtClean="0">
+                        <a:rPr lang="ko-KR" altLang="en-US" sz="1600" dirty="0" smtClean="0">
                           <a:latin typeface="MD이솝체" pitchFamily="18" charset="-127"/>
                           <a:ea typeface="MD이솝체" pitchFamily="18" charset="-127"/>
                         </a:rPr>
                         <a:t>내용</a:t>
                       </a:r>
-                      <a:endParaRPr lang="ko-KR" altLang="en-US" sz="1700" dirty="0">
+                      <a:endParaRPr lang="ko-KR" altLang="en-US" sz="1600" dirty="0">
                         <a:latin typeface="MD이솝체" pitchFamily="18" charset="-127"/>
                         <a:ea typeface="MD이솝체" pitchFamily="18" charset="-127"/>
                       </a:endParaRPr>
@@ -4901,13 +4887,13 @@
                     <a:p>
                       <a:pPr algn="ctr" latinLnBrk="1"/>
                       <a:r>
-                        <a:rPr lang="ko-KR" altLang="en-US" sz="1700" dirty="0" smtClean="0">
+                        <a:rPr lang="ko-KR" altLang="en-US" sz="1600" dirty="0" smtClean="0">
                           <a:latin typeface="MD이솝체" pitchFamily="18" charset="-127"/>
                           <a:ea typeface="MD이솝체" pitchFamily="18" charset="-127"/>
                         </a:rPr>
                         <a:t>결과</a:t>
                       </a:r>
-                      <a:endParaRPr lang="ko-KR" altLang="en-US" sz="1700" dirty="0">
+                      <a:endParaRPr lang="ko-KR" altLang="en-US" sz="1600" dirty="0">
                         <a:latin typeface="MD이솝체" pitchFamily="18" charset="-127"/>
                         <a:ea typeface="MD이솝체" pitchFamily="18" charset="-127"/>
                       </a:endParaRPr>
@@ -4924,20 +4910,20 @@
                     <a:p>
                       <a:pPr algn="ctr" latinLnBrk="1"/>
                       <a:r>
-                        <a:rPr lang="en-US" altLang="ko-KR" sz="1700" dirty="0" smtClean="0">
+                        <a:rPr lang="en-US" altLang="ko-KR" sz="1600" dirty="0" smtClean="0">
                           <a:latin typeface="MD이솝체" pitchFamily="18" charset="-127"/>
                           <a:ea typeface="MD이솝체" pitchFamily="18" charset="-127"/>
                         </a:rPr>
                         <a:t>1</a:t>
                       </a:r>
                       <a:r>
-                        <a:rPr lang="ko-KR" altLang="en-US" sz="1700" dirty="0" smtClean="0">
+                        <a:rPr lang="ko-KR" altLang="en-US" sz="1600" dirty="0" smtClean="0">
                           <a:latin typeface="MD이솝체" pitchFamily="18" charset="-127"/>
                           <a:ea typeface="MD이솝체" pitchFamily="18" charset="-127"/>
                         </a:rPr>
                         <a:t>주차</a:t>
                       </a:r>
-                      <a:endParaRPr lang="en-US" altLang="ko-KR" sz="1700" dirty="0" smtClean="0">
+                      <a:endParaRPr lang="en-US" altLang="ko-KR" sz="1600" dirty="0" smtClean="0">
                         <a:latin typeface="MD이솝체" pitchFamily="18" charset="-127"/>
                         <a:ea typeface="MD이솝체" pitchFamily="18" charset="-127"/>
                       </a:endParaRPr>
@@ -4952,41 +4938,41 @@
                     <a:p>
                       <a:pPr algn="l" latinLnBrk="1"/>
                       <a:r>
-                        <a:rPr lang="ko-KR" altLang="en-US" sz="1700" dirty="0" smtClean="0">
+                        <a:rPr lang="ko-KR" altLang="en-US" sz="1600" dirty="0" smtClean="0">
                           <a:latin typeface="MD이솝체" pitchFamily="18" charset="-127"/>
                           <a:ea typeface="MD이솝체" pitchFamily="18" charset="-127"/>
                         </a:rPr>
                         <a:t>리소스수집</a:t>
                       </a:r>
                       <a:r>
-                        <a:rPr lang="en-US" altLang="ko-KR" sz="1700" dirty="0" smtClean="0">
+                        <a:rPr lang="en-US" altLang="ko-KR" sz="1600" dirty="0" smtClean="0">
                           <a:latin typeface="MD이솝체" pitchFamily="18" charset="-127"/>
                           <a:ea typeface="MD이솝체" pitchFamily="18" charset="-127"/>
                         </a:rPr>
                         <a:t>, </a:t>
                       </a:r>
                       <a:r>
-                        <a:rPr lang="ko-KR" altLang="en-US" sz="1700" dirty="0" smtClean="0">
+                        <a:rPr lang="ko-KR" altLang="en-US" sz="1600" dirty="0" smtClean="0">
                           <a:latin typeface="MD이솝체" pitchFamily="18" charset="-127"/>
                           <a:ea typeface="MD이솝체" pitchFamily="18" charset="-127"/>
                         </a:rPr>
                         <a:t>사운드 수집</a:t>
                       </a:r>
                       <a:r>
-                        <a:rPr lang="en-US" altLang="ko-KR" sz="1700" dirty="0" smtClean="0">
+                        <a:rPr lang="en-US" altLang="ko-KR" sz="1600" dirty="0" smtClean="0">
                           <a:latin typeface="MD이솝체" pitchFamily="18" charset="-127"/>
                           <a:ea typeface="MD이솝체" pitchFamily="18" charset="-127"/>
                         </a:rPr>
                         <a:t>, </a:t>
                       </a:r>
                       <a:r>
-                        <a:rPr lang="ko-KR" altLang="en-US" sz="1700" dirty="0" smtClean="0">
+                        <a:rPr lang="ko-KR" altLang="en-US" sz="1600" dirty="0" smtClean="0">
                           <a:latin typeface="MD이솝체" pitchFamily="18" charset="-127"/>
                           <a:ea typeface="MD이솝체" pitchFamily="18" charset="-127"/>
                         </a:rPr>
                         <a:t>화면 구상</a:t>
                       </a:r>
-                      <a:endParaRPr lang="ko-KR" altLang="en-US" sz="1700" dirty="0">
+                      <a:endParaRPr lang="ko-KR" altLang="en-US" sz="1600" dirty="0">
                         <a:latin typeface="MD이솝체" pitchFamily="18" charset="-127"/>
                         <a:ea typeface="MD이솝체" pitchFamily="18" charset="-127"/>
                       </a:endParaRPr>
@@ -5001,41 +4987,41 @@
                     <a:p>
                       <a:pPr algn="l" latinLnBrk="1"/>
                       <a:r>
-                        <a:rPr lang="en-US" altLang="ko-KR" sz="1700" dirty="0" smtClean="0">
+                        <a:rPr lang="en-US" altLang="ko-KR" sz="1600" dirty="0" smtClean="0">
                           <a:latin typeface="MD이솝체" pitchFamily="18" charset="-127"/>
                           <a:ea typeface="MD이솝체" pitchFamily="18" charset="-127"/>
                         </a:rPr>
                         <a:t>(100%</a:t>
                       </a:r>
                       <a:r>
-                        <a:rPr lang="en-US" altLang="ko-KR" sz="1700" baseline="0" dirty="0" smtClean="0">
+                        <a:rPr lang="en-US" altLang="ko-KR" sz="1600" baseline="0" dirty="0" smtClean="0">
                           <a:latin typeface="MD이솝체" pitchFamily="18" charset="-127"/>
                           <a:ea typeface="MD이솝체" pitchFamily="18" charset="-127"/>
                         </a:rPr>
                         <a:t>) </a:t>
                       </a:r>
                       <a:r>
-                        <a:rPr lang="ko-KR" altLang="en-US" sz="1700" baseline="0" dirty="0" smtClean="0">
+                        <a:rPr lang="ko-KR" altLang="en-US" sz="1600" baseline="0" dirty="0" smtClean="0">
                           <a:latin typeface="MD이솝체" pitchFamily="18" charset="-127"/>
                           <a:ea typeface="MD이솝체" pitchFamily="18" charset="-127"/>
                         </a:rPr>
                         <a:t>캐릭터</a:t>
                       </a:r>
                       <a:r>
-                        <a:rPr lang="en-US" altLang="ko-KR" sz="1700" baseline="0" dirty="0" smtClean="0">
+                        <a:rPr lang="en-US" altLang="ko-KR" sz="1600" baseline="0" dirty="0" smtClean="0">
                           <a:latin typeface="MD이솝체" pitchFamily="18" charset="-127"/>
                           <a:ea typeface="MD이솝체" pitchFamily="18" charset="-127"/>
                         </a:rPr>
                         <a:t> </a:t>
                       </a:r>
                       <a:r>
-                        <a:rPr lang="ko-KR" altLang="en-US" sz="1700" baseline="0" dirty="0" smtClean="0">
+                        <a:rPr lang="ko-KR" altLang="en-US" sz="1600" baseline="0" dirty="0" smtClean="0">
                           <a:latin typeface="MD이솝체" pitchFamily="18" charset="-127"/>
                           <a:ea typeface="MD이솝체" pitchFamily="18" charset="-127"/>
                         </a:rPr>
                         <a:t>리소스 및 배경</a:t>
                       </a:r>
-                      <a:endParaRPr lang="en-US" altLang="ko-KR" sz="1700" dirty="0" smtClean="0">
+                      <a:endParaRPr lang="en-US" altLang="ko-KR" sz="1600" dirty="0" smtClean="0">
                         <a:latin typeface="MD이솝체" pitchFamily="18" charset="-127"/>
                         <a:ea typeface="MD이솝체" pitchFamily="18" charset="-127"/>
                       </a:endParaRPr>
@@ -5052,20 +5038,20 @@
                     <a:p>
                       <a:pPr algn="ctr" latinLnBrk="1"/>
                       <a:r>
-                        <a:rPr lang="en-US" altLang="ko-KR" sz="1700" dirty="0" smtClean="0">
+                        <a:rPr lang="en-US" altLang="ko-KR" sz="1600" dirty="0" smtClean="0">
                           <a:latin typeface="MD이솝체" pitchFamily="18" charset="-127"/>
                           <a:ea typeface="MD이솝체" pitchFamily="18" charset="-127"/>
                         </a:rPr>
                         <a:t>2</a:t>
                       </a:r>
                       <a:r>
-                        <a:rPr lang="ko-KR" altLang="en-US" sz="1700" dirty="0" smtClean="0">
+                        <a:rPr lang="ko-KR" altLang="en-US" sz="1600" dirty="0" smtClean="0">
                           <a:latin typeface="MD이솝체" pitchFamily="18" charset="-127"/>
                           <a:ea typeface="MD이솝체" pitchFamily="18" charset="-127"/>
                         </a:rPr>
                         <a:t>주차</a:t>
                       </a:r>
-                      <a:endParaRPr lang="ko-KR" altLang="en-US" sz="1700" dirty="0">
+                      <a:endParaRPr lang="ko-KR" altLang="en-US" sz="1600" dirty="0">
                         <a:latin typeface="MD이솝체" pitchFamily="18" charset="-127"/>
                         <a:ea typeface="MD이솝체" pitchFamily="18" charset="-127"/>
                       </a:endParaRPr>
@@ -5080,27 +5066,27 @@
                     <a:p>
                       <a:pPr algn="l" latinLnBrk="1"/>
                       <a:r>
-                        <a:rPr lang="ko-KR" altLang="en-US" sz="1700" dirty="0" smtClean="0">
+                        <a:rPr lang="ko-KR" altLang="en-US" sz="1600" dirty="0" smtClean="0">
                           <a:latin typeface="MD이솝체" pitchFamily="18" charset="-127"/>
                           <a:ea typeface="MD이솝체" pitchFamily="18" charset="-127"/>
                         </a:rPr>
                         <a:t>캐릭터의 움직임</a:t>
                       </a:r>
                       <a:r>
-                        <a:rPr lang="en-US" altLang="ko-KR" sz="1700" baseline="0" dirty="0" smtClean="0">
+                        <a:rPr lang="en-US" altLang="ko-KR" sz="1600" baseline="0" dirty="0" smtClean="0">
                           <a:latin typeface="MD이솝체" pitchFamily="18" charset="-127"/>
                           <a:ea typeface="MD이솝체" pitchFamily="18" charset="-127"/>
                         </a:rPr>
                         <a:t> </a:t>
                       </a:r>
                       <a:r>
-                        <a:rPr lang="ko-KR" altLang="en-US" sz="1700" baseline="0" dirty="0" smtClean="0">
+                        <a:rPr lang="ko-KR" altLang="en-US" sz="1600" baseline="0" dirty="0" smtClean="0">
                           <a:latin typeface="MD이솝체" pitchFamily="18" charset="-127"/>
                           <a:ea typeface="MD이솝체" pitchFamily="18" charset="-127"/>
                         </a:rPr>
                         <a:t>제작</a:t>
                       </a:r>
-                      <a:endParaRPr lang="ko-KR" altLang="en-US" sz="1700" dirty="0">
+                      <a:endParaRPr lang="ko-KR" altLang="en-US" sz="1600" dirty="0">
                         <a:latin typeface="MD이솝체" pitchFamily="18" charset="-127"/>
                         <a:ea typeface="MD이솝체" pitchFamily="18" charset="-127"/>
                       </a:endParaRPr>
@@ -5115,27 +5101,27 @@
                     <a:p>
                       <a:pPr algn="l" latinLnBrk="1"/>
                       <a:r>
-                        <a:rPr lang="en-US" altLang="ko-KR" sz="1700" dirty="0" smtClean="0">
+                        <a:rPr lang="en-US" altLang="ko-KR" sz="1600" dirty="0" smtClean="0">
                           <a:latin typeface="MD이솝체" pitchFamily="18" charset="-127"/>
                           <a:ea typeface="MD이솝체" pitchFamily="18" charset="-127"/>
                         </a:rPr>
                         <a:t>(100%)</a:t>
                       </a:r>
                       <a:r>
-                        <a:rPr lang="en-US" altLang="ko-KR" sz="1700" baseline="0" dirty="0" smtClean="0">
+                        <a:rPr lang="en-US" altLang="ko-KR" sz="1600" baseline="0" dirty="0" smtClean="0">
                           <a:latin typeface="MD이솝체" pitchFamily="18" charset="-127"/>
                           <a:ea typeface="MD이솝체" pitchFamily="18" charset="-127"/>
                         </a:rPr>
                         <a:t> </a:t>
                       </a:r>
                       <a:r>
-                        <a:rPr lang="ko-KR" altLang="en-US" sz="1700" dirty="0" smtClean="0">
+                        <a:rPr lang="ko-KR" altLang="en-US" sz="1600" dirty="0" smtClean="0">
                           <a:latin typeface="MD이솝체" pitchFamily="18" charset="-127"/>
                           <a:ea typeface="MD이솝체" pitchFamily="18" charset="-127"/>
                         </a:rPr>
                         <a:t>캐릭터의 움직임 제작</a:t>
                       </a:r>
-                      <a:endParaRPr lang="ko-KR" altLang="en-US" sz="1700" dirty="0">
+                      <a:endParaRPr lang="ko-KR" altLang="en-US" sz="1600" dirty="0">
                         <a:latin typeface="MD이솝체" pitchFamily="18" charset="-127"/>
                         <a:ea typeface="MD이솝체" pitchFamily="18" charset="-127"/>
                       </a:endParaRPr>
@@ -5152,20 +5138,20 @@
                     <a:p>
                       <a:pPr algn="ctr" latinLnBrk="1"/>
                       <a:r>
-                        <a:rPr lang="en-US" altLang="ko-KR" sz="1700" dirty="0" smtClean="0">
+                        <a:rPr lang="en-US" altLang="ko-KR" sz="1600" dirty="0" smtClean="0">
                           <a:latin typeface="MD이솝체" pitchFamily="18" charset="-127"/>
                           <a:ea typeface="MD이솝체" pitchFamily="18" charset="-127"/>
                         </a:rPr>
                         <a:t>3</a:t>
                       </a:r>
                       <a:r>
-                        <a:rPr lang="ko-KR" altLang="en-US" sz="1700" dirty="0" smtClean="0">
+                        <a:rPr lang="ko-KR" altLang="en-US" sz="1600" dirty="0" smtClean="0">
                           <a:latin typeface="MD이솝체" pitchFamily="18" charset="-127"/>
                           <a:ea typeface="MD이솝체" pitchFamily="18" charset="-127"/>
                         </a:rPr>
                         <a:t>주차</a:t>
                       </a:r>
-                      <a:endParaRPr lang="ko-KR" altLang="en-US" sz="1700" dirty="0">
+                      <a:endParaRPr lang="ko-KR" altLang="en-US" sz="1600" dirty="0">
                         <a:latin typeface="MD이솝체" pitchFamily="18" charset="-127"/>
                         <a:ea typeface="MD이솝체" pitchFamily="18" charset="-127"/>
                       </a:endParaRPr>
@@ -5180,20 +5166,20 @@
                     <a:p>
                       <a:pPr algn="l" latinLnBrk="1"/>
                       <a:r>
-                        <a:rPr lang="en-US" altLang="ko-KR" sz="1700" dirty="0" smtClean="0">
+                        <a:rPr lang="en-US" altLang="ko-KR" sz="1600" dirty="0" smtClean="0">
                           <a:latin typeface="MD이솝체" pitchFamily="18" charset="-127"/>
                           <a:ea typeface="MD이솝체" pitchFamily="18" charset="-127"/>
                         </a:rPr>
                         <a:t>Map</a:t>
                       </a:r>
                       <a:r>
-                        <a:rPr lang="ko-KR" altLang="en-US" sz="1700" dirty="0" smtClean="0">
+                        <a:rPr lang="ko-KR" altLang="en-US" sz="1600" dirty="0" smtClean="0">
                           <a:latin typeface="MD이솝체" pitchFamily="18" charset="-127"/>
                           <a:ea typeface="MD이솝체" pitchFamily="18" charset="-127"/>
                         </a:rPr>
                         <a:t> 장애물 제작</a:t>
                       </a:r>
-                      <a:endParaRPr lang="ko-KR" altLang="en-US" sz="1700" dirty="0">
+                      <a:endParaRPr lang="ko-KR" altLang="en-US" sz="1600" dirty="0">
                         <a:latin typeface="MD이솝체" pitchFamily="18" charset="-127"/>
                         <a:ea typeface="MD이솝체" pitchFamily="18" charset="-127"/>
                       </a:endParaRPr>
@@ -5208,27 +5194,27 @@
                     <a:p>
                       <a:pPr algn="l" latinLnBrk="1"/>
                       <a:r>
-                        <a:rPr lang="en-US" altLang="ko-KR" sz="1700" dirty="0" smtClean="0">
+                        <a:rPr lang="en-US" altLang="ko-KR" sz="1600" dirty="0" smtClean="0">
                           <a:latin typeface="MD이솝체" pitchFamily="18" charset="-127"/>
                           <a:ea typeface="MD이솝체" pitchFamily="18" charset="-127"/>
                         </a:rPr>
                         <a:t>(100%) coin </a:t>
                       </a:r>
                       <a:r>
-                        <a:rPr lang="ko-KR" altLang="en-US" sz="1700" dirty="0" smtClean="0">
+                        <a:rPr lang="ko-KR" altLang="en-US" sz="1600" dirty="0" smtClean="0">
                           <a:latin typeface="MD이솝체" pitchFamily="18" charset="-127"/>
                           <a:ea typeface="MD이솝체" pitchFamily="18" charset="-127"/>
                         </a:rPr>
                         <a:t>생성</a:t>
                       </a:r>
                       <a:r>
-                        <a:rPr lang="ko-KR" altLang="en-US" sz="1700" baseline="0" dirty="0" smtClean="0">
+                        <a:rPr lang="ko-KR" altLang="en-US" sz="1600" baseline="0" dirty="0" smtClean="0">
                           <a:latin typeface="MD이솝체" pitchFamily="18" charset="-127"/>
                           <a:ea typeface="MD이솝체" pitchFamily="18" charset="-127"/>
                         </a:rPr>
                         <a:t>방식 제작</a:t>
                       </a:r>
-                      <a:endParaRPr lang="ko-KR" altLang="en-US" sz="1700" dirty="0">
+                      <a:endParaRPr lang="ko-KR" altLang="en-US" sz="1600" dirty="0">
                         <a:latin typeface="MD이솝체" pitchFamily="18" charset="-127"/>
                         <a:ea typeface="MD이솝체" pitchFamily="18" charset="-127"/>
                       </a:endParaRPr>
@@ -5245,20 +5231,20 @@
                     <a:p>
                       <a:pPr algn="ctr" latinLnBrk="1"/>
                       <a:r>
-                        <a:rPr lang="en-US" altLang="ko-KR" sz="1700" dirty="0" smtClean="0">
+                        <a:rPr lang="en-US" altLang="ko-KR" sz="1600" dirty="0" smtClean="0">
                           <a:latin typeface="MD이솝체" pitchFamily="18" charset="-127"/>
                           <a:ea typeface="MD이솝체" pitchFamily="18" charset="-127"/>
                         </a:rPr>
                         <a:t>4</a:t>
                       </a:r>
                       <a:r>
-                        <a:rPr lang="ko-KR" altLang="en-US" sz="1700" dirty="0" smtClean="0">
+                        <a:rPr lang="ko-KR" altLang="en-US" sz="1600" dirty="0" smtClean="0">
                           <a:latin typeface="MD이솝체" pitchFamily="18" charset="-127"/>
                           <a:ea typeface="MD이솝체" pitchFamily="18" charset="-127"/>
                         </a:rPr>
                         <a:t>주차</a:t>
                       </a:r>
-                      <a:endParaRPr lang="ko-KR" altLang="en-US" sz="1700" dirty="0">
+                      <a:endParaRPr lang="ko-KR" altLang="en-US" sz="1600" dirty="0">
                         <a:latin typeface="MD이솝체" pitchFamily="18" charset="-127"/>
                         <a:ea typeface="MD이솝체" pitchFamily="18" charset="-127"/>
                       </a:endParaRPr>
@@ -5273,27 +5259,27 @@
                     <a:p>
                       <a:pPr algn="l" latinLnBrk="1"/>
                       <a:r>
-                        <a:rPr lang="ko-KR" altLang="en-US" sz="1700" dirty="0" smtClean="0">
+                        <a:rPr lang="ko-KR" altLang="en-US" sz="1600" dirty="0" smtClean="0">
                           <a:latin typeface="MD이솝체" pitchFamily="18" charset="-127"/>
                           <a:ea typeface="MD이솝체" pitchFamily="18" charset="-127"/>
                         </a:rPr>
                         <a:t>캐릭터의 움직임과 </a:t>
                       </a:r>
                       <a:r>
-                        <a:rPr lang="en-US" altLang="ko-KR" sz="1700" dirty="0" smtClean="0">
+                        <a:rPr lang="en-US" altLang="ko-KR" sz="1600" dirty="0" smtClean="0">
                           <a:latin typeface="MD이솝체" pitchFamily="18" charset="-127"/>
                           <a:ea typeface="MD이솝체" pitchFamily="18" charset="-127"/>
                         </a:rPr>
                         <a:t>Map</a:t>
                       </a:r>
                       <a:r>
-                        <a:rPr lang="ko-KR" altLang="en-US" sz="1700" dirty="0" smtClean="0">
+                        <a:rPr lang="ko-KR" altLang="en-US" sz="1600" dirty="0" smtClean="0">
                           <a:latin typeface="MD이솝체" pitchFamily="18" charset="-127"/>
                           <a:ea typeface="MD이솝체" pitchFamily="18" charset="-127"/>
                         </a:rPr>
                         <a:t> 장애물 충돌처리 및 발표 전 점검</a:t>
                       </a:r>
-                      <a:endParaRPr lang="ko-KR" altLang="en-US" sz="1700" dirty="0">
+                      <a:endParaRPr lang="ko-KR" altLang="en-US" sz="1600" dirty="0">
                         <a:latin typeface="MD이솝체" pitchFamily="18" charset="-127"/>
                         <a:ea typeface="MD이솝체" pitchFamily="18" charset="-127"/>
                       </a:endParaRPr>
@@ -5307,7 +5293,28 @@
                     <a:lstStyle/>
                     <a:p>
                       <a:pPr algn="l" latinLnBrk="1"/>
-                      <a:endParaRPr lang="ko-KR" altLang="en-US" sz="1700" dirty="0">
+                      <a:r>
+                        <a:rPr lang="en-US" altLang="ko-KR" sz="1600" dirty="0" smtClean="0">
+                          <a:latin typeface="MD이솝체" pitchFamily="18" charset="-127"/>
+                          <a:ea typeface="MD이솝체" pitchFamily="18" charset="-127"/>
+                        </a:rPr>
+                        <a:t>(100%)</a:t>
+                      </a:r>
+                      <a:r>
+                        <a:rPr lang="en-US" altLang="ko-KR" sz="1600" baseline="0" dirty="0" smtClean="0">
+                          <a:latin typeface="MD이솝체" pitchFamily="18" charset="-127"/>
+                          <a:ea typeface="MD이솝체" pitchFamily="18" charset="-127"/>
+                        </a:rPr>
+                        <a:t> coin</a:t>
+                      </a:r>
+                      <a:r>
+                        <a:rPr lang="ko-KR" altLang="en-US" sz="1600" baseline="0" dirty="0" smtClean="0">
+                          <a:latin typeface="MD이솝체" pitchFamily="18" charset="-127"/>
+                          <a:ea typeface="MD이솝체" pitchFamily="18" charset="-127"/>
+                        </a:rPr>
+                        <a:t>과 충돌체크 </a:t>
+                      </a:r>
+                      <a:endParaRPr lang="ko-KR" altLang="en-US" sz="1600" dirty="0">
                         <a:latin typeface="MD이솝체" pitchFamily="18" charset="-127"/>
                         <a:ea typeface="MD이솝체" pitchFamily="18" charset="-127"/>
                       </a:endParaRPr>
@@ -5324,20 +5331,20 @@
                     <a:p>
                       <a:pPr algn="ctr" latinLnBrk="1"/>
                       <a:r>
-                        <a:rPr lang="en-US" altLang="ko-KR" sz="1700" dirty="0" smtClean="0">
+                        <a:rPr lang="en-US" altLang="ko-KR" sz="1600" dirty="0" smtClean="0">
                           <a:latin typeface="MD이솝체" pitchFamily="18" charset="-127"/>
                           <a:ea typeface="MD이솝체" pitchFamily="18" charset="-127"/>
                         </a:rPr>
                         <a:t>5</a:t>
                       </a:r>
                       <a:r>
-                        <a:rPr lang="ko-KR" altLang="en-US" sz="1700" dirty="0" smtClean="0">
+                        <a:rPr lang="ko-KR" altLang="en-US" sz="1600" dirty="0" smtClean="0">
                           <a:latin typeface="MD이솝체" pitchFamily="18" charset="-127"/>
                           <a:ea typeface="MD이솝체" pitchFamily="18" charset="-127"/>
                         </a:rPr>
                         <a:t>주차</a:t>
                       </a:r>
-                      <a:endParaRPr lang="ko-KR" altLang="en-US" sz="1700" dirty="0">
+                      <a:endParaRPr lang="ko-KR" altLang="en-US" sz="1600" dirty="0">
                         <a:latin typeface="MD이솝체" pitchFamily="18" charset="-127"/>
                         <a:ea typeface="MD이솝체" pitchFamily="18" charset="-127"/>
                       </a:endParaRPr>
@@ -5352,27 +5359,27 @@
                     <a:p>
                       <a:pPr algn="l" latinLnBrk="1"/>
                       <a:r>
-                        <a:rPr lang="ko-KR" altLang="en-US" sz="1700" dirty="0" smtClean="0">
+                        <a:rPr lang="ko-KR" altLang="en-US" sz="1600" dirty="0" smtClean="0">
                           <a:latin typeface="MD이솝체" pitchFamily="18" charset="-127"/>
                           <a:ea typeface="MD이솝체" pitchFamily="18" charset="-127"/>
                         </a:rPr>
                         <a:t>프로젝트 </a:t>
                       </a:r>
                       <a:r>
-                        <a:rPr lang="en-US" altLang="ko-KR" sz="1700" dirty="0" smtClean="0">
+                        <a:rPr lang="en-US" altLang="ko-KR" sz="1600" dirty="0" smtClean="0">
                           <a:latin typeface="MD이솝체" pitchFamily="18" charset="-127"/>
                           <a:ea typeface="MD이솝체" pitchFamily="18" charset="-127"/>
                         </a:rPr>
                         <a:t>2</a:t>
                       </a:r>
                       <a:r>
-                        <a:rPr lang="ko-KR" altLang="en-US" sz="1700" dirty="0" smtClean="0">
+                        <a:rPr lang="ko-KR" altLang="en-US" sz="1600" dirty="0" smtClean="0">
                           <a:latin typeface="MD이솝체" pitchFamily="18" charset="-127"/>
                           <a:ea typeface="MD이솝체" pitchFamily="18" charset="-127"/>
                         </a:rPr>
                         <a:t>차 발표 제작</a:t>
                       </a:r>
-                      <a:endParaRPr lang="ko-KR" altLang="en-US" sz="1700" dirty="0">
+                      <a:endParaRPr lang="ko-KR" altLang="en-US" sz="1600" dirty="0">
                         <a:latin typeface="MD이솝체" pitchFamily="18" charset="-127"/>
                         <a:ea typeface="MD이솝체" pitchFamily="18" charset="-127"/>
                       </a:endParaRPr>
@@ -5386,7 +5393,35 @@
                     <a:lstStyle/>
                     <a:p>
                       <a:pPr algn="l" latinLnBrk="1"/>
-                      <a:endParaRPr lang="ko-KR" altLang="en-US" sz="1700" dirty="0">
+                      <a:r>
+                        <a:rPr lang="en-US" altLang="ko-KR" sz="1600" dirty="0" smtClean="0">
+                          <a:latin typeface="MD이솝체" pitchFamily="18" charset="-127"/>
+                          <a:ea typeface="MD이솝체" pitchFamily="18" charset="-127"/>
+                        </a:rPr>
+                        <a:t>(100%) </a:t>
+                      </a:r>
+                      <a:r>
+                        <a:rPr lang="ko-KR" altLang="en-US" sz="1600" dirty="0" smtClean="0">
+                          <a:latin typeface="MD이솝체" pitchFamily="18" charset="-127"/>
+                          <a:ea typeface="MD이솝체" pitchFamily="18" charset="-127"/>
+                        </a:rPr>
+                        <a:t>발표 </a:t>
+                      </a:r>
+                      <a:r>
+                        <a:rPr lang="ko-KR" altLang="en-US" sz="1600" dirty="0" err="1" smtClean="0">
+                          <a:latin typeface="MD이솝체" pitchFamily="18" charset="-127"/>
+                          <a:ea typeface="MD이솝체" pitchFamily="18" charset="-127"/>
+                        </a:rPr>
+                        <a:t>영상및</a:t>
+                      </a:r>
+                      <a:r>
+                        <a:rPr lang="ko-KR" altLang="en-US" sz="1600" dirty="0" smtClean="0">
+                          <a:latin typeface="MD이솝체" pitchFamily="18" charset="-127"/>
+                          <a:ea typeface="MD이솝체" pitchFamily="18" charset="-127"/>
+                        </a:rPr>
+                        <a:t> 발표자료 준비</a:t>
+                      </a:r>
+                      <a:endParaRPr lang="ko-KR" altLang="en-US" sz="1600" dirty="0">
                         <a:latin typeface="MD이솝체" pitchFamily="18" charset="-127"/>
                         <a:ea typeface="MD이솝체" pitchFamily="18" charset="-127"/>
                       </a:endParaRPr>
@@ -5403,20 +5438,20 @@
                     <a:p>
                       <a:pPr algn="ctr" latinLnBrk="1"/>
                       <a:r>
-                        <a:rPr lang="en-US" altLang="ko-KR" sz="1700" dirty="0" smtClean="0">
+                        <a:rPr lang="en-US" altLang="ko-KR" sz="1600" dirty="0" smtClean="0">
                           <a:latin typeface="MD이솝체" pitchFamily="18" charset="-127"/>
                           <a:ea typeface="MD이솝체" pitchFamily="18" charset="-127"/>
                         </a:rPr>
                         <a:t>6</a:t>
                       </a:r>
                       <a:r>
-                        <a:rPr lang="ko-KR" altLang="en-US" sz="1700" dirty="0" smtClean="0">
+                        <a:rPr lang="ko-KR" altLang="en-US" sz="1600" dirty="0" smtClean="0">
                           <a:latin typeface="MD이솝체" pitchFamily="18" charset="-127"/>
                           <a:ea typeface="MD이솝체" pitchFamily="18" charset="-127"/>
                         </a:rPr>
                         <a:t>주차</a:t>
                       </a:r>
-                      <a:endParaRPr lang="ko-KR" altLang="en-US" sz="1700" dirty="0">
+                      <a:endParaRPr lang="ko-KR" altLang="en-US" sz="1600" dirty="0">
                         <a:latin typeface="MD이솝체" pitchFamily="18" charset="-127"/>
                         <a:ea typeface="MD이솝체" pitchFamily="18" charset="-127"/>
                       </a:endParaRPr>
@@ -5431,21 +5466,21 @@
                     <a:p>
                       <a:pPr algn="l" latinLnBrk="1"/>
                       <a:r>
-                        <a:rPr lang="ko-KR" altLang="en-US" sz="1700" dirty="0" smtClean="0">
+                        <a:rPr lang="ko-KR" altLang="en-US" sz="1600" dirty="0" smtClean="0">
                           <a:latin typeface="MD이솝체" pitchFamily="18" charset="-127"/>
                           <a:ea typeface="MD이솝체" pitchFamily="18" charset="-127"/>
                         </a:rPr>
                         <a:t>게임 진행 중간에 나오는</a:t>
                       </a:r>
                       <a:r>
-                        <a:rPr lang="ko-KR" altLang="en-US" sz="1700" baseline="0" dirty="0" smtClean="0">
+                        <a:rPr lang="ko-KR" altLang="en-US" sz="1600" baseline="0" dirty="0" smtClean="0">
                           <a:latin typeface="MD이솝체" pitchFamily="18" charset="-127"/>
                           <a:ea typeface="MD이솝체" pitchFamily="18" charset="-127"/>
                         </a:rPr>
                         <a:t> </a:t>
                       </a:r>
                       <a:r>
-                        <a:rPr lang="en-US" altLang="ko-KR" sz="1700" baseline="0" dirty="0" smtClean="0">
+                        <a:rPr lang="en-US" altLang="ko-KR" sz="1600" baseline="0" dirty="0" smtClean="0">
                           <a:latin typeface="MD이솝체" pitchFamily="18" charset="-127"/>
                           <a:ea typeface="MD이솝체" pitchFamily="18" charset="-127"/>
                         </a:rPr>
@@ -5455,20 +5490,13 @@
                     <a:p>
                       <a:pPr algn="l" latinLnBrk="1"/>
                       <a:r>
-                        <a:rPr lang="ko-KR" altLang="en-US" sz="1700" dirty="0" smtClean="0">
-                          <a:latin typeface="MD이솝체" pitchFamily="18" charset="-127"/>
-                          <a:ea typeface="MD이솝체" pitchFamily="18" charset="-127"/>
-                        </a:rPr>
-                        <a:t> </a:t>
-                      </a:r>
-                      <a:r>
-                        <a:rPr lang="ko-KR" altLang="en-US" sz="1700" dirty="0" smtClean="0">
-                          <a:latin typeface="MD이솝체" pitchFamily="18" charset="-127"/>
-                          <a:ea typeface="MD이솝체" pitchFamily="18" charset="-127"/>
-                        </a:rPr>
-                        <a:t>제작</a:t>
-                      </a:r>
-                      <a:endParaRPr lang="ko-KR" altLang="en-US" sz="1700" dirty="0">
+                        <a:rPr lang="ko-KR" altLang="en-US" sz="1600" dirty="0" smtClean="0">
+                          <a:latin typeface="MD이솝체" pitchFamily="18" charset="-127"/>
+                          <a:ea typeface="MD이솝체" pitchFamily="18" charset="-127"/>
+                        </a:rPr>
+                        <a:t> 제작</a:t>
+                      </a:r>
+                      <a:endParaRPr lang="ko-KR" altLang="en-US" sz="1600" dirty="0">
                         <a:latin typeface="MD이솝체" pitchFamily="18" charset="-127"/>
                         <a:ea typeface="MD이솝체" pitchFamily="18" charset="-127"/>
                       </a:endParaRPr>
@@ -5482,7 +5510,21 @@
                     <a:lstStyle/>
                     <a:p>
                       <a:pPr algn="l" latinLnBrk="1"/>
-                      <a:endParaRPr lang="ko-KR" altLang="en-US" sz="1700" dirty="0">
+                      <a:r>
+                        <a:rPr lang="en-US" altLang="ko-KR" sz="1600" dirty="0" smtClean="0">
+                          <a:latin typeface="MD이솝체" pitchFamily="18" charset="-127"/>
+                          <a:ea typeface="MD이솝체" pitchFamily="18" charset="-127"/>
+                        </a:rPr>
+                        <a:t>(100%) monster </a:t>
+                      </a:r>
+                      <a:r>
+                        <a:rPr lang="ko-KR" altLang="en-US" sz="1600" dirty="0" smtClean="0">
+                          <a:latin typeface="MD이솝체" pitchFamily="18" charset="-127"/>
+                          <a:ea typeface="MD이솝체" pitchFamily="18" charset="-127"/>
+                        </a:rPr>
+                        <a:t>제작</a:t>
+                      </a:r>
+                      <a:endParaRPr lang="ko-KR" altLang="en-US" sz="1600" dirty="0">
                         <a:latin typeface="MD이솝체" pitchFamily="18" charset="-127"/>
                         <a:ea typeface="MD이솝체" pitchFamily="18" charset="-127"/>
                       </a:endParaRPr>
@@ -5499,20 +5541,20 @@
                     <a:p>
                       <a:pPr algn="ctr" latinLnBrk="1"/>
                       <a:r>
-                        <a:rPr lang="en-US" altLang="ko-KR" sz="1700" dirty="0" smtClean="0">
+                        <a:rPr lang="en-US" altLang="ko-KR" sz="1600" dirty="0" smtClean="0">
                           <a:latin typeface="MD이솝체" pitchFamily="18" charset="-127"/>
                           <a:ea typeface="MD이솝체" pitchFamily="18" charset="-127"/>
                         </a:rPr>
                         <a:t>7</a:t>
                       </a:r>
                       <a:r>
-                        <a:rPr lang="ko-KR" altLang="en-US" sz="1700" dirty="0" smtClean="0">
+                        <a:rPr lang="ko-KR" altLang="en-US" sz="1600" dirty="0" smtClean="0">
                           <a:latin typeface="MD이솝체" pitchFamily="18" charset="-127"/>
                           <a:ea typeface="MD이솝체" pitchFamily="18" charset="-127"/>
                         </a:rPr>
                         <a:t>주차</a:t>
                       </a:r>
-                      <a:endParaRPr lang="ko-KR" altLang="en-US" sz="1700" dirty="0">
+                      <a:endParaRPr lang="ko-KR" altLang="en-US" sz="1600" dirty="0">
                         <a:latin typeface="MD이솝체" pitchFamily="18" charset="-127"/>
                         <a:ea typeface="MD이솝체" pitchFamily="18" charset="-127"/>
                       </a:endParaRPr>
@@ -5543,27 +5585,27 @@
                         <a:defRPr/>
                       </a:pPr>
                       <a:r>
-                        <a:rPr lang="ko-KR" altLang="en-US" sz="1700" dirty="0" smtClean="0">
+                        <a:rPr lang="ko-KR" altLang="en-US" sz="1600" dirty="0" smtClean="0">
                           <a:latin typeface="MD이솝체" pitchFamily="18" charset="-127"/>
                           <a:ea typeface="MD이솝체" pitchFamily="18" charset="-127"/>
                         </a:rPr>
                         <a:t>캐릭터의 공격 제작 및 </a:t>
                       </a:r>
                       <a:r>
-                        <a:rPr lang="en-US" altLang="ko-KR" sz="1700" dirty="0" smtClean="0">
+                        <a:rPr lang="en-US" altLang="ko-KR" sz="1600" dirty="0" smtClean="0">
                           <a:latin typeface="MD이솝체" pitchFamily="18" charset="-127"/>
                           <a:ea typeface="MD이솝체" pitchFamily="18" charset="-127"/>
                         </a:rPr>
                         <a:t>Monster</a:t>
                       </a:r>
                       <a:r>
-                        <a:rPr lang="ko-KR" altLang="en-US" sz="1700" dirty="0" smtClean="0">
+                        <a:rPr lang="ko-KR" altLang="en-US" sz="1600" dirty="0" smtClean="0">
                           <a:latin typeface="MD이솝체" pitchFamily="18" charset="-127"/>
                           <a:ea typeface="MD이솝체" pitchFamily="18" charset="-127"/>
                         </a:rPr>
                         <a:t>와</a:t>
                       </a:r>
-                      <a:endParaRPr lang="en-US" altLang="ko-KR" sz="1700" dirty="0" smtClean="0">
+                      <a:endParaRPr lang="en-US" altLang="ko-KR" sz="1600" dirty="0" smtClean="0">
                         <a:latin typeface="MD이솝체" pitchFamily="18" charset="-127"/>
                         <a:ea typeface="MD이솝체" pitchFamily="18" charset="-127"/>
                       </a:endParaRPr>
@@ -5587,18 +5629,11 @@
                         <a:defRPr/>
                       </a:pPr>
                       <a:r>
-                        <a:rPr lang="ko-KR" altLang="en-US" sz="1700" dirty="0" smtClean="0">
-                          <a:latin typeface="MD이솝체" pitchFamily="18" charset="-127"/>
-                          <a:ea typeface="MD이솝체" pitchFamily="18" charset="-127"/>
-                        </a:rPr>
-                        <a:t> </a:t>
-                      </a:r>
-                      <a:r>
-                        <a:rPr lang="ko-KR" altLang="en-US" sz="1700" dirty="0" smtClean="0">
-                          <a:latin typeface="MD이솝체" pitchFamily="18" charset="-127"/>
-                          <a:ea typeface="MD이솝체" pitchFamily="18" charset="-127"/>
-                        </a:rPr>
-                        <a:t>캐릭터의 충돌처리 </a:t>
+                        <a:rPr lang="ko-KR" altLang="en-US" sz="1600" dirty="0" smtClean="0">
+                          <a:latin typeface="MD이솝체" pitchFamily="18" charset="-127"/>
+                          <a:ea typeface="MD이솝체" pitchFamily="18" charset="-127"/>
+                        </a:rPr>
+                        <a:t> 캐릭터의 충돌처리 </a:t>
                       </a:r>
                     </a:p>
                   </a:txBody>
@@ -5626,7 +5661,58 @@
                         <a:tabLst/>
                         <a:defRPr/>
                       </a:pPr>
-                      <a:endParaRPr lang="ko-KR" altLang="en-US" sz="1700" dirty="0" smtClean="0">
+                      <a:r>
+                        <a:rPr lang="en-US" altLang="ko-KR" sz="1600" dirty="0" smtClean="0">
+                          <a:latin typeface="MD이솝체" pitchFamily="18" charset="-127"/>
+                          <a:ea typeface="MD이솝체" pitchFamily="18" charset="-127"/>
+                        </a:rPr>
+                        <a:t>(100%)</a:t>
+                      </a:r>
+                      <a:r>
+                        <a:rPr lang="en-US" altLang="ko-KR" sz="1600" baseline="0" dirty="0" smtClean="0">
+                          <a:latin typeface="MD이솝체" pitchFamily="18" charset="-127"/>
+                          <a:ea typeface="MD이솝체" pitchFamily="18" charset="-127"/>
+                        </a:rPr>
+                        <a:t> monster</a:t>
+                      </a:r>
+                      <a:r>
+                        <a:rPr lang="ko-KR" altLang="en-US" sz="1600" baseline="0" dirty="0" smtClean="0">
+                          <a:latin typeface="MD이솝체" pitchFamily="18" charset="-127"/>
+                          <a:ea typeface="MD이솝체" pitchFamily="18" charset="-127"/>
+                        </a:rPr>
+                        <a:t>와 충돌처리</a:t>
+                      </a:r>
+                      <a:endParaRPr lang="en-US" altLang="ko-KR" sz="1600" baseline="0" dirty="0" smtClean="0">
+                        <a:latin typeface="MD이솝체" pitchFamily="18" charset="-127"/>
+                        <a:ea typeface="MD이솝체" pitchFamily="18" charset="-127"/>
+                      </a:endParaRPr>
+                    </a:p>
+                    <a:p>
+                      <a:pPr marL="0" marR="0" indent="0" algn="l" defTabSz="914400" rtl="0" eaLnBrk="1" fontAlgn="auto" latinLnBrk="1" hangingPunct="1">
+                        <a:lnSpc>
+                          <a:spcPct val="100000"/>
+                        </a:lnSpc>
+                        <a:spcBef>
+                          <a:spcPts val="0"/>
+                        </a:spcBef>
+                        <a:spcAft>
+                          <a:spcPts val="0"/>
+                        </a:spcAft>
+                        <a:buClrTx/>
+                        <a:buSzTx/>
+                        <a:buFontTx/>
+                        <a:buNone/>
+                        <a:tabLst/>
+                        <a:defRPr/>
+                      </a:pPr>
+                      <a:r>
+                        <a:rPr lang="ko-KR" altLang="en-US" sz="1600" baseline="0" dirty="0" smtClean="0">
+                          <a:latin typeface="MD이솝체" pitchFamily="18" charset="-127"/>
+                          <a:ea typeface="MD이솝체" pitchFamily="18" charset="-127"/>
+                        </a:rPr>
+                        <a:t>플레이어 총알 구현 완료</a:t>
+                      </a:r>
+                      <a:endParaRPr lang="ko-KR" altLang="en-US" sz="1600" dirty="0" smtClean="0">
                         <a:latin typeface="MD이솝체" pitchFamily="18" charset="-127"/>
                         <a:ea typeface="MD이솝체" pitchFamily="18" charset="-127"/>
                       </a:endParaRPr>
@@ -5643,20 +5729,20 @@
                     <a:p>
                       <a:pPr algn="ctr" latinLnBrk="1"/>
                       <a:r>
-                        <a:rPr lang="en-US" altLang="ko-KR" sz="1700" dirty="0" smtClean="0">
+                        <a:rPr lang="en-US" altLang="ko-KR" sz="1600" dirty="0" smtClean="0">
                           <a:latin typeface="MD이솝체" pitchFamily="18" charset="-127"/>
                           <a:ea typeface="MD이솝체" pitchFamily="18" charset="-127"/>
                         </a:rPr>
                         <a:t>8</a:t>
                       </a:r>
                       <a:r>
-                        <a:rPr lang="ko-KR" altLang="en-US" sz="1700" dirty="0" smtClean="0">
+                        <a:rPr lang="ko-KR" altLang="en-US" sz="1600" dirty="0" smtClean="0">
                           <a:latin typeface="MD이솝체" pitchFamily="18" charset="-127"/>
                           <a:ea typeface="MD이솝체" pitchFamily="18" charset="-127"/>
                         </a:rPr>
                         <a:t>주차</a:t>
                       </a:r>
-                      <a:endParaRPr lang="ko-KR" altLang="en-US" sz="1700" dirty="0">
+                      <a:endParaRPr lang="ko-KR" altLang="en-US" sz="1600" dirty="0">
                         <a:latin typeface="MD이솝체" pitchFamily="18" charset="-127"/>
                         <a:ea typeface="MD이솝체" pitchFamily="18" charset="-127"/>
                       </a:endParaRPr>
@@ -5671,20 +5757,20 @@
                     <a:p>
                       <a:pPr algn="l" latinLnBrk="1"/>
                       <a:r>
-                        <a:rPr lang="en-US" altLang="ko-KR" sz="1700" dirty="0" smtClean="0">
+                        <a:rPr lang="en-US" altLang="ko-KR" sz="1600" dirty="0" smtClean="0">
                           <a:latin typeface="MD이솝체" pitchFamily="18" charset="-127"/>
                           <a:ea typeface="MD이솝체" pitchFamily="18" charset="-127"/>
                         </a:rPr>
                         <a:t>Boss </a:t>
                       </a:r>
                       <a:r>
-                        <a:rPr lang="ko-KR" altLang="en-US" sz="1700" dirty="0" smtClean="0">
+                        <a:rPr lang="ko-KR" altLang="en-US" sz="1600" dirty="0" smtClean="0">
                           <a:latin typeface="MD이솝체" pitchFamily="18" charset="-127"/>
                           <a:ea typeface="MD이솝체" pitchFamily="18" charset="-127"/>
                         </a:rPr>
                         <a:t>제작 및 충돌처리</a:t>
                       </a:r>
-                      <a:endParaRPr lang="ko-KR" altLang="en-US" sz="1700" dirty="0">
+                      <a:endParaRPr lang="ko-KR" altLang="en-US" sz="1600" dirty="0">
                         <a:latin typeface="MD이솝체" pitchFamily="18" charset="-127"/>
                         <a:ea typeface="MD이솝체" pitchFamily="18" charset="-127"/>
                       </a:endParaRPr>
@@ -5698,7 +5784,28 @@
                     <a:lstStyle/>
                     <a:p>
                       <a:pPr algn="l" latinLnBrk="1"/>
-                      <a:endParaRPr lang="ko-KR" altLang="en-US" sz="1700" dirty="0">
+                      <a:r>
+                        <a:rPr lang="en-US" altLang="ko-KR" sz="1600" dirty="0" smtClean="0">
+                          <a:latin typeface="MD이솝체" pitchFamily="18" charset="-127"/>
+                          <a:ea typeface="MD이솝체" pitchFamily="18" charset="-127"/>
+                        </a:rPr>
+                        <a:t>(100%) boss</a:t>
+                      </a:r>
+                      <a:r>
+                        <a:rPr lang="en-US" altLang="ko-KR" sz="1600" baseline="0" dirty="0" smtClean="0">
+                          <a:latin typeface="MD이솝체" pitchFamily="18" charset="-127"/>
+                          <a:ea typeface="MD이솝체" pitchFamily="18" charset="-127"/>
+                        </a:rPr>
+                        <a:t> </a:t>
+                      </a:r>
+                      <a:r>
+                        <a:rPr lang="ko-KR" altLang="en-US" sz="1600" baseline="0" dirty="0" smtClean="0">
+                          <a:latin typeface="MD이솝체" pitchFamily="18" charset="-127"/>
+                          <a:ea typeface="MD이솝체" pitchFamily="18" charset="-127"/>
+                        </a:rPr>
+                        <a:t>구현</a:t>
+                      </a:r>
+                      <a:endParaRPr lang="ko-KR" altLang="en-US" sz="1600" dirty="0">
                         <a:latin typeface="MD이솝체" pitchFamily="18" charset="-127"/>
                         <a:ea typeface="MD이솝체" pitchFamily="18" charset="-127"/>
                       </a:endParaRPr>
@@ -5715,20 +5822,20 @@
                     <a:p>
                       <a:pPr algn="ctr" latinLnBrk="1"/>
                       <a:r>
-                        <a:rPr lang="en-US" altLang="ko-KR" sz="1700" dirty="0" smtClean="0">
+                        <a:rPr lang="en-US" altLang="ko-KR" sz="1600" dirty="0" smtClean="0">
                           <a:latin typeface="MD이솝체" pitchFamily="18" charset="-127"/>
                           <a:ea typeface="MD이솝체" pitchFamily="18" charset="-127"/>
                         </a:rPr>
                         <a:t>9</a:t>
                       </a:r>
                       <a:r>
-                        <a:rPr lang="ko-KR" altLang="en-US" sz="1700" dirty="0" smtClean="0">
+                        <a:rPr lang="ko-KR" altLang="en-US" sz="1600" dirty="0" smtClean="0">
                           <a:latin typeface="MD이솝체" pitchFamily="18" charset="-127"/>
                           <a:ea typeface="MD이솝체" pitchFamily="18" charset="-127"/>
                         </a:rPr>
                         <a:t>주차</a:t>
                       </a:r>
-                      <a:endParaRPr lang="ko-KR" altLang="en-US" sz="1700" dirty="0">
+                      <a:endParaRPr lang="ko-KR" altLang="en-US" sz="1600" dirty="0">
                         <a:latin typeface="MD이솝체" pitchFamily="18" charset="-127"/>
                         <a:ea typeface="MD이솝체" pitchFamily="18" charset="-127"/>
                       </a:endParaRPr>
@@ -5743,34 +5850,34 @@
                     <a:p>
                       <a:pPr algn="l" latinLnBrk="1"/>
                       <a:r>
-                        <a:rPr lang="ko-KR" altLang="en-US" sz="1700" dirty="0" smtClean="0">
+                        <a:rPr lang="ko-KR" altLang="en-US" sz="1600" dirty="0" smtClean="0">
                           <a:latin typeface="MD이솝체" pitchFamily="18" charset="-127"/>
                           <a:ea typeface="MD이솝체" pitchFamily="18" charset="-127"/>
                         </a:rPr>
                         <a:t>사운드</a:t>
                       </a:r>
                       <a:r>
-                        <a:rPr lang="en-US" altLang="ko-KR" sz="1700" dirty="0" smtClean="0">
+                        <a:rPr lang="en-US" altLang="ko-KR" sz="1600" dirty="0" smtClean="0">
                           <a:latin typeface="MD이솝체" pitchFamily="18" charset="-127"/>
                           <a:ea typeface="MD이솝체" pitchFamily="18" charset="-127"/>
                         </a:rPr>
                         <a:t>,</a:t>
                       </a:r>
                       <a:r>
-                        <a:rPr lang="en-US" altLang="ko-KR" sz="1700" baseline="0" dirty="0" smtClean="0">
+                        <a:rPr lang="en-US" altLang="ko-KR" sz="1600" baseline="0" dirty="0" smtClean="0">
                           <a:latin typeface="MD이솝체" pitchFamily="18" charset="-127"/>
                           <a:ea typeface="MD이솝체" pitchFamily="18" charset="-127"/>
                         </a:rPr>
                         <a:t> </a:t>
                       </a:r>
                       <a:r>
-                        <a:rPr lang="ko-KR" altLang="en-US" sz="1700" baseline="0" dirty="0" smtClean="0">
+                        <a:rPr lang="ko-KR" altLang="en-US" sz="1600" baseline="0" dirty="0" smtClean="0">
                           <a:latin typeface="MD이솝체" pitchFamily="18" charset="-127"/>
                           <a:ea typeface="MD이솝체" pitchFamily="18" charset="-127"/>
                         </a:rPr>
                         <a:t>시작 화면 제작</a:t>
                       </a:r>
-                      <a:endParaRPr lang="ko-KR" altLang="en-US" sz="1700" dirty="0">
+                      <a:endParaRPr lang="ko-KR" altLang="en-US" sz="1600" dirty="0">
                         <a:latin typeface="MD이솝체" pitchFamily="18" charset="-127"/>
                         <a:ea typeface="MD이솝체" pitchFamily="18" charset="-127"/>
                       </a:endParaRPr>
@@ -5784,7 +5891,21 @@
                     <a:lstStyle/>
                     <a:p>
                       <a:pPr algn="l" latinLnBrk="1"/>
-                      <a:endParaRPr lang="ko-KR" altLang="en-US" sz="1700" dirty="0">
+                      <a:r>
+                        <a:rPr lang="en-US" altLang="ko-KR" sz="1600" dirty="0" smtClean="0">
+                          <a:latin typeface="MD이솝체" pitchFamily="18" charset="-127"/>
+                          <a:ea typeface="MD이솝체" pitchFamily="18" charset="-127"/>
+                        </a:rPr>
+                        <a:t>(100%) </a:t>
+                      </a:r>
+                      <a:r>
+                        <a:rPr lang="ko-KR" altLang="en-US" sz="1600" dirty="0" smtClean="0">
+                          <a:latin typeface="MD이솝체" pitchFamily="18" charset="-127"/>
+                          <a:ea typeface="MD이솝체" pitchFamily="18" charset="-127"/>
+                        </a:rPr>
+                        <a:t>사운드 삽입 및 시작 화면 제작완료</a:t>
+                      </a:r>
+                      <a:endParaRPr lang="ko-KR" altLang="en-US" sz="1600" dirty="0">
                         <a:latin typeface="MD이솝체" pitchFamily="18" charset="-127"/>
                         <a:ea typeface="MD이솝체" pitchFamily="18" charset="-127"/>
                       </a:endParaRPr>
@@ -5801,20 +5922,20 @@
                     <a:p>
                       <a:pPr algn="ctr" latinLnBrk="1"/>
                       <a:r>
-                        <a:rPr lang="en-US" altLang="ko-KR" sz="1700" dirty="0" smtClean="0">
+                        <a:rPr lang="en-US" altLang="ko-KR" sz="1600" dirty="0" smtClean="0">
                           <a:latin typeface="MD이솝체" pitchFamily="18" charset="-127"/>
                           <a:ea typeface="MD이솝체" pitchFamily="18" charset="-127"/>
                         </a:rPr>
                         <a:t>10</a:t>
                       </a:r>
                       <a:r>
-                        <a:rPr lang="ko-KR" altLang="en-US" sz="1700" dirty="0" smtClean="0">
+                        <a:rPr lang="ko-KR" altLang="en-US" sz="1600" dirty="0" smtClean="0">
                           <a:latin typeface="MD이솝체" pitchFamily="18" charset="-127"/>
                           <a:ea typeface="MD이솝체" pitchFamily="18" charset="-127"/>
                         </a:rPr>
                         <a:t>주차</a:t>
                       </a:r>
-                      <a:endParaRPr lang="ko-KR" altLang="en-US" sz="1700" dirty="0">
+                      <a:endParaRPr lang="ko-KR" altLang="en-US" sz="1600" dirty="0">
                         <a:latin typeface="MD이솝체" pitchFamily="18" charset="-127"/>
                         <a:ea typeface="MD이솝체" pitchFamily="18" charset="-127"/>
                       </a:endParaRPr>
@@ -5829,20 +5950,13 @@
                     <a:p>
                       <a:pPr algn="l" latinLnBrk="1"/>
                       <a:r>
-                        <a:rPr lang="ko-KR" altLang="en-US" sz="1700" dirty="0" smtClean="0">
-                          <a:latin typeface="MD이솝체" pitchFamily="18" charset="-127"/>
-                          <a:ea typeface="MD이솝체" pitchFamily="18" charset="-127"/>
-                        </a:rPr>
-                        <a:t>프로젝트 최종 발표 준비 </a:t>
-                      </a:r>
-                      <a:r>
-                        <a:rPr lang="ko-KR" altLang="en-US" sz="1700" dirty="0" smtClean="0">
-                          <a:latin typeface="MD이솝체" pitchFamily="18" charset="-127"/>
-                          <a:ea typeface="MD이솝체" pitchFamily="18" charset="-127"/>
-                        </a:rPr>
-                        <a:t>및</a:t>
-                      </a:r>
-                      <a:endParaRPr lang="en-US" altLang="ko-KR" sz="1700" dirty="0" smtClean="0">
+                        <a:rPr lang="ko-KR" altLang="en-US" sz="1600" dirty="0" smtClean="0">
+                          <a:latin typeface="MD이솝체" pitchFamily="18" charset="-127"/>
+                          <a:ea typeface="MD이솝체" pitchFamily="18" charset="-127"/>
+                        </a:rPr>
+                        <a:t>프로젝트 최종 발표 준비 및</a:t>
+                      </a:r>
+                      <a:endParaRPr lang="en-US" altLang="ko-KR" sz="1600" dirty="0" smtClean="0">
                         <a:latin typeface="MD이솝체" pitchFamily="18" charset="-127"/>
                         <a:ea typeface="MD이솝체" pitchFamily="18" charset="-127"/>
                       </a:endParaRPr>
@@ -5850,27 +5964,27 @@
                     <a:p>
                       <a:pPr algn="l" latinLnBrk="1"/>
                       <a:r>
-                        <a:rPr lang="ko-KR" altLang="en-US" sz="1700" dirty="0" smtClean="0">
+                        <a:rPr lang="ko-KR" altLang="en-US" sz="1600" dirty="0" smtClean="0">
                           <a:latin typeface="MD이솝체" pitchFamily="18" charset="-127"/>
                           <a:ea typeface="MD이솝체" pitchFamily="18" charset="-127"/>
                         </a:rPr>
                         <a:t> 최종</a:t>
                       </a:r>
                       <a:r>
-                        <a:rPr lang="en-US" altLang="ko-KR" sz="1700" baseline="0" dirty="0" smtClean="0">
+                        <a:rPr lang="en-US" altLang="ko-KR" sz="1600" baseline="0" dirty="0" smtClean="0">
                           <a:latin typeface="MD이솝체" pitchFamily="18" charset="-127"/>
                           <a:ea typeface="MD이솝체" pitchFamily="18" charset="-127"/>
                         </a:rPr>
                         <a:t> </a:t>
                       </a:r>
                       <a:r>
-                        <a:rPr lang="ko-KR" altLang="en-US" sz="1700" dirty="0" smtClean="0">
+                        <a:rPr lang="ko-KR" altLang="en-US" sz="1600" dirty="0" smtClean="0">
                           <a:latin typeface="MD이솝체" pitchFamily="18" charset="-127"/>
                           <a:ea typeface="MD이솝체" pitchFamily="18" charset="-127"/>
                         </a:rPr>
                         <a:t>점검</a:t>
                       </a:r>
-                      <a:endParaRPr lang="ko-KR" altLang="en-US" sz="1700" dirty="0">
+                      <a:endParaRPr lang="ko-KR" altLang="en-US" sz="1600" dirty="0">
                         <a:latin typeface="MD이솝체" pitchFamily="18" charset="-127"/>
                         <a:ea typeface="MD이솝체" pitchFamily="18" charset="-127"/>
                       </a:endParaRPr>
@@ -5884,7 +5998,42 @@
                     <a:lstStyle/>
                     <a:p>
                       <a:pPr algn="l" latinLnBrk="1"/>
-                      <a:endParaRPr lang="ko-KR" altLang="en-US" sz="1700" dirty="0">
+                      <a:r>
+                        <a:rPr lang="en-US" altLang="ko-KR" sz="1600" dirty="0" smtClean="0">
+                          <a:latin typeface="MD이솝체" pitchFamily="18" charset="-127"/>
+                          <a:ea typeface="MD이솝체" pitchFamily="18" charset="-127"/>
+                        </a:rPr>
+                        <a:t>(100%)</a:t>
+                      </a:r>
+                      <a:r>
+                        <a:rPr lang="en-US" altLang="ko-KR" sz="1600" baseline="0" dirty="0" smtClean="0">
+                          <a:latin typeface="MD이솝체" pitchFamily="18" charset="-127"/>
+                          <a:ea typeface="MD이솝체" pitchFamily="18" charset="-127"/>
+                        </a:rPr>
+                        <a:t> boss </a:t>
+                      </a:r>
+                      <a:r>
+                        <a:rPr lang="ko-KR" altLang="en-US" sz="1600" baseline="0" dirty="0" smtClean="0">
+                          <a:latin typeface="MD이솝체" pitchFamily="18" charset="-127"/>
+                          <a:ea typeface="MD이솝체" pitchFamily="18" charset="-127"/>
+                        </a:rPr>
+                        <a:t>공격 구현 및 </a:t>
+                      </a:r>
+                      <a:endParaRPr lang="en-US" altLang="ko-KR" sz="1600" baseline="0" dirty="0" smtClean="0">
+                        <a:latin typeface="MD이솝체" pitchFamily="18" charset="-127"/>
+                        <a:ea typeface="MD이솝체" pitchFamily="18" charset="-127"/>
+                      </a:endParaRPr>
+                    </a:p>
+                    <a:p>
+                      <a:pPr algn="l" latinLnBrk="1"/>
+                      <a:r>
+                        <a:rPr lang="ko-KR" altLang="en-US" sz="1600" baseline="0" dirty="0" smtClean="0">
+                          <a:latin typeface="MD이솝체" pitchFamily="18" charset="-127"/>
+                          <a:ea typeface="MD이솝체" pitchFamily="18" charset="-127"/>
+                        </a:rPr>
+                        <a:t>발표영상 제작</a:t>
+                      </a:r>
+                      <a:endParaRPr lang="ko-KR" altLang="en-US" sz="1600" dirty="0">
                         <a:latin typeface="MD이솝체" pitchFamily="18" charset="-127"/>
                         <a:ea typeface="MD이솝체" pitchFamily="18" charset="-127"/>
                       </a:endParaRPr>
